--- a/probot.pptx
+++ b/probot.pptx
@@ -5,7 +5,15 @@
     <p:sldMasterId id="2147483648" r:id="rId1"/>
   </p:sldMasterIdLst>
   <p:sldIdLst>
-    <p:sldId id="256" r:id="rId2"/>
+    <p:sldId id="257" r:id="rId2"/>
+    <p:sldId id="258" r:id="rId3"/>
+    <p:sldId id="259" r:id="rId4"/>
+    <p:sldId id="256" r:id="rId5"/>
+    <p:sldId id="263" r:id="rId6"/>
+    <p:sldId id="260" r:id="rId7"/>
+    <p:sldId id="261" r:id="rId8"/>
+    <p:sldId id="262" r:id="rId9"/>
+    <p:sldId id="264" r:id="rId10"/>
   </p:sldIdLst>
   <p:sldSz cx="12192000" cy="6858000"/>
   <p:notesSz cx="6858000" cy="9144000"/>
@@ -243,7 +251,7 @@
           <a:p>
             <a:fld id="{B7FCCC29-19BE-4F8E-9365-D502AE4695E4}" type="datetimeFigureOut">
               <a:rPr lang="en-US" smtClean="0"/>
-              <a:t>13-Sep-17</a:t>
+              <a:t>9/24/2017</a:t>
             </a:fld>
             <a:endParaRPr lang="en-US"/>
           </a:p>
@@ -413,7 +421,7 @@
           <a:p>
             <a:fld id="{B7FCCC29-19BE-4F8E-9365-D502AE4695E4}" type="datetimeFigureOut">
               <a:rPr lang="en-US" smtClean="0"/>
-              <a:t>13-Sep-17</a:t>
+              <a:t>9/24/2017</a:t>
             </a:fld>
             <a:endParaRPr lang="en-US"/>
           </a:p>
@@ -593,7 +601,7 @@
           <a:p>
             <a:fld id="{B7FCCC29-19BE-4F8E-9365-D502AE4695E4}" type="datetimeFigureOut">
               <a:rPr lang="en-US" smtClean="0"/>
-              <a:t>13-Sep-17</a:t>
+              <a:t>9/24/2017</a:t>
             </a:fld>
             <a:endParaRPr lang="en-US"/>
           </a:p>
@@ -763,7 +771,7 @@
           <a:p>
             <a:fld id="{B7FCCC29-19BE-4F8E-9365-D502AE4695E4}" type="datetimeFigureOut">
               <a:rPr lang="en-US" smtClean="0"/>
-              <a:t>13-Sep-17</a:t>
+              <a:t>9/24/2017</a:t>
             </a:fld>
             <a:endParaRPr lang="en-US"/>
           </a:p>
@@ -1009,7 +1017,7 @@
           <a:p>
             <a:fld id="{B7FCCC29-19BE-4F8E-9365-D502AE4695E4}" type="datetimeFigureOut">
               <a:rPr lang="en-US" smtClean="0"/>
-              <a:t>13-Sep-17</a:t>
+              <a:t>9/24/2017</a:t>
             </a:fld>
             <a:endParaRPr lang="en-US"/>
           </a:p>
@@ -1241,7 +1249,7 @@
           <a:p>
             <a:fld id="{B7FCCC29-19BE-4F8E-9365-D502AE4695E4}" type="datetimeFigureOut">
               <a:rPr lang="en-US" smtClean="0"/>
-              <a:t>13-Sep-17</a:t>
+              <a:t>9/24/2017</a:t>
             </a:fld>
             <a:endParaRPr lang="en-US"/>
           </a:p>
@@ -1608,7 +1616,7 @@
           <a:p>
             <a:fld id="{B7FCCC29-19BE-4F8E-9365-D502AE4695E4}" type="datetimeFigureOut">
               <a:rPr lang="en-US" smtClean="0"/>
-              <a:t>13-Sep-17</a:t>
+              <a:t>9/24/2017</a:t>
             </a:fld>
             <a:endParaRPr lang="en-US"/>
           </a:p>
@@ -1726,7 +1734,7 @@
           <a:p>
             <a:fld id="{B7FCCC29-19BE-4F8E-9365-D502AE4695E4}" type="datetimeFigureOut">
               <a:rPr lang="en-US" smtClean="0"/>
-              <a:t>13-Sep-17</a:t>
+              <a:t>9/24/2017</a:t>
             </a:fld>
             <a:endParaRPr lang="en-US"/>
           </a:p>
@@ -1821,7 +1829,7 @@
           <a:p>
             <a:fld id="{B7FCCC29-19BE-4F8E-9365-D502AE4695E4}" type="datetimeFigureOut">
               <a:rPr lang="en-US" smtClean="0"/>
-              <a:t>13-Sep-17</a:t>
+              <a:t>9/24/2017</a:t>
             </a:fld>
             <a:endParaRPr lang="en-US"/>
           </a:p>
@@ -2098,7 +2106,7 @@
           <a:p>
             <a:fld id="{B7FCCC29-19BE-4F8E-9365-D502AE4695E4}" type="datetimeFigureOut">
               <a:rPr lang="en-US" smtClean="0"/>
-              <a:t>13-Sep-17</a:t>
+              <a:t>9/24/2017</a:t>
             </a:fld>
             <a:endParaRPr lang="en-US"/>
           </a:p>
@@ -2351,7 +2359,7 @@
           <a:p>
             <a:fld id="{B7FCCC29-19BE-4F8E-9365-D502AE4695E4}" type="datetimeFigureOut">
               <a:rPr lang="en-US" smtClean="0"/>
-              <a:t>13-Sep-17</a:t>
+              <a:t>9/24/2017</a:t>
             </a:fld>
             <a:endParaRPr lang="en-US"/>
           </a:p>
@@ -2564,7 +2572,7 @@
           <a:p>
             <a:fld id="{B7FCCC29-19BE-4F8E-9365-D502AE4695E4}" type="datetimeFigureOut">
               <a:rPr lang="en-US" smtClean="0"/>
-              <a:t>13-Sep-17</a:t>
+              <a:t>9/24/2017</a:t>
             </a:fld>
             <a:endParaRPr lang="en-US"/>
           </a:p>
@@ -2955,6 +2963,14 @@
 <file path=ppt/slides/slide1.xml><?xml version="1.0" encoding="utf-8"?>
 <p:sld xmlns:a="http://schemas.openxmlformats.org/drawingml/2006/main" xmlns:r="http://schemas.openxmlformats.org/officeDocument/2006/relationships" xmlns:p="http://schemas.openxmlformats.org/presentationml/2006/main">
   <p:cSld>
+    <p:bg>
+      <p:bgPr>
+        <a:solidFill>
+          <a:schemeClr val="accent6"/>
+        </a:solidFill>
+        <a:effectLst/>
+      </p:bgPr>
+    </p:bg>
     <p:spTree>
       <p:nvGrpSpPr>
         <p:cNvPr id="1" name=""/>
@@ -2971,13 +2987,641 @@
       </p:grpSpPr>
       <p:sp>
         <p:nvSpPr>
+          <p:cNvPr id="6" name="Rectangular Callout 5"/>
+          <p:cNvSpPr/>
+          <p:nvPr/>
+        </p:nvSpPr>
+        <p:spPr>
+          <a:xfrm flipH="1">
+            <a:off x="5845629" y="914400"/>
+            <a:ext cx="5927268" cy="4963886"/>
+          </a:xfrm>
+          <a:prstGeom prst="wedgeRectCallout">
+            <a:avLst/>
+          </a:prstGeom>
+          <a:noFill/>
+          <a:ln w="127000">
+            <a:solidFill>
+              <a:schemeClr val="bg1"/>
+            </a:solidFill>
+          </a:ln>
+        </p:spPr>
+        <p:style>
+          <a:lnRef idx="2">
+            <a:schemeClr val="accent1">
+              <a:shade val="50000"/>
+            </a:schemeClr>
+          </a:lnRef>
+          <a:fillRef idx="1">
+            <a:schemeClr val="accent1"/>
+          </a:fillRef>
+          <a:effectRef idx="0">
+            <a:schemeClr val="accent1"/>
+          </a:effectRef>
+          <a:fontRef idx="minor">
+            <a:schemeClr val="lt1"/>
+          </a:fontRef>
+        </p:style>
+        <p:txBody>
+          <a:bodyPr rtlCol="0" anchor="ctr"/>
+          <a:lstStyle/>
+          <a:p>
+            <a:pPr algn="ctr"/>
+            <a:endParaRPr lang="en-IN" dirty="0"/>
+          </a:p>
+        </p:txBody>
+      </p:sp>
+      <p:sp>
+        <p:nvSpPr>
+          <p:cNvPr id="7" name="TextBox 6"/>
+          <p:cNvSpPr txBox="1"/>
+          <p:nvPr/>
+        </p:nvSpPr>
+        <p:spPr>
+          <a:xfrm flipH="1">
+            <a:off x="6013810" y="1264584"/>
+            <a:ext cx="2795453" cy="1569660"/>
+          </a:xfrm>
+          <a:prstGeom prst="rect">
+            <a:avLst/>
+          </a:prstGeom>
+          <a:noFill/>
+        </p:spPr>
+        <p:txBody>
+          <a:bodyPr wrap="square" rtlCol="0">
+            <a:spAutoFit/>
+          </a:bodyPr>
+          <a:lstStyle/>
+          <a:p>
+            <a:r>
+              <a:rPr lang="en-IN" sz="9600" dirty="0" smtClean="0">
+                <a:solidFill>
+                  <a:srgbClr val="AFDC7E"/>
+                </a:solidFill>
+                <a:latin typeface="Arial Black" panose="020B0A04020102020204" pitchFamily="34" charset="0"/>
+              </a:rPr>
+              <a:t>HI!</a:t>
+            </a:r>
+            <a:endParaRPr lang="en-IN" sz="9600" dirty="0">
+              <a:solidFill>
+                <a:srgbClr val="AFDC7E"/>
+              </a:solidFill>
+              <a:latin typeface="Arial Black" panose="020B0A04020102020204" pitchFamily="34" charset="0"/>
+            </a:endParaRPr>
+          </a:p>
+        </p:txBody>
+      </p:sp>
+      <p:sp>
+        <p:nvSpPr>
+          <p:cNvPr id="8" name="TextBox 7"/>
+          <p:cNvSpPr txBox="1"/>
+          <p:nvPr/>
+        </p:nvSpPr>
+        <p:spPr>
+          <a:xfrm>
+            <a:off x="6077489" y="2532689"/>
+            <a:ext cx="4661533" cy="2862322"/>
+          </a:xfrm>
+          <a:prstGeom prst="rect">
+            <a:avLst/>
+          </a:prstGeom>
+          <a:noFill/>
+        </p:spPr>
+        <p:txBody>
+          <a:bodyPr wrap="none" rtlCol="0">
+            <a:spAutoFit/>
+          </a:bodyPr>
+          <a:lstStyle/>
+          <a:p>
+            <a:r>
+              <a:rPr lang="en-IN" sz="3000" dirty="0" smtClean="0">
+                <a:solidFill>
+                  <a:schemeClr val="bg1"/>
+                </a:solidFill>
+                <a:latin typeface="Arial Black" panose="020B0A04020102020204" pitchFamily="34" charset="0"/>
+              </a:rPr>
+              <a:t>I AM ProBOT.</a:t>
+            </a:r>
+          </a:p>
+          <a:p>
+            <a:r>
+              <a:rPr lang="en-IN" sz="3000" dirty="0" smtClean="0">
+                <a:solidFill>
+                  <a:schemeClr val="bg1"/>
+                </a:solidFill>
+                <a:latin typeface="Arial Black" panose="020B0A04020102020204" pitchFamily="34" charset="0"/>
+              </a:rPr>
+              <a:t>I’M AM INTELLIGENT</a:t>
+            </a:r>
+          </a:p>
+          <a:p>
+            <a:r>
+              <a:rPr lang="en-IN" sz="3000" dirty="0" smtClean="0">
+                <a:solidFill>
+                  <a:schemeClr val="bg1"/>
+                </a:solidFill>
+                <a:latin typeface="Arial Black" panose="020B0A04020102020204" pitchFamily="34" charset="0"/>
+              </a:rPr>
+              <a:t>BOT TO HELP YOU</a:t>
+            </a:r>
+          </a:p>
+          <a:p>
+            <a:r>
+              <a:rPr lang="en-IN" sz="3000" dirty="0" smtClean="0">
+                <a:solidFill>
+                  <a:schemeClr val="bg1"/>
+                </a:solidFill>
+                <a:latin typeface="Arial Black" panose="020B0A04020102020204" pitchFamily="34" charset="0"/>
+              </a:rPr>
+              <a:t>ACCOMPLISH</a:t>
+            </a:r>
+          </a:p>
+          <a:p>
+            <a:r>
+              <a:rPr lang="en-IN" sz="3000" dirty="0" smtClean="0">
+                <a:solidFill>
+                  <a:schemeClr val="bg1"/>
+                </a:solidFill>
+                <a:latin typeface="Arial Black" panose="020B0A04020102020204" pitchFamily="34" charset="0"/>
+              </a:rPr>
+              <a:t>YOU DAILY TASK</a:t>
+            </a:r>
+          </a:p>
+          <a:p>
+            <a:r>
+              <a:rPr lang="en-IN" sz="3000" dirty="0" smtClean="0">
+                <a:solidFill>
+                  <a:schemeClr val="bg1"/>
+                </a:solidFill>
+                <a:latin typeface="Arial Black" panose="020B0A04020102020204" pitchFamily="34" charset="0"/>
+              </a:rPr>
+              <a:t>IN A COOL NEW WAY.</a:t>
+            </a:r>
+          </a:p>
+        </p:txBody>
+      </p:sp>
+      <p:sp>
+        <p:nvSpPr>
+          <p:cNvPr id="9" name="TextBox 8"/>
+          <p:cNvSpPr txBox="1"/>
+          <p:nvPr/>
+        </p:nvSpPr>
+        <p:spPr>
+          <a:xfrm>
+            <a:off x="440872" y="914400"/>
+            <a:ext cx="2567241" cy="307777"/>
+          </a:xfrm>
+          <a:prstGeom prst="rect">
+            <a:avLst/>
+          </a:prstGeom>
+          <a:noFill/>
+        </p:spPr>
+        <p:txBody>
+          <a:bodyPr wrap="none" rtlCol="0">
+            <a:spAutoFit/>
+          </a:bodyPr>
+          <a:lstStyle/>
+          <a:p>
+            <a:r>
+              <a:rPr lang="en-IN" sz="1400" dirty="0" smtClean="0">
+                <a:solidFill>
+                  <a:schemeClr val="bg1"/>
+                </a:solidFill>
+                <a:latin typeface="Arial Black" panose="020B0A04020102020204" pitchFamily="34" charset="0"/>
+              </a:rPr>
+              <a:t>PROHACKATHON – 2017</a:t>
+            </a:r>
+          </a:p>
+        </p:txBody>
+      </p:sp>
+      <p:sp>
+        <p:nvSpPr>
+          <p:cNvPr id="10" name="TextBox 9"/>
+          <p:cNvSpPr txBox="1"/>
+          <p:nvPr/>
+        </p:nvSpPr>
+        <p:spPr>
+          <a:xfrm>
+            <a:off x="440872" y="4440904"/>
+            <a:ext cx="1962397" cy="954107"/>
+          </a:xfrm>
+          <a:prstGeom prst="rect">
+            <a:avLst/>
+          </a:prstGeom>
+          <a:noFill/>
+        </p:spPr>
+        <p:txBody>
+          <a:bodyPr wrap="none" rtlCol="0">
+            <a:spAutoFit/>
+          </a:bodyPr>
+          <a:lstStyle/>
+          <a:p>
+            <a:r>
+              <a:rPr lang="en-IN" sz="1400" dirty="0">
+                <a:solidFill>
+                  <a:schemeClr val="bg1"/>
+                </a:solidFill>
+                <a:latin typeface="Arial Black" panose="020B0A04020102020204" pitchFamily="34" charset="0"/>
+              </a:rPr>
+              <a:t>Abhishek </a:t>
+            </a:r>
+            <a:r>
+              <a:rPr lang="en-IN" sz="1400" dirty="0" err="1" smtClean="0">
+                <a:solidFill>
+                  <a:schemeClr val="bg1"/>
+                </a:solidFill>
+                <a:latin typeface="Arial Black" panose="020B0A04020102020204" pitchFamily="34" charset="0"/>
+              </a:rPr>
+              <a:t>Simla</a:t>
+            </a:r>
+            <a:endParaRPr lang="en-IN" sz="1400" dirty="0" smtClean="0">
+              <a:solidFill>
+                <a:schemeClr val="bg1"/>
+              </a:solidFill>
+              <a:latin typeface="Arial Black" panose="020B0A04020102020204" pitchFamily="34" charset="0"/>
+            </a:endParaRPr>
+          </a:p>
+          <a:p>
+            <a:r>
+              <a:rPr lang="en-IN" sz="1400" dirty="0" err="1">
+                <a:solidFill>
+                  <a:schemeClr val="bg1"/>
+                </a:solidFill>
+                <a:latin typeface="Arial Black" panose="020B0A04020102020204" pitchFamily="34" charset="0"/>
+              </a:rPr>
+              <a:t>Komal</a:t>
+            </a:r>
+            <a:r>
+              <a:rPr lang="en-IN" sz="1400" dirty="0">
+                <a:solidFill>
+                  <a:schemeClr val="bg1"/>
+                </a:solidFill>
+                <a:latin typeface="Arial Black" panose="020B0A04020102020204" pitchFamily="34" charset="0"/>
+              </a:rPr>
+              <a:t> </a:t>
+            </a:r>
+            <a:r>
+              <a:rPr lang="en-IN" sz="1400" dirty="0" err="1">
+                <a:solidFill>
+                  <a:schemeClr val="bg1"/>
+                </a:solidFill>
+                <a:latin typeface="Arial Black" panose="020B0A04020102020204" pitchFamily="34" charset="0"/>
+              </a:rPr>
+              <a:t>Oswal</a:t>
+            </a:r>
+            <a:endParaRPr lang="en-IN" sz="1400" dirty="0" smtClean="0">
+              <a:solidFill>
+                <a:schemeClr val="bg1"/>
+              </a:solidFill>
+              <a:latin typeface="Arial Black" panose="020B0A04020102020204" pitchFamily="34" charset="0"/>
+            </a:endParaRPr>
+          </a:p>
+          <a:p>
+            <a:r>
+              <a:rPr lang="en-IN" sz="1400" dirty="0" smtClean="0">
+                <a:solidFill>
+                  <a:schemeClr val="bg1"/>
+                </a:solidFill>
+                <a:latin typeface="Arial Black" panose="020B0A04020102020204" pitchFamily="34" charset="0"/>
+              </a:rPr>
+              <a:t>Suzanne Christian</a:t>
+            </a:r>
+          </a:p>
+          <a:p>
+            <a:r>
+              <a:rPr lang="en-IN" sz="1400" dirty="0" err="1" smtClean="0">
+                <a:solidFill>
+                  <a:schemeClr val="bg1"/>
+                </a:solidFill>
+                <a:latin typeface="Arial Black" panose="020B0A04020102020204" pitchFamily="34" charset="0"/>
+              </a:rPr>
+              <a:t>Vedang</a:t>
+            </a:r>
+            <a:r>
+              <a:rPr lang="en-IN" sz="1400" dirty="0" smtClean="0">
+                <a:solidFill>
+                  <a:schemeClr val="bg1"/>
+                </a:solidFill>
+                <a:latin typeface="Arial Black" panose="020B0A04020102020204" pitchFamily="34" charset="0"/>
+              </a:rPr>
+              <a:t> </a:t>
+            </a:r>
+            <a:r>
+              <a:rPr lang="en-IN" sz="1400" dirty="0" err="1" smtClean="0">
+                <a:solidFill>
+                  <a:schemeClr val="bg1"/>
+                </a:solidFill>
+                <a:latin typeface="Arial Black" panose="020B0A04020102020204" pitchFamily="34" charset="0"/>
+              </a:rPr>
+              <a:t>Mahanjan</a:t>
+            </a:r>
+            <a:endParaRPr lang="en-IN" sz="1400" dirty="0" smtClean="0">
+              <a:solidFill>
+                <a:schemeClr val="bg1"/>
+              </a:solidFill>
+              <a:latin typeface="Arial Black" panose="020B0A04020102020204" pitchFamily="34" charset="0"/>
+            </a:endParaRPr>
+          </a:p>
+        </p:txBody>
+      </p:sp>
+      <p:sp>
+        <p:nvSpPr>
+          <p:cNvPr id="11" name="TextBox 10"/>
+          <p:cNvSpPr txBox="1"/>
+          <p:nvPr/>
+        </p:nvSpPr>
+        <p:spPr>
+          <a:xfrm>
+            <a:off x="440872" y="4042909"/>
+            <a:ext cx="1161087" cy="400110"/>
+          </a:xfrm>
+          <a:prstGeom prst="rect">
+            <a:avLst/>
+          </a:prstGeom>
+          <a:noFill/>
+        </p:spPr>
+        <p:txBody>
+          <a:bodyPr wrap="none" rtlCol="0">
+            <a:spAutoFit/>
+          </a:bodyPr>
+          <a:lstStyle/>
+          <a:p>
+            <a:r>
+              <a:rPr lang="en-IN" sz="2000" dirty="0" smtClean="0">
+                <a:solidFill>
+                  <a:schemeClr val="bg1"/>
+                </a:solidFill>
+                <a:latin typeface="Arial Black" panose="020B0A04020102020204" pitchFamily="34" charset="0"/>
+              </a:rPr>
+              <a:t>#KAOS</a:t>
+            </a:r>
+          </a:p>
+        </p:txBody>
+      </p:sp>
+      <p:sp>
+        <p:nvSpPr>
+          <p:cNvPr id="12" name="TextBox 11"/>
+          <p:cNvSpPr txBox="1"/>
+          <p:nvPr/>
+        </p:nvSpPr>
+        <p:spPr>
+          <a:xfrm>
+            <a:off x="440872" y="5793006"/>
+            <a:ext cx="3175741" cy="307777"/>
+          </a:xfrm>
+          <a:prstGeom prst="rect">
+            <a:avLst/>
+          </a:prstGeom>
+          <a:noFill/>
+        </p:spPr>
+        <p:txBody>
+          <a:bodyPr wrap="none" rtlCol="0">
+            <a:spAutoFit/>
+          </a:bodyPr>
+          <a:lstStyle/>
+          <a:p>
+            <a:r>
+              <a:rPr lang="en-IN" sz="1400" dirty="0" err="1" smtClean="0">
+                <a:solidFill>
+                  <a:schemeClr val="bg1"/>
+                </a:solidFill>
+                <a:latin typeface="Arial Black" panose="020B0A04020102020204" pitchFamily="34" charset="0"/>
+              </a:rPr>
+              <a:t>Kaustubh</a:t>
+            </a:r>
+            <a:r>
+              <a:rPr lang="en-IN" sz="1400" dirty="0" smtClean="0">
+                <a:solidFill>
+                  <a:schemeClr val="bg1"/>
+                </a:solidFill>
+                <a:latin typeface="Arial Black" panose="020B0A04020102020204" pitchFamily="34" charset="0"/>
+              </a:rPr>
+              <a:t> </a:t>
+            </a:r>
+            <a:r>
+              <a:rPr lang="en-IN" sz="1400" dirty="0" err="1" smtClean="0">
+                <a:solidFill>
+                  <a:schemeClr val="bg1"/>
+                </a:solidFill>
+                <a:latin typeface="Arial Black" panose="020B0A04020102020204" pitchFamily="34" charset="0"/>
+              </a:rPr>
+              <a:t>Karandikar</a:t>
+            </a:r>
+            <a:r>
+              <a:rPr lang="en-IN" sz="1400" dirty="0" smtClean="0">
+                <a:solidFill>
+                  <a:schemeClr val="bg1"/>
+                </a:solidFill>
+                <a:latin typeface="Arial Black" panose="020B0A04020102020204" pitchFamily="34" charset="0"/>
+              </a:rPr>
+              <a:t> – Mentor</a:t>
+            </a:r>
+          </a:p>
+        </p:txBody>
+      </p:sp>
+    </p:spTree>
+    <p:extLst>
+      <p:ext uri="{BB962C8B-B14F-4D97-AF65-F5344CB8AC3E}">
+        <p14:creationId xmlns:p14="http://schemas.microsoft.com/office/powerpoint/2010/main" val="1328149338"/>
+      </p:ext>
+    </p:extLst>
+  </p:cSld>
+  <p:clrMapOvr>
+    <a:masterClrMapping/>
+  </p:clrMapOvr>
+  <p:timing>
+    <p:tnLst>
+      <p:par>
+        <p:cTn id="1" dur="indefinite" restart="never" nodeType="tmRoot"/>
+      </p:par>
+    </p:tnLst>
+  </p:timing>
+</p:sld>
+</file>
+
+<file path=ppt/slides/slide2.xml><?xml version="1.0" encoding="utf-8"?>
+<p:sld xmlns:a="http://schemas.openxmlformats.org/drawingml/2006/main" xmlns:r="http://schemas.openxmlformats.org/officeDocument/2006/relationships" xmlns:p="http://schemas.openxmlformats.org/presentationml/2006/main">
+  <p:cSld>
+    <p:bg>
+      <p:bgPr>
+        <a:solidFill>
+          <a:schemeClr val="accent6"/>
+        </a:solidFill>
+        <a:effectLst/>
+      </p:bgPr>
+    </p:bg>
+    <p:spTree>
+      <p:nvGrpSpPr>
+        <p:cNvPr id="1" name=""/>
+        <p:cNvGrpSpPr/>
+        <p:nvPr/>
+      </p:nvGrpSpPr>
+      <p:grpSpPr>
+        <a:xfrm>
+          <a:off x="0" y="0"/>
+          <a:ext cx="0" cy="0"/>
+          <a:chOff x="0" y="0"/>
+          <a:chExt cx="0" cy="0"/>
+        </a:xfrm>
+      </p:grpSpPr>
+      <p:sp>
+        <p:nvSpPr>
+          <p:cNvPr id="4" name="TextBox 3"/>
+          <p:cNvSpPr txBox="1"/>
+          <p:nvPr/>
+        </p:nvSpPr>
+        <p:spPr>
+          <a:xfrm>
+            <a:off x="2906486" y="1143000"/>
+            <a:ext cx="1239122" cy="646331"/>
+          </a:xfrm>
+          <a:prstGeom prst="rect">
+            <a:avLst/>
+          </a:prstGeom>
+          <a:noFill/>
+        </p:spPr>
+        <p:txBody>
+          <a:bodyPr wrap="none" rtlCol="0">
+            <a:spAutoFit/>
+          </a:bodyPr>
+          <a:lstStyle/>
+          <a:p>
+            <a:endParaRPr lang="en-IN" dirty="0" smtClean="0"/>
+          </a:p>
+          <a:p>
+            <a:r>
+              <a:rPr lang="en-IN" dirty="0" smtClean="0"/>
+              <a:t>capabilities</a:t>
+            </a:r>
+            <a:endParaRPr lang="en-IN" dirty="0"/>
+          </a:p>
+        </p:txBody>
+      </p:sp>
+    </p:spTree>
+    <p:extLst>
+      <p:ext uri="{BB962C8B-B14F-4D97-AF65-F5344CB8AC3E}">
+        <p14:creationId xmlns:p14="http://schemas.microsoft.com/office/powerpoint/2010/main" val="3414441120"/>
+      </p:ext>
+    </p:extLst>
+  </p:cSld>
+  <p:clrMapOvr>
+    <a:masterClrMapping/>
+  </p:clrMapOvr>
+  <p:timing>
+    <p:tnLst>
+      <p:par>
+        <p:cTn id="1" dur="indefinite" restart="never" nodeType="tmRoot"/>
+      </p:par>
+    </p:tnLst>
+  </p:timing>
+</p:sld>
+</file>
+
+<file path=ppt/slides/slide3.xml><?xml version="1.0" encoding="utf-8"?>
+<p:sld xmlns:a="http://schemas.openxmlformats.org/drawingml/2006/main" xmlns:r="http://schemas.openxmlformats.org/officeDocument/2006/relationships" xmlns:p="http://schemas.openxmlformats.org/presentationml/2006/main">
+  <p:cSld>
+    <p:spTree>
+      <p:nvGrpSpPr>
+        <p:cNvPr id="1" name=""/>
+        <p:cNvGrpSpPr/>
+        <p:nvPr/>
+      </p:nvGrpSpPr>
+      <p:grpSpPr>
+        <a:xfrm>
+          <a:off x="0" y="0"/>
+          <a:ext cx="0" cy="0"/>
+          <a:chOff x="0" y="0"/>
+          <a:chExt cx="0" cy="0"/>
+        </a:xfrm>
+      </p:grpSpPr>
+      <p:sp>
+        <p:nvSpPr>
+          <p:cNvPr id="2" name="Title 1"/>
+          <p:cNvSpPr>
+            <a:spLocks noGrp="1"/>
+          </p:cNvSpPr>
+          <p:nvPr>
+            <p:ph type="title"/>
+          </p:nvPr>
+        </p:nvSpPr>
+        <p:spPr/>
+        <p:txBody>
+          <a:bodyPr/>
+          <a:lstStyle/>
+          <a:p>
+            <a:r>
+              <a:rPr lang="en-IN" dirty="0" smtClean="0"/>
+              <a:t>Challenges</a:t>
+            </a:r>
+            <a:endParaRPr lang="en-IN" dirty="0"/>
+          </a:p>
+        </p:txBody>
+      </p:sp>
+      <p:sp>
+        <p:nvSpPr>
+          <p:cNvPr id="3" name="Content Placeholder 2"/>
+          <p:cNvSpPr>
+            <a:spLocks noGrp="1"/>
+          </p:cNvSpPr>
+          <p:nvPr>
+            <p:ph idx="1"/>
+          </p:nvPr>
+        </p:nvSpPr>
+        <p:spPr/>
+        <p:txBody>
+          <a:bodyPr/>
+          <a:lstStyle/>
+          <a:p>
+            <a:endParaRPr lang="en-IN"/>
+          </a:p>
+        </p:txBody>
+      </p:sp>
+    </p:spTree>
+    <p:extLst>
+      <p:ext uri="{BB962C8B-B14F-4D97-AF65-F5344CB8AC3E}">
+        <p14:creationId xmlns:p14="http://schemas.microsoft.com/office/powerpoint/2010/main" val="892309953"/>
+      </p:ext>
+    </p:extLst>
+  </p:cSld>
+  <p:clrMapOvr>
+    <a:masterClrMapping/>
+  </p:clrMapOvr>
+  <p:timing>
+    <p:tnLst>
+      <p:par>
+        <p:cTn id="1" dur="indefinite" restart="never" nodeType="tmRoot"/>
+      </p:par>
+    </p:tnLst>
+  </p:timing>
+</p:sld>
+</file>
+
+<file path=ppt/slides/slide4.xml><?xml version="1.0" encoding="utf-8"?>
+<p:sld xmlns:a="http://schemas.openxmlformats.org/drawingml/2006/main" xmlns:r="http://schemas.openxmlformats.org/officeDocument/2006/relationships" xmlns:p="http://schemas.openxmlformats.org/presentationml/2006/main">
+  <p:cSld>
+    <p:spTree>
+      <p:nvGrpSpPr>
+        <p:cNvPr id="1" name=""/>
+        <p:cNvGrpSpPr/>
+        <p:nvPr/>
+      </p:nvGrpSpPr>
+      <p:grpSpPr>
+        <a:xfrm>
+          <a:off x="0" y="0"/>
+          <a:ext cx="0" cy="0"/>
+          <a:chOff x="0" y="0"/>
+          <a:chExt cx="0" cy="0"/>
+        </a:xfrm>
+      </p:grpSpPr>
+      <p:sp>
+        <p:nvSpPr>
           <p:cNvPr id="4" name="Rectangle 3"/>
           <p:cNvSpPr/>
           <p:nvPr/>
         </p:nvSpPr>
         <p:spPr>
           <a:xfrm>
-            <a:off x="3966692" y="2125013"/>
+            <a:off x="5914437" y="1854557"/>
             <a:ext cx="5344733" cy="2240925"/>
           </a:xfrm>
           <a:prstGeom prst="rect">
@@ -3039,7 +3683,7 @@
         </p:blipFill>
         <p:spPr bwMode="auto">
           <a:xfrm>
-            <a:off x="3593718" y="2653600"/>
+            <a:off x="5541463" y="2383144"/>
             <a:ext cx="1016919" cy="1016919"/>
           </a:xfrm>
           <a:prstGeom prst="rect">
@@ -3080,35 +3724,30 @@
         </p:blipFill>
         <p:spPr bwMode="auto">
           <a:xfrm>
-            <a:off x="5370444" y="321928"/>
+            <a:off x="7318189" y="51472"/>
             <a:ext cx="631109" cy="631109"/>
           </a:xfrm>
           <a:prstGeom prst="rect">
             <a:avLst/>
           </a:prstGeom>
           <a:noFill/>
-          <a:extLst>
-            <a:ext uri="{909E8E84-426E-40DD-AFC4-6F175D3DCCD1}">
-              <a14:hiddenFill xmlns:a14="http://schemas.microsoft.com/office/drawing/2010/main">
-                <a:solidFill>
-                  <a:srgbClr val="FFFFFF"/>
-                </a:solidFill>
-              </a14:hiddenFill>
-            </a:ext>
-          </a:extLst>
+          <a:ln>
+            <a:solidFill>
+              <a:schemeClr val="accent1"/>
+            </a:solidFill>
+          </a:ln>
+          <a:extLst/>
         </p:spPr>
       </p:pic>
       <p:cxnSp>
         <p:nvCxnSpPr>
           <p:cNvPr id="7" name="Elbow Connector 6"/>
-          <p:cNvCxnSpPr>
-            <a:endCxn id="1028" idx="1"/>
-          </p:cNvCxnSpPr>
+          <p:cNvCxnSpPr/>
           <p:nvPr/>
         </p:nvCxnSpPr>
         <p:spPr>
           <a:xfrm rot="5400000" flipH="1" flipV="1">
-            <a:off x="4111547" y="866118"/>
+            <a:off x="6059292" y="566506"/>
             <a:ext cx="1487531" cy="1030263"/>
           </a:xfrm>
           <a:prstGeom prst="bentConnector2">
@@ -3143,7 +3782,7 @@
         </p:nvCxnSpPr>
         <p:spPr>
           <a:xfrm>
-            <a:off x="6001553" y="637483"/>
+            <a:off x="7949298" y="367027"/>
             <a:ext cx="1030263" cy="1487530"/>
           </a:xfrm>
           <a:prstGeom prst="bentConnector2">
@@ -3191,7 +3830,7 @@
         </p:blipFill>
         <p:spPr bwMode="auto">
           <a:xfrm>
-            <a:off x="5758962" y="5537914"/>
+            <a:off x="7706707" y="5267458"/>
             <a:ext cx="1042160" cy="1042160"/>
           </a:xfrm>
           <a:prstGeom prst="rect">
@@ -3219,7 +3858,7 @@
         </p:nvCxnSpPr>
         <p:spPr>
           <a:xfrm rot="5400000">
-            <a:off x="6592098" y="4574962"/>
+            <a:off x="8539843" y="4304506"/>
             <a:ext cx="1693056" cy="1275008"/>
           </a:xfrm>
           <a:prstGeom prst="bentConnector2">
@@ -3252,7 +3891,7 @@
         </p:nvCxnSpPr>
         <p:spPr>
           <a:xfrm rot="10800000">
-            <a:off x="4610637" y="4365938"/>
+            <a:off x="6558382" y="4095482"/>
             <a:ext cx="1185934" cy="1693056"/>
           </a:xfrm>
           <a:prstGeom prst="bentConnector2">
@@ -3300,8 +3939,8 @@
         </p:blipFill>
         <p:spPr bwMode="auto">
           <a:xfrm>
-            <a:off x="90153" y="2428466"/>
-            <a:ext cx="1740434" cy="1740434"/>
+            <a:off x="-209097" y="1470287"/>
+            <a:ext cx="3313984" cy="3313984"/>
           </a:xfrm>
           <a:prstGeom prst="rect">
             <a:avLst/>
@@ -3326,8 +3965,8 @@
         </p:nvGrpSpPr>
         <p:grpSpPr>
           <a:xfrm>
-            <a:off x="437886" y="2090289"/>
-            <a:ext cx="1074950" cy="338178"/>
+            <a:off x="424481" y="826358"/>
+            <a:ext cx="2046827" cy="643929"/>
             <a:chOff x="292467" y="3939334"/>
             <a:chExt cx="1356027" cy="426604"/>
           </a:xfrm>
@@ -3464,7 +4103,7 @@
         </p:nvCxnSpPr>
         <p:spPr>
           <a:xfrm>
-            <a:off x="1738648" y="2975020"/>
+            <a:off x="2966286" y="2928011"/>
             <a:ext cx="1855070" cy="0"/>
           </a:xfrm>
           <a:prstGeom prst="straightConnector1">
@@ -3497,7 +4136,7 @@
         </p:nvSpPr>
         <p:spPr>
           <a:xfrm>
-            <a:off x="-26344" y="4331983"/>
+            <a:off x="462832" y="4942010"/>
             <a:ext cx="1359603" cy="646331"/>
           </a:xfrm>
           <a:prstGeom prst="rect">
@@ -3533,8 +4172,8 @@
         </p:nvSpPr>
         <p:spPr>
           <a:xfrm>
-            <a:off x="1705766" y="4493565"/>
-            <a:ext cx="349905" cy="323166"/>
+            <a:off x="2174669" y="4988176"/>
+            <a:ext cx="571754" cy="437607"/>
           </a:xfrm>
           <a:prstGeom prst="wedgeEllipseCallout">
             <a:avLst/>
@@ -3573,8 +4212,8 @@
         </p:nvSpPr>
         <p:spPr>
           <a:xfrm>
-            <a:off x="1279065" y="4493565"/>
-            <a:ext cx="300082" cy="369332"/>
+            <a:off x="1874587" y="5029200"/>
+            <a:ext cx="264456" cy="369332"/>
           </a:xfrm>
           <a:prstGeom prst="rect">
             <a:avLst/>
@@ -3582,7 +4221,7 @@
           <a:noFill/>
         </p:spPr>
         <p:txBody>
-          <a:bodyPr wrap="none" rtlCol="0">
+          <a:bodyPr wrap="square" rtlCol="0">
             <a:spAutoFit/>
           </a:bodyPr>
           <a:lstStyle/>
@@ -3603,7 +4242,7 @@
         </p:nvSpPr>
         <p:spPr>
           <a:xfrm>
-            <a:off x="4609791" y="2977393"/>
+            <a:off x="6557536" y="2706937"/>
             <a:ext cx="373820" cy="369332"/>
           </a:xfrm>
           <a:prstGeom prst="rect">
@@ -3633,7 +4272,7 @@
         </p:nvSpPr>
         <p:spPr>
           <a:xfrm>
-            <a:off x="6011762" y="296513"/>
+            <a:off x="7959507" y="26057"/>
             <a:ext cx="328936" cy="369332"/>
           </a:xfrm>
           <a:prstGeom prst="rect">
@@ -4194,6 +4833,368 @@
 </p:sld>
 </file>
 
+<file path=ppt/slides/slide5.xml><?xml version="1.0" encoding="utf-8"?>
+<p:sld xmlns:a="http://schemas.openxmlformats.org/drawingml/2006/main" xmlns:r="http://schemas.openxmlformats.org/officeDocument/2006/relationships" xmlns:p="http://schemas.openxmlformats.org/presentationml/2006/main">
+  <p:cSld>
+    <p:spTree>
+      <p:nvGrpSpPr>
+        <p:cNvPr id="1" name=""/>
+        <p:cNvGrpSpPr/>
+        <p:nvPr/>
+      </p:nvGrpSpPr>
+      <p:grpSpPr>
+        <a:xfrm>
+          <a:off x="0" y="0"/>
+          <a:ext cx="0" cy="0"/>
+          <a:chOff x="0" y="0"/>
+          <a:chExt cx="0" cy="0"/>
+        </a:xfrm>
+      </p:grpSpPr>
+      <p:sp>
+        <p:nvSpPr>
+          <p:cNvPr id="2" name="Title 1"/>
+          <p:cNvSpPr>
+            <a:spLocks noGrp="1"/>
+          </p:cNvSpPr>
+          <p:nvPr>
+            <p:ph type="title"/>
+          </p:nvPr>
+        </p:nvSpPr>
+        <p:spPr/>
+        <p:txBody>
+          <a:bodyPr/>
+          <a:lstStyle/>
+          <a:p>
+            <a:r>
+              <a:rPr lang="en-IN" dirty="0" smtClean="0"/>
+              <a:t>Demo</a:t>
+            </a:r>
+            <a:endParaRPr lang="en-IN" dirty="0"/>
+          </a:p>
+        </p:txBody>
+      </p:sp>
+      <p:sp>
+        <p:nvSpPr>
+          <p:cNvPr id="3" name="Content Placeholder 2"/>
+          <p:cNvSpPr>
+            <a:spLocks noGrp="1"/>
+          </p:cNvSpPr>
+          <p:nvPr>
+            <p:ph idx="1"/>
+          </p:nvPr>
+        </p:nvSpPr>
+        <p:spPr/>
+        <p:txBody>
+          <a:bodyPr/>
+          <a:lstStyle/>
+          <a:p>
+            <a:endParaRPr lang="en-IN"/>
+          </a:p>
+        </p:txBody>
+      </p:sp>
+    </p:spTree>
+    <p:extLst>
+      <p:ext uri="{BB962C8B-B14F-4D97-AF65-F5344CB8AC3E}">
+        <p14:creationId xmlns:p14="http://schemas.microsoft.com/office/powerpoint/2010/main" val="1446903007"/>
+      </p:ext>
+    </p:extLst>
+  </p:cSld>
+  <p:clrMapOvr>
+    <a:masterClrMapping/>
+  </p:clrMapOvr>
+  <p:timing>
+    <p:tnLst>
+      <p:par>
+        <p:cTn id="1" dur="indefinite" restart="never" nodeType="tmRoot"/>
+      </p:par>
+    </p:tnLst>
+  </p:timing>
+</p:sld>
+</file>
+
+<file path=ppt/slides/slide6.xml><?xml version="1.0" encoding="utf-8"?>
+<p:sld xmlns:a="http://schemas.openxmlformats.org/drawingml/2006/main" xmlns:r="http://schemas.openxmlformats.org/officeDocument/2006/relationships" xmlns:p="http://schemas.openxmlformats.org/presentationml/2006/main">
+  <p:cSld>
+    <p:spTree>
+      <p:nvGrpSpPr>
+        <p:cNvPr id="1" name=""/>
+        <p:cNvGrpSpPr/>
+        <p:nvPr/>
+      </p:nvGrpSpPr>
+      <p:grpSpPr>
+        <a:xfrm>
+          <a:off x="0" y="0"/>
+          <a:ext cx="0" cy="0"/>
+          <a:chOff x="0" y="0"/>
+          <a:chExt cx="0" cy="0"/>
+        </a:xfrm>
+      </p:grpSpPr>
+      <p:sp>
+        <p:nvSpPr>
+          <p:cNvPr id="2" name="Title 1"/>
+          <p:cNvSpPr>
+            <a:spLocks noGrp="1"/>
+          </p:cNvSpPr>
+          <p:nvPr>
+            <p:ph type="title"/>
+          </p:nvPr>
+        </p:nvSpPr>
+        <p:spPr/>
+        <p:txBody>
+          <a:bodyPr/>
+          <a:lstStyle/>
+          <a:p>
+            <a:r>
+              <a:rPr lang="en-IN" dirty="0" smtClean="0"/>
+              <a:t>Stack</a:t>
+            </a:r>
+            <a:endParaRPr lang="en-IN" dirty="0"/>
+          </a:p>
+        </p:txBody>
+      </p:sp>
+      <p:sp>
+        <p:nvSpPr>
+          <p:cNvPr id="3" name="Content Placeholder 2"/>
+          <p:cNvSpPr>
+            <a:spLocks noGrp="1"/>
+          </p:cNvSpPr>
+          <p:nvPr>
+            <p:ph idx="1"/>
+          </p:nvPr>
+        </p:nvSpPr>
+        <p:spPr/>
+        <p:txBody>
+          <a:bodyPr/>
+          <a:lstStyle/>
+          <a:p>
+            <a:endParaRPr lang="en-IN"/>
+          </a:p>
+        </p:txBody>
+      </p:sp>
+    </p:spTree>
+    <p:extLst>
+      <p:ext uri="{BB962C8B-B14F-4D97-AF65-F5344CB8AC3E}">
+        <p14:creationId xmlns:p14="http://schemas.microsoft.com/office/powerpoint/2010/main" val="3202791328"/>
+      </p:ext>
+    </p:extLst>
+  </p:cSld>
+  <p:clrMapOvr>
+    <a:masterClrMapping/>
+  </p:clrMapOvr>
+  <p:timing>
+    <p:tnLst>
+      <p:par>
+        <p:cTn id="1" dur="indefinite" restart="never" nodeType="tmRoot"/>
+      </p:par>
+    </p:tnLst>
+  </p:timing>
+</p:sld>
+</file>
+
+<file path=ppt/slides/slide7.xml><?xml version="1.0" encoding="utf-8"?>
+<p:sld xmlns:a="http://schemas.openxmlformats.org/drawingml/2006/main" xmlns:r="http://schemas.openxmlformats.org/officeDocument/2006/relationships" xmlns:p="http://schemas.openxmlformats.org/presentationml/2006/main">
+  <p:cSld>
+    <p:spTree>
+      <p:nvGrpSpPr>
+        <p:cNvPr id="1" name=""/>
+        <p:cNvGrpSpPr/>
+        <p:nvPr/>
+      </p:nvGrpSpPr>
+      <p:grpSpPr>
+        <a:xfrm>
+          <a:off x="0" y="0"/>
+          <a:ext cx="0" cy="0"/>
+          <a:chOff x="0" y="0"/>
+          <a:chExt cx="0" cy="0"/>
+        </a:xfrm>
+      </p:grpSpPr>
+      <p:sp>
+        <p:nvSpPr>
+          <p:cNvPr id="2" name="Title 1"/>
+          <p:cNvSpPr>
+            <a:spLocks noGrp="1"/>
+          </p:cNvSpPr>
+          <p:nvPr>
+            <p:ph type="title"/>
+          </p:nvPr>
+        </p:nvSpPr>
+        <p:spPr/>
+        <p:txBody>
+          <a:bodyPr/>
+          <a:lstStyle/>
+          <a:p>
+            <a:r>
+              <a:rPr lang="en-IN" dirty="0" smtClean="0"/>
+              <a:t>Learning</a:t>
+            </a:r>
+            <a:endParaRPr lang="en-IN" dirty="0"/>
+          </a:p>
+        </p:txBody>
+      </p:sp>
+      <p:sp>
+        <p:nvSpPr>
+          <p:cNvPr id="3" name="Content Placeholder 2"/>
+          <p:cNvSpPr>
+            <a:spLocks noGrp="1"/>
+          </p:cNvSpPr>
+          <p:nvPr>
+            <p:ph idx="1"/>
+          </p:nvPr>
+        </p:nvSpPr>
+        <p:spPr/>
+        <p:txBody>
+          <a:bodyPr/>
+          <a:lstStyle/>
+          <a:p>
+            <a:endParaRPr lang="en-IN"/>
+          </a:p>
+        </p:txBody>
+      </p:sp>
+    </p:spTree>
+    <p:extLst>
+      <p:ext uri="{BB962C8B-B14F-4D97-AF65-F5344CB8AC3E}">
+        <p14:creationId xmlns:p14="http://schemas.microsoft.com/office/powerpoint/2010/main" val="1243086929"/>
+      </p:ext>
+    </p:extLst>
+  </p:cSld>
+  <p:clrMapOvr>
+    <a:masterClrMapping/>
+  </p:clrMapOvr>
+  <p:timing>
+    <p:tnLst>
+      <p:par>
+        <p:cTn id="1" dur="indefinite" restart="never" nodeType="tmRoot"/>
+      </p:par>
+    </p:tnLst>
+  </p:timing>
+</p:sld>
+</file>
+
+<file path=ppt/slides/slide8.xml><?xml version="1.0" encoding="utf-8"?>
+<p:sld xmlns:a="http://schemas.openxmlformats.org/drawingml/2006/main" xmlns:r="http://schemas.openxmlformats.org/officeDocument/2006/relationships" xmlns:p="http://schemas.openxmlformats.org/presentationml/2006/main">
+  <p:cSld>
+    <p:spTree>
+      <p:nvGrpSpPr>
+        <p:cNvPr id="1" name=""/>
+        <p:cNvGrpSpPr/>
+        <p:nvPr/>
+      </p:nvGrpSpPr>
+      <p:grpSpPr>
+        <a:xfrm>
+          <a:off x="0" y="0"/>
+          <a:ext cx="0" cy="0"/>
+          <a:chOff x="0" y="0"/>
+          <a:chExt cx="0" cy="0"/>
+        </a:xfrm>
+      </p:grpSpPr>
+      <p:sp>
+        <p:nvSpPr>
+          <p:cNvPr id="2" name="Title 1"/>
+          <p:cNvSpPr>
+            <a:spLocks noGrp="1"/>
+          </p:cNvSpPr>
+          <p:nvPr>
+            <p:ph type="title"/>
+          </p:nvPr>
+        </p:nvSpPr>
+        <p:spPr/>
+        <p:txBody>
+          <a:bodyPr/>
+          <a:lstStyle/>
+          <a:p>
+            <a:r>
+              <a:rPr lang="en-IN" dirty="0" smtClean="0"/>
+              <a:t>Future Roadmap</a:t>
+            </a:r>
+            <a:endParaRPr lang="en-IN" dirty="0"/>
+          </a:p>
+        </p:txBody>
+      </p:sp>
+      <p:sp>
+        <p:nvSpPr>
+          <p:cNvPr id="3" name="Content Placeholder 2"/>
+          <p:cNvSpPr>
+            <a:spLocks noGrp="1"/>
+          </p:cNvSpPr>
+          <p:nvPr>
+            <p:ph idx="1"/>
+          </p:nvPr>
+        </p:nvSpPr>
+        <p:spPr/>
+        <p:txBody>
+          <a:bodyPr/>
+          <a:lstStyle/>
+          <a:p>
+            <a:endParaRPr lang="en-IN"/>
+          </a:p>
+        </p:txBody>
+      </p:sp>
+    </p:spTree>
+    <p:extLst>
+      <p:ext uri="{BB962C8B-B14F-4D97-AF65-F5344CB8AC3E}">
+        <p14:creationId xmlns:p14="http://schemas.microsoft.com/office/powerpoint/2010/main" val="1259631809"/>
+      </p:ext>
+    </p:extLst>
+  </p:cSld>
+  <p:clrMapOvr>
+    <a:masterClrMapping/>
+  </p:clrMapOvr>
+</p:sld>
+</file>
+
+<file path=ppt/slides/slide9.xml><?xml version="1.0" encoding="utf-8"?>
+<p:sld xmlns:a="http://schemas.openxmlformats.org/drawingml/2006/main" xmlns:r="http://schemas.openxmlformats.org/officeDocument/2006/relationships" xmlns:p="http://schemas.openxmlformats.org/presentationml/2006/main">
+  <p:cSld>
+    <p:spTree>
+      <p:nvGrpSpPr>
+        <p:cNvPr id="1" name=""/>
+        <p:cNvGrpSpPr/>
+        <p:nvPr/>
+      </p:nvGrpSpPr>
+      <p:grpSpPr>
+        <a:xfrm>
+          <a:off x="0" y="0"/>
+          <a:ext cx="0" cy="0"/>
+          <a:chOff x="0" y="0"/>
+          <a:chExt cx="0" cy="0"/>
+        </a:xfrm>
+      </p:grpSpPr>
+      <p:sp>
+        <p:nvSpPr>
+          <p:cNvPr id="2" name="Title 1"/>
+          <p:cNvSpPr>
+            <a:spLocks noGrp="1"/>
+          </p:cNvSpPr>
+          <p:nvPr>
+            <p:ph type="title"/>
+          </p:nvPr>
+        </p:nvSpPr>
+        <p:spPr/>
+        <p:txBody>
+          <a:bodyPr/>
+          <a:lstStyle/>
+          <a:p>
+            <a:r>
+              <a:rPr lang="en-IN" dirty="0" smtClean="0"/>
+              <a:t>Team</a:t>
+            </a:r>
+            <a:endParaRPr lang="en-IN" dirty="0"/>
+          </a:p>
+        </p:txBody>
+      </p:sp>
+    </p:spTree>
+    <p:extLst>
+      <p:ext uri="{BB962C8B-B14F-4D97-AF65-F5344CB8AC3E}">
+        <p14:creationId xmlns:p14="http://schemas.microsoft.com/office/powerpoint/2010/main" val="254534893"/>
+      </p:ext>
+    </p:extLst>
+  </p:cSld>
+  <p:clrMapOvr>
+    <a:masterClrMapping/>
+  </p:clrMapOvr>
+</p:sld>
+</file>
+
 <file path=ppt/theme/theme1.xml><?xml version="1.0" encoding="utf-8"?>
 <a:theme xmlns:a="http://schemas.openxmlformats.org/drawingml/2006/main" name="Office Theme">
   <a:themeElements>

--- a/probot.pptx
+++ b/probot.pptx
@@ -9,11 +9,10 @@
     <p:sldId id="258" r:id="rId3"/>
     <p:sldId id="259" r:id="rId4"/>
     <p:sldId id="256" r:id="rId5"/>
-    <p:sldId id="263" r:id="rId6"/>
-    <p:sldId id="260" r:id="rId7"/>
-    <p:sldId id="261" r:id="rId8"/>
-    <p:sldId id="262" r:id="rId9"/>
-    <p:sldId id="264" r:id="rId10"/>
+    <p:sldId id="260" r:id="rId6"/>
+    <p:sldId id="261" r:id="rId7"/>
+    <p:sldId id="262" r:id="rId8"/>
+    <p:sldId id="264" r:id="rId9"/>
   </p:sldIdLst>
   <p:sldSz cx="12192000" cy="6858000"/>
   <p:notesSz cx="6858000" cy="9144000"/>
@@ -251,7 +250,7 @@
           <a:p>
             <a:fld id="{B7FCCC29-19BE-4F8E-9365-D502AE4695E4}" type="datetimeFigureOut">
               <a:rPr lang="en-US" smtClean="0"/>
-              <a:t>9/24/2017</a:t>
+              <a:t>9/25/2017</a:t>
             </a:fld>
             <a:endParaRPr lang="en-US"/>
           </a:p>
@@ -421,7 +420,7 @@
           <a:p>
             <a:fld id="{B7FCCC29-19BE-4F8E-9365-D502AE4695E4}" type="datetimeFigureOut">
               <a:rPr lang="en-US" smtClean="0"/>
-              <a:t>9/24/2017</a:t>
+              <a:t>9/25/2017</a:t>
             </a:fld>
             <a:endParaRPr lang="en-US"/>
           </a:p>
@@ -601,7 +600,7 @@
           <a:p>
             <a:fld id="{B7FCCC29-19BE-4F8E-9365-D502AE4695E4}" type="datetimeFigureOut">
               <a:rPr lang="en-US" smtClean="0"/>
-              <a:t>9/24/2017</a:t>
+              <a:t>9/25/2017</a:t>
             </a:fld>
             <a:endParaRPr lang="en-US"/>
           </a:p>
@@ -771,7 +770,7 @@
           <a:p>
             <a:fld id="{B7FCCC29-19BE-4F8E-9365-D502AE4695E4}" type="datetimeFigureOut">
               <a:rPr lang="en-US" smtClean="0"/>
-              <a:t>9/24/2017</a:t>
+              <a:t>9/25/2017</a:t>
             </a:fld>
             <a:endParaRPr lang="en-US"/>
           </a:p>
@@ -1017,7 +1016,7 @@
           <a:p>
             <a:fld id="{B7FCCC29-19BE-4F8E-9365-D502AE4695E4}" type="datetimeFigureOut">
               <a:rPr lang="en-US" smtClean="0"/>
-              <a:t>9/24/2017</a:t>
+              <a:t>9/25/2017</a:t>
             </a:fld>
             <a:endParaRPr lang="en-US"/>
           </a:p>
@@ -1249,7 +1248,7 @@
           <a:p>
             <a:fld id="{B7FCCC29-19BE-4F8E-9365-D502AE4695E4}" type="datetimeFigureOut">
               <a:rPr lang="en-US" smtClean="0"/>
-              <a:t>9/24/2017</a:t>
+              <a:t>9/25/2017</a:t>
             </a:fld>
             <a:endParaRPr lang="en-US"/>
           </a:p>
@@ -1616,7 +1615,7 @@
           <a:p>
             <a:fld id="{B7FCCC29-19BE-4F8E-9365-D502AE4695E4}" type="datetimeFigureOut">
               <a:rPr lang="en-US" smtClean="0"/>
-              <a:t>9/24/2017</a:t>
+              <a:t>9/25/2017</a:t>
             </a:fld>
             <a:endParaRPr lang="en-US"/>
           </a:p>
@@ -1734,7 +1733,7 @@
           <a:p>
             <a:fld id="{B7FCCC29-19BE-4F8E-9365-D502AE4695E4}" type="datetimeFigureOut">
               <a:rPr lang="en-US" smtClean="0"/>
-              <a:t>9/24/2017</a:t>
+              <a:t>9/25/2017</a:t>
             </a:fld>
             <a:endParaRPr lang="en-US"/>
           </a:p>
@@ -1829,7 +1828,7 @@
           <a:p>
             <a:fld id="{B7FCCC29-19BE-4F8E-9365-D502AE4695E4}" type="datetimeFigureOut">
               <a:rPr lang="en-US" smtClean="0"/>
-              <a:t>9/24/2017</a:t>
+              <a:t>9/25/2017</a:t>
             </a:fld>
             <a:endParaRPr lang="en-US"/>
           </a:p>
@@ -2106,7 +2105,7 @@
           <a:p>
             <a:fld id="{B7FCCC29-19BE-4F8E-9365-D502AE4695E4}" type="datetimeFigureOut">
               <a:rPr lang="en-US" smtClean="0"/>
-              <a:t>9/24/2017</a:t>
+              <a:t>9/25/2017</a:t>
             </a:fld>
             <a:endParaRPr lang="en-US"/>
           </a:p>
@@ -2359,7 +2358,7 @@
           <a:p>
             <a:fld id="{B7FCCC29-19BE-4F8E-9365-D502AE4695E4}" type="datetimeFigureOut">
               <a:rPr lang="en-US" smtClean="0"/>
-              <a:t>9/24/2017</a:t>
+              <a:t>9/25/2017</a:t>
             </a:fld>
             <a:endParaRPr lang="en-US"/>
           </a:p>
@@ -2572,7 +2571,7 @@
           <a:p>
             <a:fld id="{B7FCCC29-19BE-4F8E-9365-D502AE4695E4}" type="datetimeFigureOut">
               <a:rPr lang="en-US" smtClean="0"/>
-              <a:t>9/24/2017</a:t>
+              <a:t>9/25/2017</a:t>
             </a:fld>
             <a:endParaRPr lang="en-US"/>
           </a:p>
@@ -3466,14 +3465,54 @@
       </p:grpSpPr>
       <p:sp>
         <p:nvSpPr>
-          <p:cNvPr id="4" name="TextBox 3"/>
+          <p:cNvPr id="3" name="Title 1"/>
+          <p:cNvSpPr>
+            <a:spLocks noGrp="1"/>
+          </p:cNvSpPr>
+          <p:nvPr>
+            <p:ph type="title"/>
+          </p:nvPr>
+        </p:nvSpPr>
+        <p:spPr>
+          <a:xfrm>
+            <a:off x="838200" y="365125"/>
+            <a:ext cx="10515600" cy="1325563"/>
+          </a:xfrm>
+        </p:spPr>
+        <p:txBody>
+          <a:bodyPr>
+            <a:normAutofit/>
+          </a:bodyPr>
+          <a:lstStyle/>
+          <a:p>
+            <a:r>
+              <a:rPr lang="en-IN" sz="6600" dirty="0" smtClean="0">
+                <a:solidFill>
+                  <a:srgbClr val="AFDC7E"/>
+                </a:solidFill>
+                <a:latin typeface="Arial Black" panose="020B0A04020102020204" pitchFamily="34" charset="0"/>
+              </a:rPr>
+              <a:t>Capabilities</a:t>
+            </a:r>
+            <a:endParaRPr lang="en-IN" sz="6600" dirty="0">
+              <a:solidFill>
+                <a:srgbClr val="AFDC7E"/>
+              </a:solidFill>
+              <a:latin typeface="Arial Black" panose="020B0A04020102020204" pitchFamily="34" charset="0"/>
+            </a:endParaRPr>
+          </a:p>
+        </p:txBody>
+      </p:sp>
+      <p:sp>
+        <p:nvSpPr>
+          <p:cNvPr id="2" name="TextBox 1"/>
           <p:cNvSpPr txBox="1"/>
           <p:nvPr/>
         </p:nvSpPr>
         <p:spPr>
           <a:xfrm>
-            <a:off x="2906486" y="1143000"/>
-            <a:ext cx="1239122" cy="646331"/>
+            <a:off x="838200" y="1690688"/>
+            <a:ext cx="10035311" cy="4770537"/>
           </a:xfrm>
           <a:prstGeom prst="rect">
             <a:avLst/>
@@ -3486,14 +3525,214 @@
           </a:bodyPr>
           <a:lstStyle/>
           <a:p>
-            <a:endParaRPr lang="en-IN" dirty="0" smtClean="0"/>
-          </a:p>
-          <a:p>
-            <a:r>
-              <a:rPr lang="en-IN" dirty="0" smtClean="0"/>
-              <a:t>capabilities</a:t>
-            </a:r>
-            <a:endParaRPr lang="en-IN" dirty="0"/>
+            <a:pPr marL="571500" indent="-571500">
+              <a:buFont typeface="Courier New" panose="02070309020205020404" pitchFamily="49" charset="0"/>
+              <a:buChar char="o"/>
+            </a:pPr>
+            <a:r>
+              <a:rPr lang="en-IN" sz="4000" dirty="0" smtClean="0">
+                <a:solidFill>
+                  <a:schemeClr val="bg1"/>
+                </a:solidFill>
+                <a:latin typeface="Arial Black" panose="020B0A04020102020204" pitchFamily="34" charset="0"/>
+              </a:rPr>
+              <a:t>Natural Language Understanding</a:t>
+            </a:r>
+          </a:p>
+          <a:p>
+            <a:pPr marL="571500" indent="-571500">
+              <a:buFont typeface="Courier New" panose="02070309020205020404" pitchFamily="49" charset="0"/>
+              <a:buChar char="o"/>
+            </a:pPr>
+            <a:r>
+              <a:rPr lang="en-IN" sz="4000" dirty="0" smtClean="0">
+                <a:solidFill>
+                  <a:schemeClr val="bg1"/>
+                </a:solidFill>
+                <a:latin typeface="Arial Black" panose="020B0A04020102020204" pitchFamily="34" charset="0"/>
+              </a:rPr>
+              <a:t>Book room</a:t>
+            </a:r>
+          </a:p>
+          <a:p>
+            <a:pPr marL="1028700" lvl="1" indent="-571500">
+              <a:buFont typeface="Courier New" panose="02070309020205020404" pitchFamily="49" charset="0"/>
+              <a:buChar char="o"/>
+            </a:pPr>
+            <a:r>
+              <a:rPr lang="en-IN" sz="1600" dirty="0" smtClean="0">
+                <a:solidFill>
+                  <a:srgbClr val="AFDC7E"/>
+                </a:solidFill>
+                <a:latin typeface="Arial Black" panose="020B0A04020102020204" pitchFamily="34" charset="0"/>
+              </a:rPr>
+              <a:t>Please book </a:t>
+            </a:r>
+            <a:r>
+              <a:rPr lang="en-IN" sz="1600" dirty="0" err="1" smtClean="0">
+                <a:solidFill>
+                  <a:srgbClr val="AFDC7E"/>
+                </a:solidFill>
+                <a:latin typeface="Arial Black" panose="020B0A04020102020204" pitchFamily="34" charset="0"/>
+              </a:rPr>
+              <a:t>cr</a:t>
+            </a:r>
+            <a:r>
+              <a:rPr lang="en-IN" sz="1600" dirty="0" smtClean="0">
+                <a:solidFill>
+                  <a:srgbClr val="AFDC7E"/>
+                </a:solidFill>
+                <a:latin typeface="Arial Black" panose="020B0A04020102020204" pitchFamily="34" charset="0"/>
+              </a:rPr>
+              <a:t> 1 for me from 4pm to 5 pm</a:t>
+            </a:r>
+          </a:p>
+          <a:p>
+            <a:pPr marL="1028700" lvl="1" indent="-571500">
+              <a:buFont typeface="Courier New" panose="02070309020205020404" pitchFamily="49" charset="0"/>
+              <a:buChar char="o"/>
+            </a:pPr>
+            <a:r>
+              <a:rPr lang="en-IN" sz="1600" dirty="0" smtClean="0">
+                <a:solidFill>
+                  <a:srgbClr val="AFDC7E"/>
+                </a:solidFill>
+                <a:latin typeface="Arial Black" panose="020B0A04020102020204" pitchFamily="34" charset="0"/>
+              </a:rPr>
+              <a:t>Can you book </a:t>
+            </a:r>
+            <a:r>
+              <a:rPr lang="en-IN" sz="1600" dirty="0" err="1" smtClean="0">
+                <a:solidFill>
+                  <a:srgbClr val="AFDC7E"/>
+                </a:solidFill>
+                <a:latin typeface="Arial Black" panose="020B0A04020102020204" pitchFamily="34" charset="0"/>
+              </a:rPr>
+              <a:t>mr</a:t>
+            </a:r>
+            <a:r>
+              <a:rPr lang="en-IN" sz="1600" dirty="0" smtClean="0">
+                <a:solidFill>
+                  <a:srgbClr val="AFDC7E"/>
+                </a:solidFill>
+                <a:latin typeface="Arial Black" panose="020B0A04020102020204" pitchFamily="34" charset="0"/>
+              </a:rPr>
+              <a:t> 3 for an hour from 6pm</a:t>
+            </a:r>
+          </a:p>
+          <a:p>
+            <a:pPr marL="571500" indent="-571500">
+              <a:buFont typeface="Courier New" panose="02070309020205020404" pitchFamily="49" charset="0"/>
+              <a:buChar char="o"/>
+            </a:pPr>
+            <a:r>
+              <a:rPr lang="en-IN" sz="4000" dirty="0" smtClean="0">
+                <a:solidFill>
+                  <a:schemeClr val="bg1"/>
+                </a:solidFill>
+                <a:latin typeface="Arial Black" panose="020B0A04020102020204" pitchFamily="34" charset="0"/>
+              </a:rPr>
+              <a:t>Cancel Booking</a:t>
+            </a:r>
+          </a:p>
+          <a:p>
+            <a:pPr marL="571500" indent="-571500">
+              <a:buFont typeface="Courier New" panose="02070309020205020404" pitchFamily="49" charset="0"/>
+              <a:buChar char="o"/>
+            </a:pPr>
+            <a:r>
+              <a:rPr lang="en-IN" sz="4000" dirty="0" smtClean="0">
+                <a:solidFill>
+                  <a:schemeClr val="bg1"/>
+                </a:solidFill>
+                <a:latin typeface="Arial Black" panose="020B0A04020102020204" pitchFamily="34" charset="0"/>
+              </a:rPr>
+              <a:t>Show Holidays</a:t>
+            </a:r>
+          </a:p>
+          <a:p>
+            <a:pPr marL="1028700" lvl="1" indent="-571500">
+              <a:buFont typeface="Courier New" panose="02070309020205020404" pitchFamily="49" charset="0"/>
+              <a:buChar char="o"/>
+            </a:pPr>
+            <a:r>
+              <a:rPr lang="en-IN" sz="1600" dirty="0" smtClean="0">
+                <a:solidFill>
+                  <a:srgbClr val="AFDC7E"/>
+                </a:solidFill>
+                <a:latin typeface="Arial Black" panose="020B0A04020102020204" pitchFamily="34" charset="0"/>
+              </a:rPr>
+              <a:t>Show me holidays of December</a:t>
+            </a:r>
+          </a:p>
+          <a:p>
+            <a:pPr marL="571500" indent="-571500">
+              <a:buFont typeface="Courier New" panose="02070309020205020404" pitchFamily="49" charset="0"/>
+              <a:buChar char="o"/>
+            </a:pPr>
+            <a:r>
+              <a:rPr lang="en-IN" sz="4000" dirty="0" smtClean="0">
+                <a:solidFill>
+                  <a:schemeClr val="bg1"/>
+                </a:solidFill>
+                <a:latin typeface="Arial Black" panose="020B0A04020102020204" pitchFamily="34" charset="0"/>
+              </a:rPr>
+              <a:t>Speech Recognition via Cortana</a:t>
+            </a:r>
+          </a:p>
+          <a:p>
+            <a:pPr marL="571500" indent="-571500">
+              <a:buFont typeface="Courier New" panose="02070309020205020404" pitchFamily="49" charset="0"/>
+              <a:buChar char="o"/>
+            </a:pPr>
+            <a:r>
+              <a:rPr lang="en-IN" sz="4000" dirty="0" smtClean="0">
+                <a:solidFill>
+                  <a:schemeClr val="bg1"/>
+                </a:solidFill>
+                <a:latin typeface="Arial Black" panose="020B0A04020102020204" pitchFamily="34" charset="0"/>
+              </a:rPr>
+              <a:t>Booking on multiple days</a:t>
+            </a:r>
+          </a:p>
+          <a:p>
+            <a:pPr marL="1028700" lvl="1" indent="-571500">
+              <a:buFont typeface="Courier New" panose="02070309020205020404" pitchFamily="49" charset="0"/>
+              <a:buChar char="o"/>
+            </a:pPr>
+            <a:r>
+              <a:rPr lang="en-IN" sz="1600" dirty="0" smtClean="0">
+                <a:solidFill>
+                  <a:srgbClr val="AFDC7E"/>
+                </a:solidFill>
+                <a:latin typeface="Arial Black" panose="020B0A04020102020204" pitchFamily="34" charset="0"/>
+              </a:rPr>
+              <a:t>Please book </a:t>
+            </a:r>
+            <a:r>
+              <a:rPr lang="en-IN" sz="1600" dirty="0" err="1" smtClean="0">
+                <a:solidFill>
+                  <a:srgbClr val="AFDC7E"/>
+                </a:solidFill>
+                <a:latin typeface="Arial Black" panose="020B0A04020102020204" pitchFamily="34" charset="0"/>
+              </a:rPr>
+              <a:t>conf</a:t>
+            </a:r>
+            <a:r>
+              <a:rPr lang="en-IN" sz="1600" dirty="0" smtClean="0">
+                <a:solidFill>
+                  <a:srgbClr val="AFDC7E"/>
+                </a:solidFill>
+                <a:latin typeface="Arial Black" panose="020B0A04020102020204" pitchFamily="34" charset="0"/>
+              </a:rPr>
+              <a:t> 4 from 4 pm to 5pm for next week</a:t>
+            </a:r>
+            <a:endParaRPr lang="en-IN" sz="1600" dirty="0">
+              <a:solidFill>
+                <a:srgbClr val="AFDC7E"/>
+              </a:solidFill>
+              <a:latin typeface="Arial Black" panose="020B0A04020102020204" pitchFamily="34" charset="0"/>
+            </a:endParaRPr>
           </a:p>
         </p:txBody>
       </p:sp>
@@ -3520,6 +3759,14 @@
 <file path=ppt/slides/slide3.xml><?xml version="1.0" encoding="utf-8"?>
 <p:sld xmlns:a="http://schemas.openxmlformats.org/drawingml/2006/main" xmlns:r="http://schemas.openxmlformats.org/officeDocument/2006/relationships" xmlns:p="http://schemas.openxmlformats.org/presentationml/2006/main">
   <p:cSld>
+    <p:bg>
+      <p:bgPr>
+        <a:solidFill>
+          <a:schemeClr val="accent6"/>
+        </a:solidFill>
+        <a:effectLst/>
+      </p:bgPr>
+    </p:bg>
     <p:spTree>
       <p:nvGrpSpPr>
         <p:cNvPr id="1" name=""/>
@@ -3621,7 +3868,7 @@
         </p:nvSpPr>
         <p:spPr>
           <a:xfrm>
-            <a:off x="5914437" y="1854557"/>
+            <a:off x="5324372" y="1828500"/>
             <a:ext cx="5344733" cy="2240925"/>
           </a:xfrm>
           <a:prstGeom prst="rect">
@@ -3683,7 +3930,7 @@
         </p:blipFill>
         <p:spPr bwMode="auto">
           <a:xfrm>
-            <a:off x="5541463" y="2383144"/>
+            <a:off x="4951398" y="2357087"/>
             <a:ext cx="1016919" cy="1016919"/>
           </a:xfrm>
           <a:prstGeom prst="rect">
@@ -3724,7 +3971,7 @@
         </p:blipFill>
         <p:spPr bwMode="auto">
           <a:xfrm>
-            <a:off x="7318189" y="51472"/>
+            <a:off x="6728124" y="25415"/>
             <a:ext cx="631109" cy="631109"/>
           </a:xfrm>
           <a:prstGeom prst="rect">
@@ -3747,13 +3994,13 @@
         </p:nvCxnSpPr>
         <p:spPr>
           <a:xfrm rot="5400000" flipH="1" flipV="1">
-            <a:off x="6059292" y="566506"/>
+            <a:off x="5469227" y="540449"/>
             <a:ext cx="1487531" cy="1030263"/>
           </a:xfrm>
           <a:prstGeom prst="bentConnector2">
             <a:avLst/>
           </a:prstGeom>
-          <a:ln>
+          <a:ln w="38100">
             <a:tailEnd type="triangle"/>
           </a:ln>
         </p:spPr>
@@ -3782,13 +4029,15 @@
         </p:nvCxnSpPr>
         <p:spPr>
           <a:xfrm>
-            <a:off x="7949298" y="367027"/>
-            <a:ext cx="1030263" cy="1487530"/>
+            <a:off x="7359233" y="340970"/>
+            <a:ext cx="1961865" cy="1487530"/>
           </a:xfrm>
-          <a:prstGeom prst="bentConnector2">
-            <a:avLst/>
+          <a:prstGeom prst="bentConnector3">
+            <a:avLst>
+              <a:gd name="adj1" fmla="val 99477"/>
+            </a:avLst>
           </a:prstGeom>
-          <a:ln>
+          <a:ln w="38100">
             <a:tailEnd type="triangle"/>
           </a:ln>
         </p:spPr>
@@ -3807,64 +4056,23 @@
           </a:fontRef>
         </p:style>
       </p:cxnSp>
-      <p:pic>
-        <p:nvPicPr>
-          <p:cNvPr id="1032" name="Picture 8" descr="Image result for meeting room icon"/>
-          <p:cNvPicPr>
-            <a:picLocks noChangeAspect="1" noChangeArrowheads="1"/>
-          </p:cNvPicPr>
-          <p:nvPr/>
-        </p:nvPicPr>
-        <p:blipFill>
-          <a:blip r:embed="rId4" cstate="print">
-            <a:extLst>
-              <a:ext uri="{28A0092B-C50C-407E-A947-70E740481C1C}">
-                <a14:useLocalDpi xmlns:a14="http://schemas.microsoft.com/office/drawing/2010/main" val="0"/>
-              </a:ext>
-            </a:extLst>
-          </a:blip>
-          <a:srcRect/>
-          <a:stretch>
-            <a:fillRect/>
-          </a:stretch>
-        </p:blipFill>
-        <p:spPr bwMode="auto">
-          <a:xfrm>
-            <a:off x="7706707" y="5267458"/>
-            <a:ext cx="1042160" cy="1042160"/>
-          </a:xfrm>
-          <a:prstGeom prst="rect">
-            <a:avLst/>
-          </a:prstGeom>
-          <a:noFill/>
-          <a:extLst>
-            <a:ext uri="{909E8E84-426E-40DD-AFC4-6F175D3DCCD1}">
-              <a14:hiddenFill xmlns:a14="http://schemas.microsoft.com/office/drawing/2010/main">
-                <a:solidFill>
-                  <a:srgbClr val="FFFFFF"/>
-                </a:solidFill>
-              </a14:hiddenFill>
-            </a:ext>
-          </a:extLst>
-        </p:spPr>
-      </p:pic>
       <p:cxnSp>
         <p:nvCxnSpPr>
           <p:cNvPr id="15" name="Elbow Connector 14"/>
           <p:cNvCxnSpPr>
-            <a:endCxn id="1032" idx="3"/>
+            <a:endCxn id="5" idx="3"/>
           </p:cNvCxnSpPr>
           <p:nvPr/>
         </p:nvCxnSpPr>
         <p:spPr>
           <a:xfrm rot="5400000">
-            <a:off x="8539843" y="4304506"/>
-            <a:ext cx="1693056" cy="1275008"/>
+            <a:off x="8393984" y="4166818"/>
+            <a:ext cx="1721092" cy="1526305"/>
           </a:xfrm>
           <a:prstGeom prst="bentConnector2">
             <a:avLst/>
           </a:prstGeom>
-          <a:ln>
+          <a:ln w="38100">
             <a:tailEnd type="triangle"/>
           </a:ln>
         </p:spPr>
@@ -3891,13 +4099,13 @@
         </p:nvCxnSpPr>
         <p:spPr>
           <a:xfrm rot="10800000">
-            <a:off x="6558382" y="4095482"/>
+            <a:off x="5968317" y="4069425"/>
             <a:ext cx="1185934" cy="1693056"/>
           </a:xfrm>
           <a:prstGeom prst="bentConnector2">
             <a:avLst/>
           </a:prstGeom>
-          <a:ln>
+          <a:ln w="38100">
             <a:tailEnd type="triangle"/>
           </a:ln>
         </p:spPr>
@@ -3925,7 +4133,7 @@
           <p:nvPr/>
         </p:nvPicPr>
         <p:blipFill>
-          <a:blip r:embed="rId5" cstate="print">
+          <a:blip r:embed="rId4" cstate="print">
             <a:extLst>
               <a:ext uri="{28A0092B-C50C-407E-A947-70E740481C1C}">
                 <a14:useLocalDpi xmlns:a14="http://schemas.microsoft.com/office/drawing/2010/main" val="0"/>
@@ -3980,7 +4188,7 @@
             <p:nvPr/>
           </p:nvPicPr>
           <p:blipFill>
-            <a:blip r:embed="rId6" cstate="print">
+            <a:blip r:embed="rId5" cstate="print">
               <a:extLst>
                 <a:ext uri="{28A0092B-C50C-407E-A947-70E740481C1C}">
                   <a14:useLocalDpi xmlns:a14="http://schemas.microsoft.com/office/drawing/2010/main" val="0"/>
@@ -4021,7 +4229,7 @@
             <p:nvPr/>
           </p:nvPicPr>
           <p:blipFill>
-            <a:blip r:embed="rId7" cstate="print">
+            <a:blip r:embed="rId6" cstate="print">
               <a:extLst>
                 <a:ext uri="{28A0092B-C50C-407E-A947-70E740481C1C}">
                   <a14:useLocalDpi xmlns:a14="http://schemas.microsoft.com/office/drawing/2010/main" val="0"/>
@@ -4062,7 +4270,7 @@
             <p:nvPr/>
           </p:nvPicPr>
           <p:blipFill>
-            <a:blip r:embed="rId8" cstate="print">
+            <a:blip r:embed="rId7" cstate="print">
               <a:extLst>
                 <a:ext uri="{28A0092B-C50C-407E-A947-70E740481C1C}">
                   <a14:useLocalDpi xmlns:a14="http://schemas.microsoft.com/office/drawing/2010/main" val="0"/>
@@ -4136,8 +4344,8 @@
         </p:nvSpPr>
         <p:spPr>
           <a:xfrm>
-            <a:off x="462832" y="4942010"/>
-            <a:ext cx="1359603" cy="646331"/>
+            <a:off x="602369" y="4942008"/>
+            <a:ext cx="1762021" cy="646331"/>
           </a:xfrm>
           <a:prstGeom prst="rect">
             <a:avLst/>
@@ -4151,16 +4359,22 @@
           <a:lstStyle/>
           <a:p>
             <a:r>
-              <a:rPr lang="en-US" dirty="0" smtClean="0"/>
+              <a:rPr lang="en-US" dirty="0" smtClean="0">
+                <a:latin typeface="Arial Black" panose="020B0A04020102020204" pitchFamily="34" charset="0"/>
+              </a:rPr>
               <a:t>Book conf-4 </a:t>
             </a:r>
           </a:p>
           <a:p>
             <a:r>
-              <a:rPr lang="en-US" dirty="0" smtClean="0"/>
+              <a:rPr lang="en-US" dirty="0" smtClean="0">
+                <a:latin typeface="Arial Black" panose="020B0A04020102020204" pitchFamily="34" charset="0"/>
+              </a:rPr>
               <a:t>from 3 to 4</a:t>
             </a:r>
-            <a:endParaRPr lang="en-US" dirty="0"/>
+            <a:endParaRPr lang="en-US" dirty="0">
+              <a:latin typeface="Arial Black" panose="020B0A04020102020204" pitchFamily="34" charset="0"/>
+            </a:endParaRPr>
           </a:p>
         </p:txBody>
       </p:sp>
@@ -4172,7 +4386,7 @@
         </p:nvSpPr>
         <p:spPr>
           <a:xfrm>
-            <a:off x="2174669" y="4988176"/>
+            <a:off x="1197502" y="4988176"/>
             <a:ext cx="571754" cy="437607"/>
           </a:xfrm>
           <a:prstGeom prst="wedgeEllipseCallout">
@@ -4206,14 +4420,14 @@
       </p:sp>
       <p:sp>
         <p:nvSpPr>
-          <p:cNvPr id="9" name="TextBox 8"/>
+          <p:cNvPr id="10" name="TextBox 9"/>
           <p:cNvSpPr txBox="1"/>
           <p:nvPr/>
         </p:nvSpPr>
         <p:spPr>
           <a:xfrm>
-            <a:off x="1874587" y="5029200"/>
-            <a:ext cx="264456" cy="369332"/>
+            <a:off x="5826489" y="2709712"/>
+            <a:ext cx="543739" cy="523220"/>
           </a:xfrm>
           <a:prstGeom prst="rect">
             <a:avLst/>
@@ -4221,29 +4435,35 @@
           <a:noFill/>
         </p:spPr>
         <p:txBody>
-          <a:bodyPr wrap="square" rtlCol="0">
+          <a:bodyPr wrap="none" rtlCol="0">
             <a:spAutoFit/>
           </a:bodyPr>
           <a:lstStyle/>
           <a:p>
             <a:r>
-              <a:rPr lang="en-US" dirty="0" smtClean="0"/>
-              <a:t>=</a:t>
-            </a:r>
-            <a:endParaRPr lang="en-US" dirty="0"/>
-          </a:p>
-        </p:txBody>
-      </p:sp>
-      <p:sp>
-        <p:nvSpPr>
-          <p:cNvPr id="10" name="TextBox 9"/>
+              <a:rPr lang="en-US" sz="2800" b="1" dirty="0" smtClean="0">
+                <a:latin typeface="Arial" panose="020B0604020202020204" pitchFamily="34" charset="0"/>
+                <a:cs typeface="Arial" panose="020B0604020202020204" pitchFamily="34" charset="0"/>
+              </a:rPr>
+              <a:t>“”</a:t>
+            </a:r>
+            <a:endParaRPr lang="en-US" sz="2800" b="1" dirty="0">
+              <a:latin typeface="Arial" panose="020B0604020202020204" pitchFamily="34" charset="0"/>
+              <a:cs typeface="Arial" panose="020B0604020202020204" pitchFamily="34" charset="0"/>
+            </a:endParaRPr>
+          </a:p>
+        </p:txBody>
+      </p:sp>
+      <p:sp>
+        <p:nvSpPr>
+          <p:cNvPr id="11" name="TextBox 10"/>
           <p:cNvSpPr txBox="1"/>
           <p:nvPr/>
         </p:nvSpPr>
         <p:spPr>
           <a:xfrm>
-            <a:off x="6557536" y="2706937"/>
-            <a:ext cx="373820" cy="369332"/>
+            <a:off x="7305683" y="294958"/>
+            <a:ext cx="1382110" cy="523220"/>
           </a:xfrm>
           <a:prstGeom prst="rect">
             <a:avLst/>
@@ -4257,43 +4477,54 @@
           <a:lstStyle/>
           <a:p>
             <a:r>
-              <a:rPr lang="en-US" dirty="0" smtClean="0"/>
-              <a:t>“”</a:t>
-            </a:r>
-            <a:endParaRPr lang="en-US" dirty="0"/>
-          </a:p>
-        </p:txBody>
-      </p:sp>
-      <p:sp>
-        <p:nvSpPr>
-          <p:cNvPr id="11" name="TextBox 10"/>
-          <p:cNvSpPr txBox="1"/>
+              <a:rPr lang="en-US" sz="2800" dirty="0" smtClean="0">
+                <a:latin typeface="Arial" panose="020B0604020202020204" pitchFamily="34" charset="0"/>
+                <a:cs typeface="Arial" panose="020B0604020202020204" pitchFamily="34" charset="0"/>
+              </a:rPr>
+              <a:t>{JSON}</a:t>
+            </a:r>
+            <a:endParaRPr lang="en-US" sz="2800" dirty="0">
+              <a:latin typeface="Arial" panose="020B0604020202020204" pitchFamily="34" charset="0"/>
+              <a:cs typeface="Arial" panose="020B0604020202020204" pitchFamily="34" charset="0"/>
+            </a:endParaRPr>
+          </a:p>
+        </p:txBody>
+      </p:sp>
+      <p:pic>
+        <p:nvPicPr>
+          <p:cNvPr id="5" name="Picture 4"/>
+          <p:cNvPicPr>
+            <a:picLocks noChangeAspect="1"/>
+          </p:cNvPicPr>
           <p:nvPr/>
-        </p:nvSpPr>
+        </p:nvPicPr>
+        <p:blipFill>
+          <a:blip r:embed="rId8" cstate="print">
+            <a:extLst>
+              <a:ext uri="{28A0092B-C50C-407E-A947-70E740481C1C}">
+                <a14:useLocalDpi xmlns:a14="http://schemas.microsoft.com/office/drawing/2010/main" val="0"/>
+              </a:ext>
+            </a:extLst>
+          </a:blip>
+          <a:stretch>
+            <a:fillRect/>
+          </a:stretch>
+        </p:blipFill>
         <p:spPr>
           <a:xfrm>
-            <a:off x="7959507" y="26057"/>
-            <a:ext cx="328936" cy="369332"/>
+            <a:off x="6742251" y="4915953"/>
+            <a:ext cx="1749126" cy="1749126"/>
           </a:xfrm>
           <a:prstGeom prst="rect">
             <a:avLst/>
           </a:prstGeom>
-          <a:noFill/>
+          <a:ln w="25400">
+            <a:solidFill>
+              <a:schemeClr val="accent1"/>
+            </a:solidFill>
+          </a:ln>
         </p:spPr>
-        <p:txBody>
-          <a:bodyPr wrap="none" rtlCol="0">
-            <a:spAutoFit/>
-          </a:bodyPr>
-          <a:lstStyle/>
-          <a:p>
-            <a:r>
-              <a:rPr lang="en-US" dirty="0" smtClean="0"/>
-              <a:t>{}</a:t>
-            </a:r>
-            <a:endParaRPr lang="en-US" dirty="0"/>
-          </a:p>
-        </p:txBody>
-      </p:sp>
+      </p:pic>
     </p:spTree>
     <p:extLst>
       <p:ext uri="{BB962C8B-B14F-4D97-AF65-F5344CB8AC3E}">
@@ -4373,27 +4604,38 @@
                             </p:stCondLst>
                             <p:childTnLst>
                               <p:par>
-                                <p:cTn id="9" presetID="1" presetClass="entr" presetSubtype="0" fill="hold" grpId="0" nodeType="clickEffect">
+                                <p:cTn id="9" presetID="10" presetClass="exit" presetSubtype="0" fill="hold" grpId="1" nodeType="clickEffect">
                                   <p:stCondLst>
                                     <p:cond delay="0"/>
                                   </p:stCondLst>
+                                  <p:iterate type="lt">
+                                    <p:tmPct val="0"/>
+                                  </p:iterate>
                                   <p:childTnLst>
+                                    <p:animEffect transition="out" filter="fade">
+                                      <p:cBhvr>
+                                        <p:cTn id="10" dur="500"/>
+                                        <p:tgtEl>
+                                          <p:spTgt spid="6"/>
+                                        </p:tgtEl>
+                                      </p:cBhvr>
+                                    </p:animEffect>
                                     <p:set>
                                       <p:cBhvr>
-                                        <p:cTn id="10" dur="1" fill="hold">
+                                        <p:cTn id="11" dur="1" fill="hold">
                                           <p:stCondLst>
-                                            <p:cond delay="0"/>
+                                            <p:cond delay="499"/>
                                           </p:stCondLst>
                                         </p:cTn>
                                         <p:tgtEl>
-                                          <p:spTgt spid="9"/>
+                                          <p:spTgt spid="6"/>
                                         </p:tgtEl>
                                         <p:attrNameLst>
                                           <p:attrName>style.visibility</p:attrName>
                                         </p:attrNameLst>
                                       </p:cBhvr>
                                       <p:to>
-                                        <p:strVal val="visible"/>
+                                        <p:strVal val="hidden"/>
                                       </p:to>
                                     </p:set>
                                   </p:childTnLst>
@@ -4406,26 +4648,26 @@
                     </p:cTn>
                   </p:par>
                   <p:par>
-                    <p:cTn id="11" fill="hold">
+                    <p:cTn id="12" fill="hold">
                       <p:stCondLst>
                         <p:cond delay="indefinite"/>
                       </p:stCondLst>
                       <p:childTnLst>
                         <p:par>
-                          <p:cTn id="12" fill="hold">
+                          <p:cTn id="13" fill="hold">
                             <p:stCondLst>
                               <p:cond delay="0"/>
                             </p:stCondLst>
                             <p:childTnLst>
                               <p:par>
-                                <p:cTn id="13" presetID="53" presetClass="entr" presetSubtype="16" fill="hold" grpId="1" nodeType="clickEffect">
+                                <p:cTn id="14" presetID="53" presetClass="entr" presetSubtype="16" fill="hold" grpId="1" nodeType="clickEffect">
                                   <p:stCondLst>
                                     <p:cond delay="500"/>
                                   </p:stCondLst>
                                   <p:childTnLst>
                                     <p:set>
                                       <p:cBhvr>
-                                        <p:cTn id="14" dur="1" fill="hold">
+                                        <p:cTn id="15" dur="1" fill="hold">
                                           <p:stCondLst>
                                             <p:cond delay="0"/>
                                           </p:stCondLst>
@@ -4443,7 +4685,7 @@
                                     </p:set>
                                     <p:anim calcmode="lin" valueType="num">
                                       <p:cBhvr>
-                                        <p:cTn id="15" dur="500" fill="hold"/>
+                                        <p:cTn id="16" dur="500" fill="hold"/>
                                         <p:tgtEl>
                                           <p:spTgt spid="8"/>
                                         </p:tgtEl>
@@ -4466,7 +4708,7 @@
                                     </p:anim>
                                     <p:anim calcmode="lin" valueType="num">
                                       <p:cBhvr>
-                                        <p:cTn id="16" dur="500" fill="hold"/>
+                                        <p:cTn id="17" dur="500" fill="hold"/>
                                         <p:tgtEl>
                                           <p:spTgt spid="8"/>
                                         </p:tgtEl>
@@ -4489,7 +4731,7 @@
                                     </p:anim>
                                     <p:animEffect transition="in" filter="fade">
                                       <p:cBhvr>
-                                        <p:cTn id="17" dur="500"/>
+                                        <p:cTn id="18" dur="500"/>
                                         <p:tgtEl>
                                           <p:spTgt spid="8"/>
                                         </p:tgtEl>
@@ -4505,26 +4747,26 @@
                     </p:cTn>
                   </p:par>
                   <p:par>
-                    <p:cTn id="18" fill="hold">
+                    <p:cTn id="19" fill="hold">
                       <p:stCondLst>
                         <p:cond delay="indefinite"/>
                       </p:stCondLst>
                       <p:childTnLst>
                         <p:par>
-                          <p:cTn id="19" fill="hold">
+                          <p:cTn id="20" fill="hold">
                             <p:stCondLst>
                               <p:cond delay="0"/>
                             </p:stCondLst>
                             <p:childTnLst>
                               <p:par>
-                                <p:cTn id="20" presetID="57" presetClass="path" presetSubtype="0" accel="50000" decel="50000" fill="hold" grpId="0" nodeType="clickEffect">
+                                <p:cTn id="21" presetID="57" presetClass="path" presetSubtype="0" accel="50000" decel="50000" fill="hold" grpId="0" nodeType="clickEffect">
                                   <p:stCondLst>
                                     <p:cond delay="0"/>
                                   </p:stCondLst>
                                   <p:childTnLst>
-                                    <p:animMotion origin="layout" path="M -0.00065 -3.7037E-6 C -0.00065 -0.04236 -0.00065 -0.04791 0.00026 -0.09791 C 0.00156 -0.15324 -0.00326 -0.22152 0.05273 -0.22152 L 0.12265 -0.22268 " pathEditMode="fixed" rAng="0" ptsTypes="AAAA">
+                                    <p:animMotion origin="layout" path="M -4.58333E-6 7.40741E-7 C -4.58333E-6 -0.05579 -4.58333E-6 -0.06296 0.00183 -0.12847 C 0.00456 -0.20116 -0.00546 -0.29074 0.11003 -0.29074 L 0.2543 -0.29213 " pathEditMode="fixed" rAng="0" ptsTypes="AAAA">
                                       <p:cBhvr>
-                                        <p:cTn id="21" dur="2000" fill="hold"/>
+                                        <p:cTn id="22" dur="2000" fill="hold"/>
                                         <p:tgtEl>
                                           <p:spTgt spid="8"/>
                                         </p:tgtEl>
@@ -4533,7 +4775,7 @@
                                           <p:attrName>ppt_y</p:attrName>
                                         </p:attrNameLst>
                                       </p:cBhvr>
-                                      <p:rCtr x="6159" y="-11134"/>
+                                      <p:rCtr x="12708" y="-14606"/>
                                     </p:animMotion>
                                   </p:childTnLst>
                                 </p:cTn>
@@ -4545,26 +4787,26 @@
                     </p:cTn>
                   </p:par>
                   <p:par>
-                    <p:cTn id="22" fill="hold">
+                    <p:cTn id="23" fill="hold">
                       <p:stCondLst>
                         <p:cond delay="indefinite"/>
                       </p:stCondLst>
                       <p:childTnLst>
                         <p:par>
-                          <p:cTn id="23" fill="hold">
+                          <p:cTn id="24" fill="hold">
                             <p:stCondLst>
                               <p:cond delay="0"/>
                             </p:stCondLst>
                             <p:childTnLst>
                               <p:par>
-                                <p:cTn id="24" presetID="1" presetClass="exit" presetSubtype="0" fill="hold" grpId="2" nodeType="clickEffect">
+                                <p:cTn id="25" presetID="1" presetClass="exit" presetSubtype="0" fill="hold" grpId="2" nodeType="clickEffect">
                                   <p:stCondLst>
                                     <p:cond delay="0"/>
                                   </p:stCondLst>
                                   <p:childTnLst>
                                     <p:set>
                                       <p:cBhvr>
-                                        <p:cTn id="25" dur="1" fill="hold">
+                                        <p:cTn id="26" dur="1" fill="hold">
                                           <p:stCondLst>
                                             <p:cond delay="0"/>
                                           </p:stCondLst>
@@ -4590,26 +4832,26 @@
                     </p:cTn>
                   </p:par>
                   <p:par>
-                    <p:cTn id="26" fill="hold">
+                    <p:cTn id="27" fill="hold">
                       <p:stCondLst>
                         <p:cond delay="indefinite"/>
                       </p:stCondLst>
                       <p:childTnLst>
                         <p:par>
-                          <p:cTn id="27" fill="hold">
+                          <p:cTn id="28" fill="hold">
                             <p:stCondLst>
                               <p:cond delay="0"/>
                             </p:stCondLst>
                             <p:childTnLst>
                               <p:par>
-                                <p:cTn id="28" presetID="1" presetClass="entr" presetSubtype="0" fill="hold" grpId="1" nodeType="clickEffect">
+                                <p:cTn id="29" presetID="1" presetClass="entr" presetSubtype="0" fill="hold" grpId="1" nodeType="clickEffect">
                                   <p:stCondLst>
                                     <p:cond delay="0"/>
                                   </p:stCondLst>
                                   <p:childTnLst>
                                     <p:set>
                                       <p:cBhvr>
-                                        <p:cTn id="29" dur="1" fill="hold">
+                                        <p:cTn id="30" dur="1" fill="hold">
                                           <p:stCondLst>
                                             <p:cond delay="0"/>
                                           </p:stCondLst>
@@ -4635,26 +4877,26 @@
                     </p:cTn>
                   </p:par>
                   <p:par>
-                    <p:cTn id="30" fill="hold">
+                    <p:cTn id="31" fill="hold">
                       <p:stCondLst>
                         <p:cond delay="indefinite"/>
                       </p:stCondLst>
                       <p:childTnLst>
                         <p:par>
-                          <p:cTn id="31" fill="hold">
+                          <p:cTn id="32" fill="hold">
                             <p:stCondLst>
                               <p:cond delay="0"/>
                             </p:stCondLst>
                             <p:childTnLst>
                               <p:par>
-                                <p:cTn id="32" presetID="57" presetClass="path" presetSubtype="0" accel="50000" decel="50000" fill="hold" grpId="2" nodeType="clickEffect">
+                                <p:cTn id="33" presetID="57" presetClass="path" presetSubtype="0" accel="50000" decel="50000" fill="hold" grpId="2" nodeType="clickEffect">
                                   <p:stCondLst>
                                     <p:cond delay="0"/>
                                   </p:stCondLst>
                                   <p:childTnLst>
-                                    <p:animMotion origin="layout" path="M -0.00026 -0.00023 C -0.00026 -0.0419 -0.00456 -0.09352 -0.00703 -0.13125 C -0.0112 -0.19815 -0.04609 -0.38958 0.01003 -0.38958 L 0.03424 -0.39097 " pathEditMode="relative" rAng="0" ptsTypes="AAAA">
+                                    <p:animMotion origin="layout" path="M -0.0082 -0.00023 C -0.0082 -0.04074 -0.01094 -0.09074 -0.0125 -0.12731 C -0.0151 -0.19236 -0.03711 -0.37801 -0.00169 -0.37801 L 0.01367 -0.37916 " pathEditMode="relative" rAng="0" ptsTypes="AAAA">
                                       <p:cBhvr>
-                                        <p:cTn id="33" dur="2000" fill="hold"/>
+                                        <p:cTn id="34" dur="2000" fill="hold"/>
                                         <p:tgtEl>
                                           <p:spTgt spid="10"/>
                                         </p:tgtEl>
@@ -4663,7 +4905,7 @@
                                           <p:attrName>ppt_y</p:attrName>
                                         </p:attrNameLst>
                                       </p:cBhvr>
-                                      <p:rCtr x="664" y="-19537"/>
+                                      <p:rCtr x="417" y="-18958"/>
                                     </p:animMotion>
                                   </p:childTnLst>
                                 </p:cTn>
@@ -4675,26 +4917,79 @@
                     </p:cTn>
                   </p:par>
                   <p:par>
-                    <p:cTn id="34" fill="hold">
+                    <p:cTn id="35" fill="hold">
                       <p:stCondLst>
                         <p:cond delay="indefinite"/>
                       </p:stCondLst>
                       <p:childTnLst>
                         <p:par>
-                          <p:cTn id="35" fill="hold">
+                          <p:cTn id="36" fill="hold">
                             <p:stCondLst>
                               <p:cond delay="0"/>
                             </p:stCondLst>
                             <p:childTnLst>
                               <p:par>
-                                <p:cTn id="36" presetID="8" presetClass="emph" presetSubtype="0" fill="hold" nodeType="clickEffect">
+                                <p:cTn id="37" presetID="10" presetClass="exit" presetSubtype="0" fill="hold" grpId="3" nodeType="clickEffect">
+                                  <p:stCondLst>
+                                    <p:cond delay="0"/>
+                                  </p:stCondLst>
+                                  <p:childTnLst>
+                                    <p:animEffect transition="out" filter="fade">
+                                      <p:cBhvr>
+                                        <p:cTn id="38" dur="500"/>
+                                        <p:tgtEl>
+                                          <p:spTgt spid="10"/>
+                                        </p:tgtEl>
+                                      </p:cBhvr>
+                                    </p:animEffect>
+                                    <p:set>
+                                      <p:cBhvr>
+                                        <p:cTn id="39" dur="1" fill="hold">
+                                          <p:stCondLst>
+                                            <p:cond delay="499"/>
+                                          </p:stCondLst>
+                                        </p:cTn>
+                                        <p:tgtEl>
+                                          <p:spTgt spid="10"/>
+                                        </p:tgtEl>
+                                        <p:attrNameLst>
+                                          <p:attrName>style.visibility</p:attrName>
+                                        </p:attrNameLst>
+                                      </p:cBhvr>
+                                      <p:to>
+                                        <p:strVal val="hidden"/>
+                                      </p:to>
+                                    </p:set>
+                                  </p:childTnLst>
+                                </p:cTn>
+                              </p:par>
+                            </p:childTnLst>
+                          </p:cTn>
+                        </p:par>
+                      </p:childTnLst>
+                    </p:cTn>
+                  </p:par>
+                  <p:par>
+                    <p:cTn id="40" fill="hold">
+                      <p:stCondLst>
+                        <p:cond delay="indefinite"/>
+                      </p:stCondLst>
+                      <p:childTnLst>
+                        <p:par>
+                          <p:cTn id="41" fill="hold">
+                            <p:stCondLst>
+                              <p:cond delay="0"/>
+                            </p:stCondLst>
+                            <p:childTnLst>
+                              <p:par>
+                                <p:cTn id="42" presetID="8" presetClass="emph" presetSubtype="0" fill="hold" nodeType="clickEffect">
                                   <p:stCondLst>
                                     <p:cond delay="0"/>
                                   </p:stCondLst>
                                   <p:childTnLst>
                                     <p:animRot by="5400000">
                                       <p:cBhvr>
-                                        <p:cTn id="37" dur="1000" fill="hold"/>
+                                        <p:cTn id="43" dur="1000" fill="hold"/>
                                         <p:tgtEl>
                                           <p:spTgt spid="1028"/>
                                         </p:tgtEl>
@@ -4713,26 +5008,26 @@
                     </p:cTn>
                   </p:par>
                   <p:par>
-                    <p:cTn id="38" fill="hold">
+                    <p:cTn id="44" fill="hold">
                       <p:stCondLst>
                         <p:cond delay="indefinite"/>
                       </p:stCondLst>
                       <p:childTnLst>
                         <p:par>
-                          <p:cTn id="39" fill="hold">
+                          <p:cTn id="45" fill="hold">
                             <p:stCondLst>
                               <p:cond delay="0"/>
                             </p:stCondLst>
                             <p:childTnLst>
                               <p:par>
-                                <p:cTn id="40" presetID="1" presetClass="entr" presetSubtype="0" fill="hold" grpId="1" nodeType="clickEffect">
+                                <p:cTn id="46" presetID="1" presetClass="entr" presetSubtype="0" fill="hold" grpId="1" nodeType="clickEffect">
                                   <p:stCondLst>
                                     <p:cond delay="0"/>
                                   </p:stCondLst>
                                   <p:childTnLst>
                                     <p:set>
                                       <p:cBhvr>
-                                        <p:cTn id="41" dur="1" fill="hold">
+                                        <p:cTn id="47" dur="1" fill="hold">
                                           <p:stCondLst>
                                             <p:cond delay="0"/>
                                           </p:stCondLst>
@@ -4758,26 +5053,26 @@
                     </p:cTn>
                   </p:par>
                   <p:par>
-                    <p:cTn id="42" fill="hold">
+                    <p:cTn id="48" fill="hold">
                       <p:stCondLst>
                         <p:cond delay="indefinite"/>
                       </p:stCondLst>
                       <p:childTnLst>
                         <p:par>
-                          <p:cTn id="43" fill="hold">
+                          <p:cTn id="49" fill="hold">
                             <p:stCondLst>
                               <p:cond delay="0"/>
                             </p:stCondLst>
                             <p:childTnLst>
                               <p:par>
-                                <p:cTn id="44" presetID="50" presetClass="path" presetSubtype="0" accel="50000" decel="50000" fill="hold" grpId="0" nodeType="clickEffect">
+                                <p:cTn id="50" presetID="50" presetClass="path" presetSubtype="0" accel="50000" decel="50000" fill="hold" grpId="0" nodeType="clickEffect">
                                   <p:stCondLst>
                                     <p:cond delay="0"/>
                                   </p:stCondLst>
                                   <p:childTnLst>
-                                    <p:animMotion origin="layout" path="M -4.16667E-7 -0.00023 C 0.04154 -0.00023 -0.0095 -0.00301 0.03203 -0.00301 C 0.08802 -0.00301 0.07787 0.0669 0.07787 0.12315 C 0.07787 0.16505 0.07604 0.2588 0.07604 0.30069 " pathEditMode="relative" rAng="0" ptsTypes="AAAA">
+                                    <p:animMotion origin="layout" path="M -1.45833E-6 -3.7037E-6 C 0.04141 -3.7037E-6 -0.00963 -0.00254 0.03203 -0.00254 C 0.08789 -0.00254 0.07774 0.06736 0.07774 0.12361 C 0.07774 0.16551 0.0793 0.15857 0.0793 0.2007 " pathEditMode="relative" rAng="0" ptsTypes="AAAA">
                                       <p:cBhvr>
-                                        <p:cTn id="45" dur="2000" fill="hold"/>
+                                        <p:cTn id="51" dur="2000" fill="hold"/>
                                         <p:tgtEl>
                                           <p:spTgt spid="11"/>
                                         </p:tgtEl>
@@ -4786,8 +5081,61 @@
                                           <p:attrName>ppt_y</p:attrName>
                                         </p:attrNameLst>
                                       </p:cBhvr>
-                                      <p:rCtr x="3932" y="14907"/>
+                                      <p:rCtr x="3958" y="9907"/>
                                     </p:animMotion>
+                                  </p:childTnLst>
+                                </p:cTn>
+                              </p:par>
+                            </p:childTnLst>
+                          </p:cTn>
+                        </p:par>
+                      </p:childTnLst>
+                    </p:cTn>
+                  </p:par>
+                  <p:par>
+                    <p:cTn id="52" fill="hold">
+                      <p:stCondLst>
+                        <p:cond delay="indefinite"/>
+                      </p:stCondLst>
+                      <p:childTnLst>
+                        <p:par>
+                          <p:cTn id="53" fill="hold">
+                            <p:stCondLst>
+                              <p:cond delay="0"/>
+                            </p:stCondLst>
+                            <p:childTnLst>
+                              <p:par>
+                                <p:cTn id="54" presetID="10" presetClass="exit" presetSubtype="0" fill="hold" grpId="2" nodeType="clickEffect">
+                                  <p:stCondLst>
+                                    <p:cond delay="0"/>
+                                  </p:stCondLst>
+                                  <p:childTnLst>
+                                    <p:animEffect transition="out" filter="fade">
+                                      <p:cBhvr>
+                                        <p:cTn id="55" dur="500"/>
+                                        <p:tgtEl>
+                                          <p:spTgt spid="11"/>
+                                        </p:tgtEl>
+                                      </p:cBhvr>
+                                    </p:animEffect>
+                                    <p:set>
+                                      <p:cBhvr>
+                                        <p:cTn id="56" dur="1" fill="hold">
+                                          <p:stCondLst>
+                                            <p:cond delay="499"/>
+                                          </p:stCondLst>
+                                        </p:cTn>
+                                        <p:tgtEl>
+                                          <p:spTgt spid="11"/>
+                                        </p:tgtEl>
+                                        <p:attrNameLst>
+                                          <p:attrName>style.visibility</p:attrName>
+                                        </p:attrNameLst>
+                                      </p:cBhvr>
+                                      <p:to>
+                                        <p:strVal val="hidden"/>
+                                      </p:to>
+                                    </p:set>
                                   </p:childTnLst>
                                 </p:cTn>
                               </p:par>
@@ -4820,14 +5168,16 @@
     </p:tnLst>
     <p:bldLst>
       <p:bldP spid="6" grpId="0"/>
+      <p:bldP spid="6" grpId="1"/>
       <p:bldP spid="8" grpId="0" animBg="1"/>
       <p:bldP spid="8" grpId="1" animBg="1"/>
       <p:bldP spid="8" grpId="2" animBg="1"/>
-      <p:bldP spid="9" grpId="0"/>
       <p:bldP spid="10" grpId="1"/>
       <p:bldP spid="10" grpId="2"/>
+      <p:bldP spid="10" grpId="3"/>
       <p:bldP spid="11" grpId="0"/>
       <p:bldP spid="11" grpId="1"/>
+      <p:bldP spid="11" grpId="2"/>
     </p:bldLst>
   </p:timing>
 </p:sld>
@@ -4836,6 +5186,14 @@
 <file path=ppt/slides/slide5.xml><?xml version="1.0" encoding="utf-8"?>
 <p:sld xmlns:a="http://schemas.openxmlformats.org/drawingml/2006/main" xmlns:r="http://schemas.openxmlformats.org/officeDocument/2006/relationships" xmlns:p="http://schemas.openxmlformats.org/presentationml/2006/main">
   <p:cSld>
+    <p:bg>
+      <p:bgPr>
+        <a:solidFill>
+          <a:schemeClr val="accent6"/>
+        </a:solidFill>
+        <a:effectLst/>
+      </p:bgPr>
+    </p:bg>
     <p:spTree>
       <p:nvGrpSpPr>
         <p:cNvPr id="1" name=""/>
@@ -4866,108 +5224,14 @@
           <a:lstStyle/>
           <a:p>
             <a:r>
+              <a:rPr lang="en-IN" dirty="0" err="1" smtClean="0"/>
+              <a:t>Techonolgy</a:t>
+            </a:r>
+            <a:r>
               <a:rPr lang="en-IN" dirty="0" smtClean="0"/>
-              <a:t>Demo</a:t>
+              <a:t> Stack</a:t>
             </a:r>
             <a:endParaRPr lang="en-IN" dirty="0"/>
-          </a:p>
-        </p:txBody>
-      </p:sp>
-      <p:sp>
-        <p:nvSpPr>
-          <p:cNvPr id="3" name="Content Placeholder 2"/>
-          <p:cNvSpPr>
-            <a:spLocks noGrp="1"/>
-          </p:cNvSpPr>
-          <p:nvPr>
-            <p:ph idx="1"/>
-          </p:nvPr>
-        </p:nvSpPr>
-        <p:spPr/>
-        <p:txBody>
-          <a:bodyPr/>
-          <a:lstStyle/>
-          <a:p>
-            <a:endParaRPr lang="en-IN"/>
-          </a:p>
-        </p:txBody>
-      </p:sp>
-    </p:spTree>
-    <p:extLst>
-      <p:ext uri="{BB962C8B-B14F-4D97-AF65-F5344CB8AC3E}">
-        <p14:creationId xmlns:p14="http://schemas.microsoft.com/office/powerpoint/2010/main" val="1446903007"/>
-      </p:ext>
-    </p:extLst>
-  </p:cSld>
-  <p:clrMapOvr>
-    <a:masterClrMapping/>
-  </p:clrMapOvr>
-  <p:timing>
-    <p:tnLst>
-      <p:par>
-        <p:cTn id="1" dur="indefinite" restart="never" nodeType="tmRoot"/>
-      </p:par>
-    </p:tnLst>
-  </p:timing>
-</p:sld>
-</file>
-
-<file path=ppt/slides/slide6.xml><?xml version="1.0" encoding="utf-8"?>
-<p:sld xmlns:a="http://schemas.openxmlformats.org/drawingml/2006/main" xmlns:r="http://schemas.openxmlformats.org/officeDocument/2006/relationships" xmlns:p="http://schemas.openxmlformats.org/presentationml/2006/main">
-  <p:cSld>
-    <p:spTree>
-      <p:nvGrpSpPr>
-        <p:cNvPr id="1" name=""/>
-        <p:cNvGrpSpPr/>
-        <p:nvPr/>
-      </p:nvGrpSpPr>
-      <p:grpSpPr>
-        <a:xfrm>
-          <a:off x="0" y="0"/>
-          <a:ext cx="0" cy="0"/>
-          <a:chOff x="0" y="0"/>
-          <a:chExt cx="0" cy="0"/>
-        </a:xfrm>
-      </p:grpSpPr>
-      <p:sp>
-        <p:nvSpPr>
-          <p:cNvPr id="2" name="Title 1"/>
-          <p:cNvSpPr>
-            <a:spLocks noGrp="1"/>
-          </p:cNvSpPr>
-          <p:nvPr>
-            <p:ph type="title"/>
-          </p:nvPr>
-        </p:nvSpPr>
-        <p:spPr/>
-        <p:txBody>
-          <a:bodyPr/>
-          <a:lstStyle/>
-          <a:p>
-            <a:r>
-              <a:rPr lang="en-IN" dirty="0" smtClean="0"/>
-              <a:t>Stack</a:t>
-            </a:r>
-            <a:endParaRPr lang="en-IN" dirty="0"/>
-          </a:p>
-        </p:txBody>
-      </p:sp>
-      <p:sp>
-        <p:nvSpPr>
-          <p:cNvPr id="3" name="Content Placeholder 2"/>
-          <p:cNvSpPr>
-            <a:spLocks noGrp="1"/>
-          </p:cNvSpPr>
-          <p:nvPr>
-            <p:ph idx="1"/>
-          </p:nvPr>
-        </p:nvSpPr>
-        <p:spPr/>
-        <p:txBody>
-          <a:bodyPr/>
-          <a:lstStyle/>
-          <a:p>
-            <a:endParaRPr lang="en-IN"/>
           </a:p>
         </p:txBody>
       </p:sp>
@@ -4991,9 +5255,17 @@
 </p:sld>
 </file>
 
-<file path=ppt/slides/slide7.xml><?xml version="1.0" encoding="utf-8"?>
+<file path=ppt/slides/slide6.xml><?xml version="1.0" encoding="utf-8"?>
 <p:sld xmlns:a="http://schemas.openxmlformats.org/drawingml/2006/main" xmlns:r="http://schemas.openxmlformats.org/officeDocument/2006/relationships" xmlns:p="http://schemas.openxmlformats.org/presentationml/2006/main">
   <p:cSld>
+    <p:bg>
+      <p:bgPr>
+        <a:solidFill>
+          <a:schemeClr val="accent6"/>
+        </a:solidFill>
+        <a:effectLst/>
+      </p:bgPr>
+    </p:bg>
     <p:spTree>
       <p:nvGrpSpPr>
         <p:cNvPr id="1" name=""/>
@@ -5070,9 +5342,17 @@
 </p:sld>
 </file>
 
-<file path=ppt/slides/slide8.xml><?xml version="1.0" encoding="utf-8"?>
+<file path=ppt/slides/slide7.xml><?xml version="1.0" encoding="utf-8"?>
 <p:sld xmlns:a="http://schemas.openxmlformats.org/drawingml/2006/main" xmlns:r="http://schemas.openxmlformats.org/officeDocument/2006/relationships" xmlns:p="http://schemas.openxmlformats.org/presentationml/2006/main">
   <p:cSld>
+    <p:bg>
+      <p:bgPr>
+        <a:solidFill>
+          <a:schemeClr val="accent6"/>
+        </a:solidFill>
+        <a:effectLst/>
+      </p:bgPr>
+    </p:bg>
     <p:spTree>
       <p:nvGrpSpPr>
         <p:cNvPr id="1" name=""/>
@@ -5139,12 +5419,27 @@
   <p:clrMapOvr>
     <a:masterClrMapping/>
   </p:clrMapOvr>
+  <p:timing>
+    <p:tnLst>
+      <p:par>
+        <p:cTn id="1" dur="indefinite" restart="never" nodeType="tmRoot"/>
+      </p:par>
+    </p:tnLst>
+  </p:timing>
 </p:sld>
 </file>
 
-<file path=ppt/slides/slide9.xml><?xml version="1.0" encoding="utf-8"?>
+<file path=ppt/slides/slide8.xml><?xml version="1.0" encoding="utf-8"?>
 <p:sld xmlns:a="http://schemas.openxmlformats.org/drawingml/2006/main" xmlns:r="http://schemas.openxmlformats.org/officeDocument/2006/relationships" xmlns:p="http://schemas.openxmlformats.org/presentationml/2006/main">
   <p:cSld>
+    <p:bg>
+      <p:bgPr>
+        <a:solidFill>
+          <a:schemeClr val="accent6"/>
+        </a:solidFill>
+        <a:effectLst/>
+      </p:bgPr>
+    </p:bg>
     <p:spTree>
       <p:nvGrpSpPr>
         <p:cNvPr id="1" name=""/>
@@ -5192,6 +5487,13 @@
   <p:clrMapOvr>
     <a:masterClrMapping/>
   </p:clrMapOvr>
+  <p:timing>
+    <p:tnLst>
+      <p:par>
+        <p:cTn id="1" dur="indefinite" restart="never" nodeType="tmRoot"/>
+      </p:par>
+    </p:tnLst>
+  </p:timing>
 </p:sld>
 </file>
 

--- a/probot.pptx
+++ b/probot.pptx
@@ -13,6 +13,7 @@
     <p:sldId id="261" r:id="rId7"/>
     <p:sldId id="262" r:id="rId8"/>
     <p:sldId id="264" r:id="rId9"/>
+    <p:sldId id="265" r:id="rId10"/>
   </p:sldIdLst>
   <p:sldSz cx="12192000" cy="6858000"/>
   <p:notesSz cx="6858000" cy="9144000"/>
@@ -113,7 +114,7 @@
   </p:defaultTextStyle>
   <p:extLst>
     <p:ext uri="{EFAFB233-063F-42B5-8137-9DF3F51BA10A}">
-      <p15:sldGuideLst xmlns:p15="http://schemas.microsoft.com/office/powerpoint/2012/main"/>
+      <p15:sldGuideLst xmlns:p15="http://schemas.microsoft.com/office/powerpoint/2012/main" xmlns=""/>
     </p:ext>
   </p:extLst>
 </p:presentation>
@@ -2965,7 +2966,9 @@
     <p:bg>
       <p:bgPr>
         <a:solidFill>
-          <a:schemeClr val="accent6"/>
+          <a:schemeClr val="accent6">
+            <a:lumMod val="75000"/>
+          </a:schemeClr>
         </a:solidFill>
         <a:effectLst/>
       </p:bgPr>
@@ -3444,7 +3447,9 @@
     <p:bg>
       <p:bgPr>
         <a:solidFill>
-          <a:schemeClr val="accent6"/>
+          <a:schemeClr val="accent6">
+            <a:lumMod val="75000"/>
+          </a:schemeClr>
         </a:solidFill>
         <a:effectLst/>
       </p:bgPr>
@@ -3512,7 +3517,7 @@
         <p:spPr>
           <a:xfrm>
             <a:off x="838200" y="1690688"/>
-            <a:ext cx="10035311" cy="4770537"/>
+            <a:ext cx="8195642" cy="4524315"/>
           </a:xfrm>
           <a:prstGeom prst="rect">
             <a:avLst/>
@@ -3530,7 +3535,7 @@
               <a:buChar char="o"/>
             </a:pPr>
             <a:r>
-              <a:rPr lang="en-IN" sz="4000" dirty="0" smtClean="0">
+              <a:rPr lang="en-IN" sz="3200" dirty="0" smtClean="0">
                 <a:solidFill>
                   <a:schemeClr val="bg1"/>
                 </a:solidFill>
@@ -3545,7 +3550,7 @@
               <a:buChar char="o"/>
             </a:pPr>
             <a:r>
-              <a:rPr lang="en-IN" sz="4000" dirty="0" smtClean="0">
+              <a:rPr lang="en-IN" sz="3200" dirty="0" smtClean="0">
                 <a:solidFill>
                   <a:schemeClr val="bg1"/>
                 </a:solidFill>
@@ -3626,7 +3631,7 @@
               <a:buChar char="o"/>
             </a:pPr>
             <a:r>
-              <a:rPr lang="en-IN" sz="4000" dirty="0" smtClean="0">
+              <a:rPr lang="en-IN" sz="3200" dirty="0" smtClean="0">
                 <a:solidFill>
                   <a:schemeClr val="bg1"/>
                 </a:solidFill>
@@ -3641,7 +3646,7 @@
               <a:buChar char="o"/>
             </a:pPr>
             <a:r>
-              <a:rPr lang="en-IN" sz="4000" dirty="0" smtClean="0">
+              <a:rPr lang="en-IN" sz="3200" dirty="0" smtClean="0">
                 <a:solidFill>
                   <a:schemeClr val="bg1"/>
                 </a:solidFill>
@@ -3671,7 +3676,7 @@
               <a:buChar char="o"/>
             </a:pPr>
             <a:r>
-              <a:rPr lang="en-IN" sz="4000" dirty="0" smtClean="0">
+              <a:rPr lang="en-IN" sz="3200" dirty="0" smtClean="0">
                 <a:solidFill>
                   <a:schemeClr val="bg1"/>
                 </a:solidFill>
@@ -3686,7 +3691,7 @@
               <a:buChar char="o"/>
             </a:pPr>
             <a:r>
-              <a:rPr lang="en-IN" sz="4000" dirty="0" smtClean="0">
+              <a:rPr lang="en-IN" sz="3200" dirty="0" smtClean="0">
                 <a:solidFill>
                   <a:schemeClr val="bg1"/>
                 </a:solidFill>
@@ -3725,11 +3730,35 @@
                 </a:solidFill>
                 <a:latin typeface="Arial Black" panose="020B0A04020102020204" pitchFamily="34" charset="0"/>
               </a:rPr>
-              <a:t> 4 from 4 pm to 5pm for next week</a:t>
-            </a:r>
-            <a:endParaRPr lang="en-IN" sz="1600" dirty="0">
+              <a:t> 4 from 4 pm to 5pm for next </a:t>
+            </a:r>
+            <a:r>
+              <a:rPr lang="en-IN" sz="1600" dirty="0" smtClean="0">
+                <a:solidFill>
+                  <a:srgbClr val="AFDC7E"/>
+                </a:solidFill>
+                <a:latin typeface="Arial Black" panose="020B0A04020102020204" pitchFamily="34" charset="0"/>
+              </a:rPr>
+              <a:t>week</a:t>
+            </a:r>
+          </a:p>
+          <a:p>
+            <a:pPr marL="571500" indent="-571500">
+              <a:buFont typeface="Courier New" panose="02070309020205020404" pitchFamily="49" charset="0"/>
+              <a:buChar char="o"/>
+            </a:pPr>
+            <a:r>
+              <a:rPr lang="en-IN" sz="3200" dirty="0" smtClean="0">
+                <a:solidFill>
+                  <a:schemeClr val="bg1"/>
+                </a:solidFill>
+                <a:latin typeface="Arial Black" panose="020B0A04020102020204" pitchFamily="34" charset="0"/>
+              </a:rPr>
+              <a:t>Multiple Channels</a:t>
+            </a:r>
+            <a:endParaRPr lang="en-IN" sz="3200" dirty="0">
               <a:solidFill>
-                <a:srgbClr val="AFDC7E"/>
+                <a:schemeClr val="bg1"/>
               </a:solidFill>
               <a:latin typeface="Arial Black" panose="020B0A04020102020204" pitchFamily="34" charset="0"/>
             </a:endParaRPr>
@@ -3762,7 +3791,9 @@
     <p:bg>
       <p:bgPr>
         <a:solidFill>
-          <a:schemeClr val="accent6"/>
+          <a:schemeClr val="accent6">
+            <a:lumMod val="75000"/>
+          </a:schemeClr>
         </a:solidFill>
         <a:effectLst/>
       </p:bgPr>
@@ -3793,33 +3824,108 @@
         </p:nvSpPr>
         <p:spPr/>
         <p:txBody>
+          <a:bodyPr>
+            <a:normAutofit/>
+          </a:bodyPr>
+          <a:lstStyle/>
+          <a:p>
+            <a:r>
+              <a:rPr lang="en-IN" sz="6600" dirty="0" smtClean="0">
+                <a:solidFill>
+                  <a:srgbClr val="AFDC7E"/>
+                </a:solidFill>
+                <a:latin typeface="Arial Black" panose="020B0A04020102020204" pitchFamily="34" charset="0"/>
+              </a:rPr>
+              <a:t>Challenges</a:t>
+            </a:r>
+            <a:endParaRPr lang="en-IN" sz="6600" dirty="0">
+              <a:solidFill>
+                <a:srgbClr val="AFDC7E"/>
+              </a:solidFill>
+              <a:latin typeface="Arial Black" panose="020B0A04020102020204" pitchFamily="34" charset="0"/>
+            </a:endParaRPr>
+          </a:p>
+        </p:txBody>
+      </p:sp>
+      <p:sp>
+        <p:nvSpPr>
+          <p:cNvPr id="3" name="Content Placeholder 2"/>
+          <p:cNvSpPr>
+            <a:spLocks noGrp="1"/>
+          </p:cNvSpPr>
+          <p:nvPr>
+            <p:ph idx="1"/>
+          </p:nvPr>
+        </p:nvSpPr>
+        <p:spPr/>
+        <p:txBody>
           <a:bodyPr/>
           <a:lstStyle/>
           <a:p>
-            <a:r>
-              <a:rPr lang="en-IN" dirty="0" smtClean="0"/>
-              <a:t>Challenges</a:t>
-            </a:r>
+            <a:pPr>
+              <a:buFont typeface="Wingdings" panose="05000000000000000000" pitchFamily="2" charset="2"/>
+              <a:buChar char="§"/>
+            </a:pPr>
+            <a:r>
+              <a:rPr lang="en-IN" sz="3200" dirty="0" smtClean="0">
+                <a:solidFill>
+                  <a:schemeClr val="bg1"/>
+                </a:solidFill>
+                <a:latin typeface="Arial Black" panose="020B0A04020102020204" pitchFamily="34" charset="0"/>
+              </a:rPr>
+              <a:t>Difficulty in understanding some </a:t>
+            </a:r>
+            <a:r>
+              <a:rPr lang="en-IN" sz="3200" dirty="0" err="1" smtClean="0">
+                <a:solidFill>
+                  <a:schemeClr val="bg1"/>
+                </a:solidFill>
+                <a:latin typeface="Arial Black" panose="020B0A04020102020204" pitchFamily="34" charset="0"/>
+              </a:rPr>
+              <a:t>utterrances</a:t>
+            </a:r>
+            <a:endParaRPr lang="en-IN" sz="3200" dirty="0" smtClean="0">
+              <a:solidFill>
+                <a:schemeClr val="bg1"/>
+              </a:solidFill>
+              <a:latin typeface="Arial Black" panose="020B0A04020102020204" pitchFamily="34" charset="0"/>
+            </a:endParaRPr>
+          </a:p>
+          <a:p>
+            <a:pPr>
+              <a:buFont typeface="Wingdings" panose="05000000000000000000" pitchFamily="2" charset="2"/>
+              <a:buChar char="§"/>
+            </a:pPr>
+            <a:r>
+              <a:rPr lang="en-IN" sz="3200" dirty="0" smtClean="0">
+                <a:solidFill>
+                  <a:schemeClr val="bg1"/>
+                </a:solidFill>
+                <a:latin typeface="Arial Black" panose="020B0A04020102020204" pitchFamily="34" charset="0"/>
+              </a:rPr>
+              <a:t>Too many types of  date-time entities By LUIS</a:t>
+            </a:r>
+          </a:p>
+          <a:p>
+            <a:pPr>
+              <a:buFont typeface="Wingdings" panose="05000000000000000000" pitchFamily="2" charset="2"/>
+              <a:buChar char="§"/>
+            </a:pPr>
+            <a:r>
+              <a:rPr lang="en-IN" sz="3200" dirty="0" smtClean="0">
+                <a:solidFill>
+                  <a:schemeClr val="bg1"/>
+                </a:solidFill>
+                <a:latin typeface="Arial Black" panose="020B0A04020102020204" pitchFamily="34" charset="0"/>
+              </a:rPr>
+              <a:t>Connecting to Booking Server</a:t>
+            </a:r>
+          </a:p>
+          <a:p>
+            <a:endParaRPr lang="en-IN" dirty="0" smtClean="0"/>
+          </a:p>
+          <a:p>
             <a:endParaRPr lang="en-IN" dirty="0"/>
-          </a:p>
-        </p:txBody>
-      </p:sp>
-      <p:sp>
-        <p:nvSpPr>
-          <p:cNvPr id="3" name="Content Placeholder 2"/>
-          <p:cNvSpPr>
-            <a:spLocks noGrp="1"/>
-          </p:cNvSpPr>
-          <p:nvPr>
-            <p:ph idx="1"/>
-          </p:nvPr>
-        </p:nvSpPr>
-        <p:spPr/>
-        <p:txBody>
-          <a:bodyPr/>
-          <a:lstStyle/>
-          <a:p>
-            <a:endParaRPr lang="en-IN"/>
           </a:p>
         </p:txBody>
       </p:sp>
@@ -3950,7 +4056,7 @@
       </p:pic>
       <p:pic>
         <p:nvPicPr>
-          <p:cNvPr id="1028" name="Picture 4" descr="Image result for gear icon"/>
+          <p:cNvPr id="1028" name="Picture 4"/>
           <p:cNvPicPr>
             <a:picLocks noChangeAspect="1" noChangeArrowheads="1"/>
           </p:cNvPicPr>
@@ -3964,7 +4070,6 @@
               </a:ext>
             </a:extLst>
           </a:blip>
-          <a:srcRect/>
           <a:stretch>
             <a:fillRect/>
           </a:stretch>
@@ -4987,7 +5092,7 @@
                                     <p:cond delay="0"/>
                                   </p:stCondLst>
                                   <p:childTnLst>
-                                    <p:animRot by="5400000">
+                                    <p:animRot by="10800000">
                                       <p:cBhvr>
                                         <p:cTn id="43" dur="1000" fill="hold"/>
                                         <p:tgtEl>
@@ -5189,7 +5294,9 @@
     <p:bg>
       <p:bgPr>
         <a:solidFill>
-          <a:schemeClr val="accent6"/>
+          <a:schemeClr val="accent6">
+            <a:lumMod val="75000"/>
+          </a:schemeClr>
         </a:solidFill>
         <a:effectLst/>
       </p:bgPr>
@@ -5220,18 +5327,720 @@
         </p:nvSpPr>
         <p:spPr/>
         <p:txBody>
-          <a:bodyPr/>
-          <a:lstStyle/>
-          <a:p>
-            <a:r>
-              <a:rPr lang="en-IN" dirty="0" err="1" smtClean="0"/>
-              <a:t>Techonolgy</a:t>
-            </a:r>
-            <a:r>
-              <a:rPr lang="en-IN" dirty="0" smtClean="0"/>
-              <a:t> Stack</a:t>
-            </a:r>
-            <a:endParaRPr lang="en-IN" dirty="0"/>
+          <a:bodyPr>
+            <a:normAutofit/>
+          </a:bodyPr>
+          <a:lstStyle/>
+          <a:p>
+            <a:r>
+              <a:rPr lang="en-IN" sz="6600" dirty="0" smtClean="0">
+                <a:solidFill>
+                  <a:srgbClr val="AFDC7E"/>
+                </a:solidFill>
+                <a:latin typeface="Arial Black" panose="020B0A04020102020204" pitchFamily="34" charset="0"/>
+              </a:rPr>
+              <a:t>Technology </a:t>
+            </a:r>
+            <a:r>
+              <a:rPr lang="en-IN" sz="6600" dirty="0" smtClean="0">
+                <a:solidFill>
+                  <a:srgbClr val="AFDC7E"/>
+                </a:solidFill>
+                <a:latin typeface="Arial Black" panose="020B0A04020102020204" pitchFamily="34" charset="0"/>
+              </a:rPr>
+              <a:t>Stack</a:t>
+            </a:r>
+            <a:endParaRPr lang="en-IN" sz="6600" dirty="0">
+              <a:solidFill>
+                <a:srgbClr val="AFDC7E"/>
+              </a:solidFill>
+              <a:latin typeface="Arial Black" panose="020B0A04020102020204" pitchFamily="34" charset="0"/>
+            </a:endParaRPr>
+          </a:p>
+        </p:txBody>
+      </p:sp>
+      <p:sp>
+        <p:nvSpPr>
+          <p:cNvPr id="3" name="AutoShape 4" descr="https://luisweb.blob.core.windows.net/prod-assets/images/overview/LuisLogoCircle.svg"/>
+          <p:cNvSpPr>
+            <a:spLocks noChangeAspect="1" noChangeArrowheads="1"/>
+          </p:cNvSpPr>
+          <p:nvPr/>
+        </p:nvSpPr>
+        <p:spPr bwMode="auto">
+          <a:xfrm>
+            <a:off x="155575" y="-144463"/>
+            <a:ext cx="304800" cy="304801"/>
+          </a:xfrm>
+          <a:prstGeom prst="rect">
+            <a:avLst/>
+          </a:prstGeom>
+          <a:noFill/>
+          <a:extLst>
+            <a:ext uri="{909E8E84-426E-40DD-AFC4-6F175D3DCCD1}">
+              <a14:hiddenFill xmlns:a14="http://schemas.microsoft.com/office/drawing/2010/main">
+                <a:solidFill>
+                  <a:srgbClr val="FFFFFF"/>
+                </a:solidFill>
+              </a14:hiddenFill>
+            </a:ext>
+          </a:extLst>
+        </p:spPr>
+        <p:txBody>
+          <a:bodyPr vert="horz" wrap="square" lIns="91440" tIns="45720" rIns="91440" bIns="45720" numCol="1" anchor="t" anchorCtr="0" compatLnSpc="1">
+            <a:prstTxWarp prst="textNoShape">
+              <a:avLst/>
+            </a:prstTxWarp>
+          </a:bodyPr>
+          <a:lstStyle/>
+          <a:p>
+            <a:endParaRPr lang="en-US"/>
+          </a:p>
+        </p:txBody>
+      </p:sp>
+      <p:sp>
+        <p:nvSpPr>
+          <p:cNvPr id="4" name="AutoShape 6" descr="https://luisweb.blob.core.windows.net/prod-assets/images/overview/LuisLogoCircle.svg"/>
+          <p:cNvSpPr>
+            <a:spLocks noChangeAspect="1" noChangeArrowheads="1"/>
+          </p:cNvSpPr>
+          <p:nvPr/>
+        </p:nvSpPr>
+        <p:spPr bwMode="auto">
+          <a:xfrm>
+            <a:off x="307975" y="7937"/>
+            <a:ext cx="304800" cy="304801"/>
+          </a:xfrm>
+          <a:prstGeom prst="rect">
+            <a:avLst/>
+          </a:prstGeom>
+          <a:noFill/>
+          <a:extLst>
+            <a:ext uri="{909E8E84-426E-40DD-AFC4-6F175D3DCCD1}">
+              <a14:hiddenFill xmlns:a14="http://schemas.microsoft.com/office/drawing/2010/main">
+                <a:solidFill>
+                  <a:srgbClr val="FFFFFF"/>
+                </a:solidFill>
+              </a14:hiddenFill>
+            </a:ext>
+          </a:extLst>
+        </p:spPr>
+        <p:txBody>
+          <a:bodyPr vert="horz" wrap="square" lIns="91440" tIns="45720" rIns="91440" bIns="45720" numCol="1" anchor="t" anchorCtr="0" compatLnSpc="1">
+            <a:prstTxWarp prst="textNoShape">
+              <a:avLst/>
+            </a:prstTxWarp>
+          </a:bodyPr>
+          <a:lstStyle/>
+          <a:p>
+            <a:endParaRPr lang="en-US"/>
+          </a:p>
+        </p:txBody>
+      </p:sp>
+      <p:pic>
+        <p:nvPicPr>
+          <p:cNvPr id="1031" name="Picture 7" descr="C:\Users\abhisheks\Downloads\LuisLogoCircle.png"/>
+          <p:cNvPicPr>
+            <a:picLocks noChangeAspect="1" noChangeArrowheads="1"/>
+          </p:cNvPicPr>
+          <p:nvPr/>
+        </p:nvPicPr>
+        <p:blipFill>
+          <a:blip r:embed="rId2" cstate="print">
+            <a:extLst>
+              <a:ext uri="{28A0092B-C50C-407E-A947-70E740481C1C}">
+                <a14:useLocalDpi xmlns:a14="http://schemas.microsoft.com/office/drawing/2010/main" val="0"/>
+              </a:ext>
+            </a:extLst>
+          </a:blip>
+          <a:srcRect/>
+          <a:stretch>
+            <a:fillRect/>
+          </a:stretch>
+        </p:blipFill>
+        <p:spPr bwMode="auto">
+          <a:xfrm>
+            <a:off x="5410200" y="2247900"/>
+            <a:ext cx="1352550" cy="1352550"/>
+          </a:xfrm>
+          <a:prstGeom prst="rect">
+            <a:avLst/>
+          </a:prstGeom>
+          <a:noFill/>
+          <a:extLst>
+            <a:ext uri="{909E8E84-426E-40DD-AFC4-6F175D3DCCD1}">
+              <a14:hiddenFill xmlns:a14="http://schemas.microsoft.com/office/drawing/2010/main">
+                <a:solidFill>
+                  <a:srgbClr val="FFFFFF"/>
+                </a:solidFill>
+              </a14:hiddenFill>
+            </a:ext>
+          </a:extLst>
+        </p:spPr>
+      </p:pic>
+      <p:sp>
+        <p:nvSpPr>
+          <p:cNvPr id="5" name="Rectangle 4"/>
+          <p:cNvSpPr/>
+          <p:nvPr/>
+        </p:nvSpPr>
+        <p:spPr>
+          <a:xfrm>
+            <a:off x="4514850" y="1885950"/>
+            <a:ext cx="3255440" cy="5543550"/>
+          </a:xfrm>
+          <a:prstGeom prst="rect">
+            <a:avLst/>
+          </a:prstGeom>
+          <a:noFill/>
+          <a:ln w="76200">
+            <a:solidFill>
+              <a:srgbClr val="AFDC7E"/>
+            </a:solidFill>
+          </a:ln>
+        </p:spPr>
+        <p:style>
+          <a:lnRef idx="2">
+            <a:schemeClr val="accent1">
+              <a:shade val="50000"/>
+            </a:schemeClr>
+          </a:lnRef>
+          <a:fillRef idx="1">
+            <a:schemeClr val="accent1"/>
+          </a:fillRef>
+          <a:effectRef idx="0">
+            <a:schemeClr val="accent1"/>
+          </a:effectRef>
+          <a:fontRef idx="minor">
+            <a:schemeClr val="lt1"/>
+          </a:fontRef>
+        </p:style>
+        <p:txBody>
+          <a:bodyPr rtlCol="0" anchor="ctr"/>
+          <a:lstStyle/>
+          <a:p>
+            <a:pPr algn="ctr"/>
+            <a:endParaRPr lang="en-US"/>
+          </a:p>
+        </p:txBody>
+      </p:sp>
+      <p:sp>
+        <p:nvSpPr>
+          <p:cNvPr id="8" name="Rectangle 7"/>
+          <p:cNvSpPr/>
+          <p:nvPr/>
+        </p:nvSpPr>
+        <p:spPr>
+          <a:xfrm>
+            <a:off x="708025" y="1885950"/>
+            <a:ext cx="3255440" cy="5543550"/>
+          </a:xfrm>
+          <a:prstGeom prst="rect">
+            <a:avLst/>
+          </a:prstGeom>
+          <a:noFill/>
+          <a:ln w="76200">
+            <a:solidFill>
+              <a:srgbClr val="AFDC7E"/>
+            </a:solidFill>
+          </a:ln>
+        </p:spPr>
+        <p:style>
+          <a:lnRef idx="2">
+            <a:schemeClr val="accent1">
+              <a:shade val="50000"/>
+            </a:schemeClr>
+          </a:lnRef>
+          <a:fillRef idx="1">
+            <a:schemeClr val="accent1"/>
+          </a:fillRef>
+          <a:effectRef idx="0">
+            <a:schemeClr val="accent1"/>
+          </a:effectRef>
+          <a:fontRef idx="minor">
+            <a:schemeClr val="lt1"/>
+          </a:fontRef>
+        </p:style>
+        <p:txBody>
+          <a:bodyPr rtlCol="0" anchor="ctr"/>
+          <a:lstStyle/>
+          <a:p>
+            <a:pPr algn="ctr"/>
+            <a:endParaRPr lang="en-US">
+              <a:solidFill>
+                <a:schemeClr val="bg1"/>
+              </a:solidFill>
+            </a:endParaRPr>
+          </a:p>
+        </p:txBody>
+      </p:sp>
+      <p:sp>
+        <p:nvSpPr>
+          <p:cNvPr id="9" name="Rectangle 8"/>
+          <p:cNvSpPr/>
+          <p:nvPr/>
+        </p:nvSpPr>
+        <p:spPr>
+          <a:xfrm>
+            <a:off x="8248650" y="1885950"/>
+            <a:ext cx="3255440" cy="5543550"/>
+          </a:xfrm>
+          <a:prstGeom prst="rect">
+            <a:avLst/>
+          </a:prstGeom>
+          <a:noFill/>
+          <a:ln w="76200">
+            <a:solidFill>
+              <a:srgbClr val="AFDC7E"/>
+            </a:solidFill>
+          </a:ln>
+        </p:spPr>
+        <p:style>
+          <a:lnRef idx="2">
+            <a:schemeClr val="accent1">
+              <a:shade val="50000"/>
+            </a:schemeClr>
+          </a:lnRef>
+          <a:fillRef idx="1">
+            <a:schemeClr val="accent1"/>
+          </a:fillRef>
+          <a:effectRef idx="0">
+            <a:schemeClr val="accent1"/>
+          </a:effectRef>
+          <a:fontRef idx="minor">
+            <a:schemeClr val="lt1"/>
+          </a:fontRef>
+        </p:style>
+        <p:txBody>
+          <a:bodyPr rtlCol="0" anchor="ctr"/>
+          <a:lstStyle/>
+          <a:p>
+            <a:pPr algn="ctr"/>
+            <a:endParaRPr lang="en-US"/>
+          </a:p>
+        </p:txBody>
+      </p:sp>
+      <p:pic>
+        <p:nvPicPr>
+          <p:cNvPr id="1033" name="Picture 9" descr="Image result for nodejs icon"/>
+          <p:cNvPicPr>
+            <a:picLocks noChangeAspect="1" noChangeArrowheads="1"/>
+          </p:cNvPicPr>
+          <p:nvPr/>
+        </p:nvPicPr>
+        <p:blipFill>
+          <a:blip r:embed="rId3" cstate="print">
+            <a:extLst>
+              <a:ext uri="{28A0092B-C50C-407E-A947-70E740481C1C}">
+                <a14:useLocalDpi xmlns:a14="http://schemas.microsoft.com/office/drawing/2010/main" val="0"/>
+              </a:ext>
+            </a:extLst>
+          </a:blip>
+          <a:srcRect/>
+          <a:stretch>
+            <a:fillRect/>
+          </a:stretch>
+        </p:blipFill>
+        <p:spPr bwMode="auto">
+          <a:xfrm>
+            <a:off x="1245133" y="1885951"/>
+            <a:ext cx="1981198" cy="1981199"/>
+          </a:xfrm>
+          <a:prstGeom prst="rect">
+            <a:avLst/>
+          </a:prstGeom>
+          <a:noFill/>
+          <a:extLst>
+            <a:ext uri="{909E8E84-426E-40DD-AFC4-6F175D3DCCD1}">
+              <a14:hiddenFill xmlns:a14="http://schemas.microsoft.com/office/drawing/2010/main">
+                <a:solidFill>
+                  <a:srgbClr val="FFFFFF"/>
+                </a:solidFill>
+              </a14:hiddenFill>
+            </a:ext>
+          </a:extLst>
+        </p:spPr>
+      </p:pic>
+      <p:pic>
+        <p:nvPicPr>
+          <p:cNvPr id="1035" name="Picture 11" descr="Image result for bot framework icon"/>
+          <p:cNvPicPr>
+            <a:picLocks noChangeAspect="1" noChangeArrowheads="1"/>
+          </p:cNvPicPr>
+          <p:nvPr/>
+        </p:nvPicPr>
+        <p:blipFill>
+          <a:blip r:embed="rId4" cstate="print">
+            <a:extLst>
+              <a:ext uri="{28A0092B-C50C-407E-A947-70E740481C1C}">
+                <a14:useLocalDpi xmlns:a14="http://schemas.microsoft.com/office/drawing/2010/main" val="0"/>
+              </a:ext>
+            </a:extLst>
+          </a:blip>
+          <a:srcRect/>
+          <a:stretch>
+            <a:fillRect/>
+          </a:stretch>
+        </p:blipFill>
+        <p:spPr bwMode="auto">
+          <a:xfrm>
+            <a:off x="1683282" y="4657725"/>
+            <a:ext cx="1104900" cy="1104900"/>
+          </a:xfrm>
+          <a:prstGeom prst="rect">
+            <a:avLst/>
+          </a:prstGeom>
+          <a:noFill/>
+          <a:extLst>
+            <a:ext uri="{909E8E84-426E-40DD-AFC4-6F175D3DCCD1}">
+              <a14:hiddenFill xmlns:a14="http://schemas.microsoft.com/office/drawing/2010/main">
+                <a:solidFill>
+                  <a:srgbClr val="FFFFFF"/>
+                </a:solidFill>
+              </a14:hiddenFill>
+            </a:ext>
+          </a:extLst>
+        </p:spPr>
+      </p:pic>
+      <p:pic>
+        <p:nvPicPr>
+          <p:cNvPr id="12" name="Picture 11"/>
+          <p:cNvPicPr>
+            <a:picLocks noChangeAspect="1"/>
+          </p:cNvPicPr>
+          <p:nvPr/>
+        </p:nvPicPr>
+        <p:blipFill>
+          <a:blip r:embed="rId5" cstate="print">
+            <a:extLst>
+              <a:ext uri="{28A0092B-C50C-407E-A947-70E740481C1C}">
+                <a14:useLocalDpi xmlns:a14="http://schemas.microsoft.com/office/drawing/2010/main" val="0"/>
+              </a:ext>
+            </a:extLst>
+          </a:blip>
+          <a:stretch>
+            <a:fillRect/>
+          </a:stretch>
+        </p:blipFill>
+        <p:spPr>
+          <a:xfrm>
+            <a:off x="9281398" y="2281578"/>
+            <a:ext cx="1189943" cy="1189943"/>
+          </a:xfrm>
+          <a:prstGeom prst="rect">
+            <a:avLst/>
+          </a:prstGeom>
+          <a:ln w="25400">
+            <a:solidFill>
+              <a:schemeClr val="accent1"/>
+            </a:solidFill>
+          </a:ln>
+        </p:spPr>
+      </p:pic>
+      <p:sp>
+        <p:nvSpPr>
+          <p:cNvPr id="6" name="TextBox 5"/>
+          <p:cNvSpPr txBox="1"/>
+          <p:nvPr/>
+        </p:nvSpPr>
+        <p:spPr>
+          <a:xfrm>
+            <a:off x="1590916" y="3783568"/>
+            <a:ext cx="1313180" cy="369332"/>
+          </a:xfrm>
+          <a:prstGeom prst="rect">
+            <a:avLst/>
+          </a:prstGeom>
+          <a:noFill/>
+        </p:spPr>
+        <p:txBody>
+          <a:bodyPr wrap="none" rtlCol="0">
+            <a:spAutoFit/>
+          </a:bodyPr>
+          <a:lstStyle/>
+          <a:p>
+            <a:r>
+              <a:rPr lang="en-US" dirty="0" smtClean="0">
+                <a:solidFill>
+                  <a:schemeClr val="bg1"/>
+                </a:solidFill>
+                <a:latin typeface="Arial Black" panose="020B0A04020102020204" pitchFamily="34" charset="0"/>
+              </a:rPr>
+              <a:t>NODE JS</a:t>
+            </a:r>
+            <a:endParaRPr lang="en-US" dirty="0">
+              <a:solidFill>
+                <a:schemeClr val="bg1"/>
+              </a:solidFill>
+              <a:latin typeface="Arial Black" panose="020B0A04020102020204" pitchFamily="34" charset="0"/>
+            </a:endParaRPr>
+          </a:p>
+        </p:txBody>
+      </p:sp>
+      <p:sp>
+        <p:nvSpPr>
+          <p:cNvPr id="14" name="TextBox 13"/>
+          <p:cNvSpPr txBox="1"/>
+          <p:nvPr/>
+        </p:nvSpPr>
+        <p:spPr>
+          <a:xfrm>
+            <a:off x="1094219" y="6050518"/>
+            <a:ext cx="2483052" cy="369332"/>
+          </a:xfrm>
+          <a:prstGeom prst="rect">
+            <a:avLst/>
+          </a:prstGeom>
+          <a:noFill/>
+        </p:spPr>
+        <p:txBody>
+          <a:bodyPr wrap="none" rtlCol="0">
+            <a:spAutoFit/>
+          </a:bodyPr>
+          <a:lstStyle/>
+          <a:p>
+            <a:r>
+              <a:rPr lang="en-US" dirty="0" smtClean="0">
+                <a:solidFill>
+                  <a:schemeClr val="bg1"/>
+                </a:solidFill>
+                <a:latin typeface="Arial Black" panose="020B0A04020102020204" pitchFamily="34" charset="0"/>
+              </a:rPr>
+              <a:t>BOT FRAMEWORK</a:t>
+            </a:r>
+          </a:p>
+        </p:txBody>
+      </p:sp>
+      <p:sp>
+        <p:nvSpPr>
+          <p:cNvPr id="15" name="TextBox 14"/>
+          <p:cNvSpPr txBox="1"/>
+          <p:nvPr/>
+        </p:nvSpPr>
+        <p:spPr>
+          <a:xfrm>
+            <a:off x="4882962" y="3776186"/>
+            <a:ext cx="2519216" cy="923330"/>
+          </a:xfrm>
+          <a:prstGeom prst="rect">
+            <a:avLst/>
+          </a:prstGeom>
+          <a:noFill/>
+        </p:spPr>
+        <p:txBody>
+          <a:bodyPr wrap="none" rtlCol="0">
+            <a:spAutoFit/>
+          </a:bodyPr>
+          <a:lstStyle/>
+          <a:p>
+            <a:pPr algn="ctr"/>
+            <a:r>
+              <a:rPr lang="en-US" dirty="0" smtClean="0">
+                <a:solidFill>
+                  <a:schemeClr val="bg1"/>
+                </a:solidFill>
+                <a:latin typeface="Arial Black" panose="020B0A04020102020204" pitchFamily="34" charset="0"/>
+              </a:rPr>
+              <a:t>LUIS – </a:t>
+            </a:r>
+            <a:r>
+              <a:rPr lang="en-US" dirty="0" err="1" smtClean="0">
+                <a:solidFill>
+                  <a:schemeClr val="bg1"/>
+                </a:solidFill>
+                <a:latin typeface="Arial Black" panose="020B0A04020102020204" pitchFamily="34" charset="0"/>
+              </a:rPr>
+              <a:t>Langugae</a:t>
+            </a:r>
+            <a:endParaRPr lang="en-US" dirty="0" smtClean="0">
+              <a:solidFill>
+                <a:schemeClr val="bg1"/>
+              </a:solidFill>
+              <a:latin typeface="Arial Black" panose="020B0A04020102020204" pitchFamily="34" charset="0"/>
+            </a:endParaRPr>
+          </a:p>
+          <a:p>
+            <a:pPr algn="ctr"/>
+            <a:r>
+              <a:rPr lang="en-US" dirty="0" smtClean="0">
+                <a:solidFill>
+                  <a:schemeClr val="bg1"/>
+                </a:solidFill>
+                <a:latin typeface="Arial Black" panose="020B0A04020102020204" pitchFamily="34" charset="0"/>
+              </a:rPr>
+              <a:t>Understanding</a:t>
+            </a:r>
+          </a:p>
+          <a:p>
+            <a:pPr algn="ctr"/>
+            <a:r>
+              <a:rPr lang="en-US" dirty="0" smtClean="0">
+                <a:solidFill>
+                  <a:schemeClr val="bg1"/>
+                </a:solidFill>
+                <a:latin typeface="Arial Black" panose="020B0A04020102020204" pitchFamily="34" charset="0"/>
+              </a:rPr>
+              <a:t>Intelligent Service</a:t>
+            </a:r>
+            <a:endParaRPr lang="en-US" dirty="0">
+              <a:solidFill>
+                <a:schemeClr val="bg1"/>
+              </a:solidFill>
+              <a:latin typeface="Arial Black" panose="020B0A04020102020204" pitchFamily="34" charset="0"/>
+            </a:endParaRPr>
+          </a:p>
+        </p:txBody>
+      </p:sp>
+      <p:sp>
+        <p:nvSpPr>
+          <p:cNvPr id="16" name="TextBox 15"/>
+          <p:cNvSpPr txBox="1"/>
+          <p:nvPr/>
+        </p:nvSpPr>
+        <p:spPr>
+          <a:xfrm>
+            <a:off x="9059480" y="3787854"/>
+            <a:ext cx="1633781" cy="923330"/>
+          </a:xfrm>
+          <a:prstGeom prst="rect">
+            <a:avLst/>
+          </a:prstGeom>
+          <a:noFill/>
+        </p:spPr>
+        <p:txBody>
+          <a:bodyPr wrap="none" rtlCol="0">
+            <a:spAutoFit/>
+          </a:bodyPr>
+          <a:lstStyle/>
+          <a:p>
+            <a:pPr algn="ctr"/>
+            <a:r>
+              <a:rPr lang="en-US" dirty="0" smtClean="0">
+                <a:solidFill>
+                  <a:schemeClr val="bg1"/>
+                </a:solidFill>
+                <a:latin typeface="Arial Black" panose="020B0A04020102020204" pitchFamily="34" charset="0"/>
+              </a:rPr>
+              <a:t>JAVA</a:t>
+            </a:r>
+          </a:p>
+          <a:p>
+            <a:pPr algn="ctr"/>
+            <a:r>
+              <a:rPr lang="en-US" dirty="0" smtClean="0">
+                <a:solidFill>
+                  <a:schemeClr val="bg1"/>
+                </a:solidFill>
+                <a:latin typeface="Arial Black" panose="020B0A04020102020204" pitchFamily="34" charset="0"/>
+              </a:rPr>
+              <a:t>SPRING</a:t>
+            </a:r>
+          </a:p>
+          <a:p>
+            <a:pPr algn="ctr"/>
+            <a:r>
+              <a:rPr lang="en-US" dirty="0" smtClean="0">
+                <a:solidFill>
+                  <a:schemeClr val="bg1"/>
+                </a:solidFill>
+                <a:latin typeface="Arial Black" panose="020B0A04020102020204" pitchFamily="34" charset="0"/>
+              </a:rPr>
+              <a:t>HTML UNIT</a:t>
+            </a:r>
+          </a:p>
+        </p:txBody>
+      </p:sp>
+      <p:pic>
+        <p:nvPicPr>
+          <p:cNvPr id="1037" name="Picture 13" descr="Image result for ngrok"/>
+          <p:cNvPicPr>
+            <a:picLocks noChangeAspect="1" noChangeArrowheads="1"/>
+          </p:cNvPicPr>
+          <p:nvPr/>
+        </p:nvPicPr>
+        <p:blipFill>
+          <a:blip r:embed="rId6" cstate="print">
+            <a:extLst>
+              <a:ext uri="{28A0092B-C50C-407E-A947-70E740481C1C}">
+                <a14:useLocalDpi xmlns:a14="http://schemas.microsoft.com/office/drawing/2010/main" val="0"/>
+              </a:ext>
+            </a:extLst>
+          </a:blip>
+          <a:srcRect/>
+          <a:stretch>
+            <a:fillRect/>
+          </a:stretch>
+        </p:blipFill>
+        <p:spPr bwMode="auto">
+          <a:xfrm>
+            <a:off x="9217530" y="5137987"/>
+            <a:ext cx="1317678" cy="737163"/>
+          </a:xfrm>
+          <a:prstGeom prst="rect">
+            <a:avLst/>
+          </a:prstGeom>
+          <a:noFill/>
+          <a:extLst>
+            <a:ext uri="{909E8E84-426E-40DD-AFC4-6F175D3DCCD1}">
+              <a14:hiddenFill xmlns:a14="http://schemas.microsoft.com/office/drawing/2010/main">
+                <a:solidFill>
+                  <a:srgbClr val="FFFFFF"/>
+                </a:solidFill>
+              </a14:hiddenFill>
+            </a:ext>
+          </a:extLst>
+        </p:spPr>
+      </p:pic>
+      <p:sp>
+        <p:nvSpPr>
+          <p:cNvPr id="18" name="TextBox 17"/>
+          <p:cNvSpPr txBox="1"/>
+          <p:nvPr/>
+        </p:nvSpPr>
+        <p:spPr>
+          <a:xfrm>
+            <a:off x="8770522" y="6050518"/>
+            <a:ext cx="2211696" cy="646331"/>
+          </a:xfrm>
+          <a:prstGeom prst="rect">
+            <a:avLst/>
+          </a:prstGeom>
+          <a:noFill/>
+        </p:spPr>
+        <p:txBody>
+          <a:bodyPr wrap="none" rtlCol="0">
+            <a:spAutoFit/>
+          </a:bodyPr>
+          <a:lstStyle/>
+          <a:p>
+            <a:pPr algn="ctr"/>
+            <a:r>
+              <a:rPr lang="en-US" dirty="0" smtClean="0">
+                <a:solidFill>
+                  <a:schemeClr val="bg1"/>
+                </a:solidFill>
+                <a:latin typeface="Arial Black" panose="020B0A04020102020204" pitchFamily="34" charset="0"/>
+              </a:rPr>
+              <a:t>NGROK – Local</a:t>
+            </a:r>
+          </a:p>
+          <a:p>
+            <a:pPr algn="ctr"/>
+            <a:r>
+              <a:rPr lang="en-US" dirty="0" smtClean="0">
+                <a:solidFill>
+                  <a:schemeClr val="bg1"/>
+                </a:solidFill>
+                <a:latin typeface="Arial Black" panose="020B0A04020102020204" pitchFamily="34" charset="0"/>
+              </a:rPr>
+              <a:t>Port Forwarding</a:t>
+            </a:r>
+            <a:endParaRPr lang="en-US" dirty="0">
+              <a:solidFill>
+                <a:schemeClr val="bg1"/>
+              </a:solidFill>
+              <a:latin typeface="Arial Black" panose="020B0A04020102020204" pitchFamily="34" charset="0"/>
+            </a:endParaRPr>
           </a:p>
         </p:txBody>
       </p:sp>
@@ -5261,7 +6070,9 @@
     <p:bg>
       <p:bgPr>
         <a:solidFill>
-          <a:schemeClr val="accent6"/>
+          <a:schemeClr val="accent6">
+            <a:lumMod val="75000"/>
+          </a:schemeClr>
         </a:solidFill>
         <a:effectLst/>
       </p:bgPr>
@@ -5348,7 +6159,9 @@
     <p:bg>
       <p:bgPr>
         <a:solidFill>
-          <a:schemeClr val="accent6"/>
+          <a:schemeClr val="accent6">
+            <a:lumMod val="75000"/>
+          </a:schemeClr>
         </a:solidFill>
         <a:effectLst/>
       </p:bgPr>
@@ -5435,7 +6248,9 @@
     <p:bg>
       <p:bgPr>
         <a:solidFill>
-          <a:schemeClr val="accent6"/>
+          <a:schemeClr val="accent6">
+            <a:lumMod val="75000"/>
+          </a:schemeClr>
         </a:solidFill>
         <a:effectLst/>
       </p:bgPr>
@@ -5466,14 +6281,66 @@
         </p:nvSpPr>
         <p:spPr/>
         <p:txBody>
-          <a:bodyPr/>
-          <a:lstStyle/>
-          <a:p>
-            <a:r>
-              <a:rPr lang="en-IN" dirty="0" smtClean="0"/>
-              <a:t>Team</a:t>
-            </a:r>
-            <a:endParaRPr lang="en-IN" dirty="0"/>
+          <a:bodyPr>
+            <a:normAutofit/>
+          </a:bodyPr>
+          <a:lstStyle/>
+          <a:p>
+            <a:r>
+              <a:rPr lang="en-IN" sz="6600" dirty="0" smtClean="0">
+                <a:solidFill>
+                  <a:srgbClr val="AFDC7E"/>
+                </a:solidFill>
+                <a:latin typeface="Arial Black" panose="020B0A04020102020204" pitchFamily="34" charset="0"/>
+              </a:rPr>
+              <a:t>THANK YOU!</a:t>
+            </a:r>
+            <a:endParaRPr lang="en-IN" sz="6600" dirty="0">
+              <a:solidFill>
+                <a:srgbClr val="AFDC7E"/>
+              </a:solidFill>
+              <a:latin typeface="Arial Black" panose="020B0A04020102020204" pitchFamily="34" charset="0"/>
+            </a:endParaRPr>
+          </a:p>
+        </p:txBody>
+      </p:sp>
+      <p:sp>
+        <p:nvSpPr>
+          <p:cNvPr id="3" name="TextBox 2"/>
+          <p:cNvSpPr txBox="1"/>
+          <p:nvPr/>
+        </p:nvSpPr>
+        <p:spPr>
+          <a:xfrm>
+            <a:off x="971549" y="2125593"/>
+            <a:ext cx="9035422" cy="707886"/>
+          </a:xfrm>
+          <a:prstGeom prst="rect">
+            <a:avLst/>
+          </a:prstGeom>
+          <a:noFill/>
+        </p:spPr>
+        <p:txBody>
+          <a:bodyPr wrap="none" rtlCol="0">
+            <a:spAutoFit/>
+          </a:bodyPr>
+          <a:lstStyle/>
+          <a:p>
+            <a:r>
+              <a:rPr lang="en-US" sz="4000" dirty="0" smtClean="0">
+                <a:solidFill>
+                  <a:schemeClr val="bg1"/>
+                </a:solidFill>
+                <a:latin typeface="Arial Black" panose="020B0A04020102020204" pitchFamily="34" charset="0"/>
+              </a:rPr>
+              <a:t>INVITATION TO FOLLOW SOON!</a:t>
+            </a:r>
+            <a:endParaRPr lang="en-US" sz="4000" dirty="0">
+              <a:solidFill>
+                <a:schemeClr val="bg1"/>
+              </a:solidFill>
+              <a:latin typeface="Arial Black" panose="020B0A04020102020204" pitchFamily="34" charset="0"/>
+            </a:endParaRPr>
           </a:p>
         </p:txBody>
       </p:sp>
@@ -5481,6 +6348,84 @@
     <p:extLst>
       <p:ext uri="{BB962C8B-B14F-4D97-AF65-F5344CB8AC3E}">
         <p14:creationId xmlns:p14="http://schemas.microsoft.com/office/powerpoint/2010/main" val="254534893"/>
+      </p:ext>
+    </p:extLst>
+  </p:cSld>
+  <p:clrMapOvr>
+    <a:masterClrMapping/>
+  </p:clrMapOvr>
+  <p:timing>
+    <p:tnLst>
+      <p:par>
+        <p:cTn id="1" dur="indefinite" restart="never" nodeType="tmRoot"/>
+      </p:par>
+    </p:tnLst>
+  </p:timing>
+</p:sld>
+</file>
+
+<file path=ppt/slides/slide9.xml><?xml version="1.0" encoding="utf-8"?>
+<p:sld xmlns:a="http://schemas.openxmlformats.org/drawingml/2006/main" xmlns:r="http://schemas.openxmlformats.org/officeDocument/2006/relationships" xmlns:p="http://schemas.openxmlformats.org/presentationml/2006/main">
+  <p:cSld>
+    <p:spTree>
+      <p:nvGrpSpPr>
+        <p:cNvPr id="1" name=""/>
+        <p:cNvGrpSpPr/>
+        <p:nvPr/>
+      </p:nvGrpSpPr>
+      <p:grpSpPr>
+        <a:xfrm>
+          <a:off x="0" y="0"/>
+          <a:ext cx="0" cy="0"/>
+          <a:chOff x="0" y="0"/>
+          <a:chExt cx="0" cy="0"/>
+        </a:xfrm>
+      </p:grpSpPr>
+      <p:pic>
+        <p:nvPicPr>
+          <p:cNvPr id="3074" name="Picture 2" descr="Image result for Thats all folks"/>
+          <p:cNvPicPr>
+            <a:picLocks noChangeAspect="1" noChangeArrowheads="1"/>
+          </p:cNvPicPr>
+          <p:nvPr/>
+        </p:nvPicPr>
+        <p:blipFill>
+          <a:blip r:embed="rId2">
+            <a:extLst>
+              <a:ext uri="{28A0092B-C50C-407E-A947-70E740481C1C}">
+                <a14:useLocalDpi xmlns:a14="http://schemas.microsoft.com/office/drawing/2010/main" val="0"/>
+              </a:ext>
+            </a:extLst>
+          </a:blip>
+          <a:srcRect/>
+          <a:stretch>
+            <a:fillRect/>
+          </a:stretch>
+        </p:blipFill>
+        <p:spPr bwMode="auto">
+          <a:xfrm>
+            <a:off x="-249031" y="-971550"/>
+            <a:ext cx="12441031" cy="9380538"/>
+          </a:xfrm>
+          <a:prstGeom prst="rect">
+            <a:avLst/>
+          </a:prstGeom>
+          <a:noFill/>
+          <a:extLst>
+            <a:ext uri="{909E8E84-426E-40DD-AFC4-6F175D3DCCD1}">
+              <a14:hiddenFill xmlns:a14="http://schemas.microsoft.com/office/drawing/2010/main">
+                <a:solidFill>
+                  <a:srgbClr val="FFFFFF"/>
+                </a:solidFill>
+              </a14:hiddenFill>
+            </a:ext>
+          </a:extLst>
+        </p:spPr>
+      </p:pic>
+    </p:spTree>
+    <p:extLst>
+      <p:ext uri="{BB962C8B-B14F-4D97-AF65-F5344CB8AC3E}">
+        <p14:creationId xmlns:p14="http://schemas.microsoft.com/office/powerpoint/2010/main" val="1709892218"/>
       </p:ext>
     </p:extLst>
   </p:cSld>
@@ -5752,7 +6697,7 @@
   <a:extraClrSchemeLst/>
   <a:extLst>
     <a:ext uri="{05A4C25C-085E-4340-85A3-A5531E510DB2}">
-      <thm15:themeFamily xmlns:thm15="http://schemas.microsoft.com/office/thememl/2012/main" name="Office Theme" id="{62F939B6-93AF-4DB8-9C6B-D6C7DFDC589F}" vid="{4A3C46E8-61CC-4603-A589-7422A47A8E4A}"/>
+      <thm15:themeFamily xmlns:thm15="http://schemas.microsoft.com/office/thememl/2012/main" xmlns="" name="Office Theme" id="{62F939B6-93AF-4DB8-9C6B-D6C7DFDC589F}" vid="{4A3C46E8-61CC-4603-A589-7422A47A8E4A}"/>
     </a:ext>
   </a:extLst>
 </a:theme>

--- a/probot.pptx
+++ b/probot.pptx
@@ -8,12 +8,11 @@
     <p:sldId id="257" r:id="rId2"/>
     <p:sldId id="258" r:id="rId3"/>
     <p:sldId id="259" r:id="rId4"/>
-    <p:sldId id="256" r:id="rId5"/>
-    <p:sldId id="260" r:id="rId6"/>
-    <p:sldId id="261" r:id="rId7"/>
-    <p:sldId id="262" r:id="rId8"/>
-    <p:sldId id="264" r:id="rId9"/>
-    <p:sldId id="265" r:id="rId10"/>
+    <p:sldId id="260" r:id="rId5"/>
+    <p:sldId id="256" r:id="rId6"/>
+    <p:sldId id="262" r:id="rId7"/>
+    <p:sldId id="264" r:id="rId8"/>
+    <p:sldId id="265" r:id="rId9"/>
   </p:sldIdLst>
   <p:sldSz cx="12192000" cy="6858000"/>
   <p:notesSz cx="6858000" cy="9144000"/>
@@ -114,7 +113,7 @@
   </p:defaultTextStyle>
   <p:extLst>
     <p:ext uri="{EFAFB233-063F-42B5-8137-9DF3F51BA10A}">
-      <p15:sldGuideLst xmlns:p15="http://schemas.microsoft.com/office/powerpoint/2012/main" xmlns=""/>
+      <p15:sldGuideLst xmlns="" xmlns:p15="http://schemas.microsoft.com/office/powerpoint/2012/main"/>
     </p:ext>
   </p:extLst>
 </p:presentation>
@@ -251,7 +250,7 @@
           <a:p>
             <a:fld id="{B7FCCC29-19BE-4F8E-9365-D502AE4695E4}" type="datetimeFigureOut">
               <a:rPr lang="en-US" smtClean="0"/>
-              <a:t>9/25/2017</a:t>
+              <a:t>25-Sep-17</a:t>
             </a:fld>
             <a:endParaRPr lang="en-US"/>
           </a:p>
@@ -421,7 +420,7 @@
           <a:p>
             <a:fld id="{B7FCCC29-19BE-4F8E-9365-D502AE4695E4}" type="datetimeFigureOut">
               <a:rPr lang="en-US" smtClean="0"/>
-              <a:t>9/25/2017</a:t>
+              <a:t>25-Sep-17</a:t>
             </a:fld>
             <a:endParaRPr lang="en-US"/>
           </a:p>
@@ -601,7 +600,7 @@
           <a:p>
             <a:fld id="{B7FCCC29-19BE-4F8E-9365-D502AE4695E4}" type="datetimeFigureOut">
               <a:rPr lang="en-US" smtClean="0"/>
-              <a:t>9/25/2017</a:t>
+              <a:t>25-Sep-17</a:t>
             </a:fld>
             <a:endParaRPr lang="en-US"/>
           </a:p>
@@ -771,7 +770,7 @@
           <a:p>
             <a:fld id="{B7FCCC29-19BE-4F8E-9365-D502AE4695E4}" type="datetimeFigureOut">
               <a:rPr lang="en-US" smtClean="0"/>
-              <a:t>9/25/2017</a:t>
+              <a:t>25-Sep-17</a:t>
             </a:fld>
             <a:endParaRPr lang="en-US"/>
           </a:p>
@@ -1017,7 +1016,7 @@
           <a:p>
             <a:fld id="{B7FCCC29-19BE-4F8E-9365-D502AE4695E4}" type="datetimeFigureOut">
               <a:rPr lang="en-US" smtClean="0"/>
-              <a:t>9/25/2017</a:t>
+              <a:t>25-Sep-17</a:t>
             </a:fld>
             <a:endParaRPr lang="en-US"/>
           </a:p>
@@ -1249,7 +1248,7 @@
           <a:p>
             <a:fld id="{B7FCCC29-19BE-4F8E-9365-D502AE4695E4}" type="datetimeFigureOut">
               <a:rPr lang="en-US" smtClean="0"/>
-              <a:t>9/25/2017</a:t>
+              <a:t>25-Sep-17</a:t>
             </a:fld>
             <a:endParaRPr lang="en-US"/>
           </a:p>
@@ -1616,7 +1615,7 @@
           <a:p>
             <a:fld id="{B7FCCC29-19BE-4F8E-9365-D502AE4695E4}" type="datetimeFigureOut">
               <a:rPr lang="en-US" smtClean="0"/>
-              <a:t>9/25/2017</a:t>
+              <a:t>25-Sep-17</a:t>
             </a:fld>
             <a:endParaRPr lang="en-US"/>
           </a:p>
@@ -1734,7 +1733,7 @@
           <a:p>
             <a:fld id="{B7FCCC29-19BE-4F8E-9365-D502AE4695E4}" type="datetimeFigureOut">
               <a:rPr lang="en-US" smtClean="0"/>
-              <a:t>9/25/2017</a:t>
+              <a:t>25-Sep-17</a:t>
             </a:fld>
             <a:endParaRPr lang="en-US"/>
           </a:p>
@@ -1829,7 +1828,7 @@
           <a:p>
             <a:fld id="{B7FCCC29-19BE-4F8E-9365-D502AE4695E4}" type="datetimeFigureOut">
               <a:rPr lang="en-US" smtClean="0"/>
-              <a:t>9/25/2017</a:t>
+              <a:t>25-Sep-17</a:t>
             </a:fld>
             <a:endParaRPr lang="en-US"/>
           </a:p>
@@ -2106,7 +2105,7 @@
           <a:p>
             <a:fld id="{B7FCCC29-19BE-4F8E-9365-D502AE4695E4}" type="datetimeFigureOut">
               <a:rPr lang="en-US" smtClean="0"/>
-              <a:t>9/25/2017</a:t>
+              <a:t>25-Sep-17</a:t>
             </a:fld>
             <a:endParaRPr lang="en-US"/>
           </a:p>
@@ -2359,7 +2358,7 @@
           <a:p>
             <a:fld id="{B7FCCC29-19BE-4F8E-9365-D502AE4695E4}" type="datetimeFigureOut">
               <a:rPr lang="en-US" smtClean="0"/>
-              <a:t>9/25/2017</a:t>
+              <a:t>25-Sep-17</a:t>
             </a:fld>
             <a:endParaRPr lang="en-US"/>
           </a:p>
@@ -2572,7 +2571,7 @@
           <a:p>
             <a:fld id="{B7FCCC29-19BE-4F8E-9365-D502AE4695E4}" type="datetimeFigureOut">
               <a:rPr lang="en-US" smtClean="0"/>
-              <a:t>9/25/2017</a:t>
+              <a:t>25-Sep-17</a:t>
             </a:fld>
             <a:endParaRPr lang="en-US"/>
           </a:p>
@@ -3058,7 +3057,7 @@
             <a:r>
               <a:rPr lang="en-IN" sz="9600" dirty="0" smtClean="0">
                 <a:solidFill>
-                  <a:srgbClr val="AFDC7E"/>
+                  <a:srgbClr val="D2F1B5"/>
                 </a:solidFill>
                 <a:latin typeface="Arial Black" panose="020B0A04020102020204" pitchFamily="34" charset="0"/>
               </a:rPr>
@@ -3066,7 +3065,7 @@
             </a:r>
             <a:endParaRPr lang="en-IN" sz="9600" dirty="0">
               <a:solidFill>
-                <a:srgbClr val="AFDC7E"/>
+                <a:srgbClr val="D2F1B5"/>
               </a:solidFill>
               <a:latin typeface="Arial Black" panose="020B0A04020102020204" pitchFamily="34" charset="0"/>
             </a:endParaRPr>
@@ -3146,7 +3145,16 @@
                 </a:solidFill>
                 <a:latin typeface="Arial Black" panose="020B0A04020102020204" pitchFamily="34" charset="0"/>
               </a:rPr>
-              <a:t>YOU DAILY TASK</a:t>
+              <a:t>YOUR </a:t>
+            </a:r>
+            <a:r>
+              <a:rPr lang="en-IN" sz="3000" dirty="0" smtClean="0">
+                <a:solidFill>
+                  <a:schemeClr val="bg1"/>
+                </a:solidFill>
+                <a:latin typeface="Arial Black" panose="020B0A04020102020204" pitchFamily="34" charset="0"/>
+              </a:rPr>
+              <a:t>DAILY TASK</a:t>
             </a:r>
           </a:p>
           <a:p>
@@ -3170,7 +3178,7 @@
         </p:nvSpPr>
         <p:spPr>
           <a:xfrm>
-            <a:off x="440872" y="914400"/>
+            <a:off x="440872" y="1396323"/>
             <a:ext cx="2567241" cy="307777"/>
           </a:xfrm>
           <a:prstGeom prst="rect">
@@ -3334,8 +3342,8 @@
         </p:nvSpPr>
         <p:spPr>
           <a:xfrm>
-            <a:off x="440872" y="4042909"/>
-            <a:ext cx="1161087" cy="400110"/>
+            <a:off x="440872" y="3733018"/>
+            <a:ext cx="2425468" cy="707886"/>
           </a:xfrm>
           <a:prstGeom prst="rect">
             <a:avLst/>
@@ -3343,20 +3351,35 @@
           <a:noFill/>
         </p:spPr>
         <p:txBody>
-          <a:bodyPr wrap="none" rtlCol="0">
+          <a:bodyPr wrap="square" rtlCol="0">
             <a:spAutoFit/>
           </a:bodyPr>
           <a:lstStyle/>
           <a:p>
             <a:r>
-              <a:rPr lang="en-IN" sz="2000" dirty="0" smtClean="0">
+              <a:rPr lang="en-IN" sz="4000" dirty="0">
                 <a:solidFill>
                   <a:schemeClr val="bg1"/>
                 </a:solidFill>
                 <a:latin typeface="Arial Black" panose="020B0A04020102020204" pitchFamily="34" charset="0"/>
               </a:rPr>
-              <a:t>#KAOS</a:t>
-            </a:r>
+              <a:t>#</a:t>
+            </a:r>
+            <a:r>
+              <a:rPr lang="en-IN" sz="4000" dirty="0" smtClean="0">
+                <a:solidFill>
+                  <a:schemeClr val="bg1"/>
+                </a:solidFill>
+                <a:latin typeface="Arial Black" panose="020B0A04020102020204" pitchFamily="34" charset="0"/>
+              </a:rPr>
+              <a:t>KAOS</a:t>
+            </a:r>
+            <a:endParaRPr lang="en-IN" sz="4000" dirty="0" smtClean="0">
+              <a:solidFill>
+                <a:schemeClr val="bg1"/>
+              </a:solidFill>
+              <a:latin typeface="Arial Black" panose="020B0A04020102020204" pitchFamily="34" charset="0"/>
+            </a:endParaRPr>
           </a:p>
         </p:txBody>
       </p:sp>
@@ -3421,6 +3444,47 @@
           </a:p>
         </p:txBody>
       </p:sp>
+      <p:pic>
+        <p:nvPicPr>
+          <p:cNvPr id="1028" name="Picture 4" descr="prorigosoftware.com"/>
+          <p:cNvPicPr>
+            <a:picLocks noChangeAspect="1" noChangeArrowheads="1"/>
+          </p:cNvPicPr>
+          <p:nvPr/>
+        </p:nvPicPr>
+        <p:blipFill>
+          <a:blip r:embed="rId2">
+            <a:extLst>
+              <a:ext uri="{28A0092B-C50C-407E-A947-70E740481C1C}">
+                <a14:useLocalDpi xmlns:a14="http://schemas.microsoft.com/office/drawing/2010/main" val="0"/>
+              </a:ext>
+            </a:extLst>
+          </a:blip>
+          <a:srcRect/>
+          <a:stretch>
+            <a:fillRect/>
+          </a:stretch>
+        </p:blipFill>
+        <p:spPr bwMode="auto">
+          <a:xfrm>
+            <a:off x="548761" y="841440"/>
+            <a:ext cx="1381125" cy="542926"/>
+          </a:xfrm>
+          <a:prstGeom prst="rect">
+            <a:avLst/>
+          </a:prstGeom>
+          <a:noFill/>
+          <a:extLst>
+            <a:ext uri="{909E8E84-426E-40DD-AFC4-6F175D3DCCD1}">
+              <a14:hiddenFill xmlns:a14="http://schemas.microsoft.com/office/drawing/2010/main">
+                <a:solidFill>
+                  <a:srgbClr val="FFFFFF"/>
+                </a:solidFill>
+              </a14:hiddenFill>
+            </a:ext>
+          </a:extLst>
+        </p:spPr>
+      </p:pic>
     </p:spTree>
     <p:extLst>
       <p:ext uri="{BB962C8B-B14F-4D97-AF65-F5344CB8AC3E}">
@@ -3468,6 +3532,56 @@
           <a:chExt cx="0" cy="0"/>
         </a:xfrm>
       </p:grpSpPr>
+      <p:pic>
+        <p:nvPicPr>
+          <p:cNvPr id="2050" name="Picture 2" descr="Image result for bot framework icon"/>
+          <p:cNvPicPr>
+            <a:picLocks noChangeAspect="1" noChangeArrowheads="1"/>
+          </p:cNvPicPr>
+          <p:nvPr/>
+        </p:nvPicPr>
+        <p:blipFill>
+          <a:blip r:embed="rId2">
+            <a:duotone>
+              <a:schemeClr val="accent6">
+                <a:shade val="45000"/>
+                <a:satMod val="135000"/>
+              </a:schemeClr>
+              <a:prstClr val="white"/>
+            </a:duotone>
+            <a:extLst>
+              <a:ext uri="{28A0092B-C50C-407E-A947-70E740481C1C}">
+                <a14:useLocalDpi xmlns:a14="http://schemas.microsoft.com/office/drawing/2010/main" val="0"/>
+              </a:ext>
+            </a:extLst>
+          </a:blip>
+          <a:stretch>
+            <a:fillRect/>
+          </a:stretch>
+        </p:blipFill>
+        <p:spPr bwMode="auto">
+          <a:xfrm>
+            <a:off x="8521147" y="4555502"/>
+            <a:ext cx="5715000" cy="3000375"/>
+          </a:xfrm>
+          <a:prstGeom prst="rect">
+            <a:avLst/>
+          </a:prstGeom>
+          <a:noFill/>
+          <a:ln>
+            <a:noFill/>
+          </a:ln>
+          <a:extLst>
+            <a:ext uri="{909E8E84-426E-40DD-AFC4-6F175D3DCCD1}">
+              <a14:hiddenFill xmlns:a14="http://schemas.microsoft.com/office/drawing/2010/main">
+                <a:solidFill>
+                  <a:srgbClr val="FFFFFF"/>
+                </a:solidFill>
+              </a14:hiddenFill>
+            </a:ext>
+          </a:extLst>
+        </p:spPr>
+      </p:pic>
       <p:sp>
         <p:nvSpPr>
           <p:cNvPr id="3" name="Title 1"/>
@@ -3486,7 +3600,7 @@
         </p:spPr>
         <p:txBody>
           <a:bodyPr>
-            <a:normAutofit/>
+            <a:normAutofit fontScale="90000"/>
           </a:bodyPr>
           <a:lstStyle/>
           <a:p>
@@ -3497,7 +3611,7 @@
                 </a:solidFill>
                 <a:latin typeface="Arial Black" panose="020B0A04020102020204" pitchFamily="34" charset="0"/>
               </a:rPr>
-              <a:t>Capabilities</a:t>
+              <a:t>Capabilities &amp; Features</a:t>
             </a:r>
             <a:endParaRPr lang="en-IN" sz="6600" dirty="0">
               <a:solidFill>
@@ -3541,7 +3655,16 @@
                 </a:solidFill>
                 <a:latin typeface="Arial Black" panose="020B0A04020102020204" pitchFamily="34" charset="0"/>
               </a:rPr>
-              <a:t>Natural Language Understanding</a:t>
+              <a:t>Natural Language </a:t>
+            </a:r>
+            <a:r>
+              <a:rPr lang="en-IN" sz="3200" dirty="0" smtClean="0">
+                <a:solidFill>
+                  <a:schemeClr val="bg1"/>
+                </a:solidFill>
+                <a:latin typeface="Arial Black" panose="020B0A04020102020204" pitchFamily="34" charset="0"/>
+              </a:rPr>
+              <a:t>Understanding</a:t>
             </a:r>
           </a:p>
           <a:p>
@@ -3550,79 +3673,13 @@
               <a:buChar char="o"/>
             </a:pPr>
             <a:r>
-              <a:rPr lang="en-IN" sz="3200" dirty="0" smtClean="0">
+              <a:rPr lang="en-IN" sz="3200" dirty="0">
                 <a:solidFill>
                   <a:schemeClr val="bg1"/>
                 </a:solidFill>
                 <a:latin typeface="Arial Black" panose="020B0A04020102020204" pitchFamily="34" charset="0"/>
               </a:rPr>
-              <a:t>Book room</a:t>
-            </a:r>
-          </a:p>
-          <a:p>
-            <a:pPr marL="1028700" lvl="1" indent="-571500">
-              <a:buFont typeface="Courier New" panose="02070309020205020404" pitchFamily="49" charset="0"/>
-              <a:buChar char="o"/>
-            </a:pPr>
-            <a:r>
-              <a:rPr lang="en-IN" sz="1600" dirty="0" smtClean="0">
-                <a:solidFill>
-                  <a:srgbClr val="AFDC7E"/>
-                </a:solidFill>
-                <a:latin typeface="Arial Black" panose="020B0A04020102020204" pitchFamily="34" charset="0"/>
-              </a:rPr>
-              <a:t>Please book </a:t>
-            </a:r>
-            <a:r>
-              <a:rPr lang="en-IN" sz="1600" dirty="0" err="1" smtClean="0">
-                <a:solidFill>
-                  <a:srgbClr val="AFDC7E"/>
-                </a:solidFill>
-                <a:latin typeface="Arial Black" panose="020B0A04020102020204" pitchFamily="34" charset="0"/>
-              </a:rPr>
-              <a:t>cr</a:t>
-            </a:r>
-            <a:r>
-              <a:rPr lang="en-IN" sz="1600" dirty="0" smtClean="0">
-                <a:solidFill>
-                  <a:srgbClr val="AFDC7E"/>
-                </a:solidFill>
-                <a:latin typeface="Arial Black" panose="020B0A04020102020204" pitchFamily="34" charset="0"/>
-              </a:rPr>
-              <a:t> 1 for me from 4pm to 5 pm</a:t>
-            </a:r>
-          </a:p>
-          <a:p>
-            <a:pPr marL="1028700" lvl="1" indent="-571500">
-              <a:buFont typeface="Courier New" panose="02070309020205020404" pitchFamily="49" charset="0"/>
-              <a:buChar char="o"/>
-            </a:pPr>
-            <a:r>
-              <a:rPr lang="en-IN" sz="1600" dirty="0" smtClean="0">
-                <a:solidFill>
-                  <a:srgbClr val="AFDC7E"/>
-                </a:solidFill>
-                <a:latin typeface="Arial Black" panose="020B0A04020102020204" pitchFamily="34" charset="0"/>
-              </a:rPr>
-              <a:t>Can you book </a:t>
-            </a:r>
-            <a:r>
-              <a:rPr lang="en-IN" sz="1600" dirty="0" err="1" smtClean="0">
-                <a:solidFill>
-                  <a:srgbClr val="AFDC7E"/>
-                </a:solidFill>
-                <a:latin typeface="Arial Black" panose="020B0A04020102020204" pitchFamily="34" charset="0"/>
-              </a:rPr>
-              <a:t>mr</a:t>
-            </a:r>
-            <a:r>
-              <a:rPr lang="en-IN" sz="1600" dirty="0" smtClean="0">
-                <a:solidFill>
-                  <a:srgbClr val="AFDC7E"/>
-                </a:solidFill>
-                <a:latin typeface="Arial Black" panose="020B0A04020102020204" pitchFamily="34" charset="0"/>
-              </a:rPr>
-              <a:t> 3 for an hour from 6pm</a:t>
+              <a:t>Speech Recognition via Cortana</a:t>
             </a:r>
           </a:p>
           <a:p>
@@ -3631,140 +3688,383 @@
               <a:buChar char="o"/>
             </a:pPr>
             <a:r>
+              <a:rPr lang="en-IN" sz="3200" dirty="0">
+                <a:solidFill>
+                  <a:schemeClr val="bg1"/>
+                </a:solidFill>
+                <a:latin typeface="Arial Black" panose="020B0A04020102020204" pitchFamily="34" charset="0"/>
+              </a:rPr>
+              <a:t>Multiple </a:t>
+            </a:r>
+            <a:r>
               <a:rPr lang="en-IN" sz="3200" dirty="0" smtClean="0">
                 <a:solidFill>
                   <a:schemeClr val="bg1"/>
                 </a:solidFill>
                 <a:latin typeface="Arial Black" panose="020B0A04020102020204" pitchFamily="34" charset="0"/>
               </a:rPr>
-              <a:t>Cancel Booking</a:t>
-            </a:r>
-          </a:p>
-          <a:p>
-            <a:pPr marL="571500" indent="-571500">
-              <a:buFont typeface="Courier New" panose="02070309020205020404" pitchFamily="49" charset="0"/>
-              <a:buChar char="o"/>
-            </a:pPr>
-            <a:r>
-              <a:rPr lang="en-IN" sz="3200" dirty="0" smtClean="0">
-                <a:solidFill>
-                  <a:schemeClr val="bg1"/>
-                </a:solidFill>
-                <a:latin typeface="Arial Black" panose="020B0A04020102020204" pitchFamily="34" charset="0"/>
-              </a:rPr>
-              <a:t>Show Holidays</a:t>
-            </a:r>
-          </a:p>
-          <a:p>
-            <a:pPr marL="1028700" lvl="1" indent="-571500">
-              <a:buFont typeface="Courier New" panose="02070309020205020404" pitchFamily="49" charset="0"/>
-              <a:buChar char="o"/>
-            </a:pPr>
-            <a:r>
-              <a:rPr lang="en-IN" sz="1600" dirty="0" smtClean="0">
-                <a:solidFill>
-                  <a:srgbClr val="AFDC7E"/>
-                </a:solidFill>
-                <a:latin typeface="Arial Black" panose="020B0A04020102020204" pitchFamily="34" charset="0"/>
-              </a:rPr>
-              <a:t>Show me holidays of December</a:t>
-            </a:r>
-          </a:p>
-          <a:p>
-            <a:pPr marL="571500" indent="-571500">
-              <a:buFont typeface="Courier New" panose="02070309020205020404" pitchFamily="49" charset="0"/>
-              <a:buChar char="o"/>
-            </a:pPr>
-            <a:r>
-              <a:rPr lang="en-IN" sz="3200" dirty="0" smtClean="0">
-                <a:solidFill>
-                  <a:schemeClr val="bg1"/>
-                </a:solidFill>
-                <a:latin typeface="Arial Black" panose="020B0A04020102020204" pitchFamily="34" charset="0"/>
-              </a:rPr>
-              <a:t>Speech Recognition via Cortana</a:t>
-            </a:r>
-          </a:p>
-          <a:p>
-            <a:pPr marL="571500" indent="-571500">
-              <a:buFont typeface="Courier New" panose="02070309020205020404" pitchFamily="49" charset="0"/>
-              <a:buChar char="o"/>
-            </a:pPr>
-            <a:r>
-              <a:rPr lang="en-IN" sz="3200" dirty="0" smtClean="0">
-                <a:solidFill>
-                  <a:schemeClr val="bg1"/>
-                </a:solidFill>
-                <a:latin typeface="Arial Black" panose="020B0A04020102020204" pitchFamily="34" charset="0"/>
-              </a:rPr>
-              <a:t>Booking on multiple days</a:t>
-            </a:r>
-          </a:p>
-          <a:p>
-            <a:pPr marL="1028700" lvl="1" indent="-571500">
-              <a:buFont typeface="Courier New" panose="02070309020205020404" pitchFamily="49" charset="0"/>
-              <a:buChar char="o"/>
-            </a:pPr>
-            <a:r>
-              <a:rPr lang="en-IN" sz="1600" dirty="0" smtClean="0">
-                <a:solidFill>
-                  <a:srgbClr val="AFDC7E"/>
-                </a:solidFill>
-                <a:latin typeface="Arial Black" panose="020B0A04020102020204" pitchFamily="34" charset="0"/>
-              </a:rPr>
-              <a:t>Please book </a:t>
-            </a:r>
-            <a:r>
-              <a:rPr lang="en-IN" sz="1600" dirty="0" err="1" smtClean="0">
-                <a:solidFill>
-                  <a:srgbClr val="AFDC7E"/>
-                </a:solidFill>
-                <a:latin typeface="Arial Black" panose="020B0A04020102020204" pitchFamily="34" charset="0"/>
-              </a:rPr>
-              <a:t>conf</a:t>
-            </a:r>
-            <a:r>
-              <a:rPr lang="en-IN" sz="1600" dirty="0" smtClean="0">
-                <a:solidFill>
-                  <a:srgbClr val="AFDC7E"/>
-                </a:solidFill>
-                <a:latin typeface="Arial Black" panose="020B0A04020102020204" pitchFamily="34" charset="0"/>
-              </a:rPr>
-              <a:t> 4 from 4 pm to 5pm for next </a:t>
-            </a:r>
-            <a:r>
-              <a:rPr lang="en-IN" sz="1600" dirty="0" smtClean="0">
-                <a:solidFill>
-                  <a:srgbClr val="AFDC7E"/>
-                </a:solidFill>
-                <a:latin typeface="Arial Black" panose="020B0A04020102020204" pitchFamily="34" charset="0"/>
-              </a:rPr>
-              <a:t>week</a:t>
-            </a:r>
-          </a:p>
-          <a:p>
-            <a:pPr marL="571500" indent="-571500">
-              <a:buFont typeface="Courier New" panose="02070309020205020404" pitchFamily="49" charset="0"/>
-              <a:buChar char="o"/>
-            </a:pPr>
-            <a:r>
-              <a:rPr lang="en-IN" sz="3200" dirty="0" smtClean="0">
-                <a:solidFill>
-                  <a:schemeClr val="bg1"/>
-                </a:solidFill>
-                <a:latin typeface="Arial Black" panose="020B0A04020102020204" pitchFamily="34" charset="0"/>
-              </a:rPr>
-              <a:t>Multiple Channels</a:t>
-            </a:r>
-            <a:endParaRPr lang="en-IN" sz="3200" dirty="0">
+              <a:t>Channels</a:t>
+            </a:r>
+            <a:endParaRPr lang="en-IN" sz="3200" dirty="0" smtClean="0">
               <a:solidFill>
                 <a:schemeClr val="bg1"/>
               </a:solidFill>
               <a:latin typeface="Arial Black" panose="020B0A04020102020204" pitchFamily="34" charset="0"/>
             </a:endParaRPr>
           </a:p>
-        </p:txBody>
-      </p:sp>
+          <a:p>
+            <a:pPr marL="571500" indent="-571500">
+              <a:buFont typeface="Courier New" panose="02070309020205020404" pitchFamily="49" charset="0"/>
+              <a:buChar char="o"/>
+            </a:pPr>
+            <a:r>
+              <a:rPr lang="en-IN" sz="3200" dirty="0" smtClean="0">
+                <a:solidFill>
+                  <a:schemeClr val="bg1"/>
+                </a:solidFill>
+                <a:latin typeface="Arial Black" panose="020B0A04020102020204" pitchFamily="34" charset="0"/>
+              </a:rPr>
+              <a:t>Book room</a:t>
+            </a:r>
+          </a:p>
+          <a:p>
+            <a:pPr marL="1028700" lvl="1" indent="-571500">
+              <a:buFont typeface="Courier New" panose="02070309020205020404" pitchFamily="49" charset="0"/>
+              <a:buChar char="o"/>
+            </a:pPr>
+            <a:r>
+              <a:rPr lang="en-IN" sz="1600" dirty="0" smtClean="0">
+                <a:solidFill>
+                  <a:srgbClr val="AFDC7E"/>
+                </a:solidFill>
+                <a:latin typeface="Arial Black" panose="020B0A04020102020204" pitchFamily="34" charset="0"/>
+              </a:rPr>
+              <a:t>Please book </a:t>
+            </a:r>
+            <a:r>
+              <a:rPr lang="en-IN" sz="1600" dirty="0" err="1" smtClean="0">
+                <a:solidFill>
+                  <a:srgbClr val="AFDC7E"/>
+                </a:solidFill>
+                <a:latin typeface="Arial Black" panose="020B0A04020102020204" pitchFamily="34" charset="0"/>
+              </a:rPr>
+              <a:t>cr</a:t>
+            </a:r>
+            <a:r>
+              <a:rPr lang="en-IN" sz="1600" dirty="0" smtClean="0">
+                <a:solidFill>
+                  <a:srgbClr val="AFDC7E"/>
+                </a:solidFill>
+                <a:latin typeface="Arial Black" panose="020B0A04020102020204" pitchFamily="34" charset="0"/>
+              </a:rPr>
+              <a:t> 1 for me from 4pm to 5 pm</a:t>
+            </a:r>
+          </a:p>
+          <a:p>
+            <a:pPr marL="1028700" lvl="1" indent="-571500">
+              <a:buFont typeface="Courier New" panose="02070309020205020404" pitchFamily="49" charset="0"/>
+              <a:buChar char="o"/>
+            </a:pPr>
+            <a:r>
+              <a:rPr lang="en-IN" sz="1600" dirty="0" smtClean="0">
+                <a:solidFill>
+                  <a:srgbClr val="AFDC7E"/>
+                </a:solidFill>
+                <a:latin typeface="Arial Black" panose="020B0A04020102020204" pitchFamily="34" charset="0"/>
+              </a:rPr>
+              <a:t>Can you book </a:t>
+            </a:r>
+            <a:r>
+              <a:rPr lang="en-IN" sz="1600" dirty="0" err="1" smtClean="0">
+                <a:solidFill>
+                  <a:srgbClr val="AFDC7E"/>
+                </a:solidFill>
+                <a:latin typeface="Arial Black" panose="020B0A04020102020204" pitchFamily="34" charset="0"/>
+              </a:rPr>
+              <a:t>mr</a:t>
+            </a:r>
+            <a:r>
+              <a:rPr lang="en-IN" sz="1600" dirty="0" smtClean="0">
+                <a:solidFill>
+                  <a:srgbClr val="AFDC7E"/>
+                </a:solidFill>
+                <a:latin typeface="Arial Black" panose="020B0A04020102020204" pitchFamily="34" charset="0"/>
+              </a:rPr>
+              <a:t> 3 for an hour from 6pm</a:t>
+            </a:r>
+          </a:p>
+          <a:p>
+            <a:pPr marL="571500" indent="-571500">
+              <a:buFont typeface="Courier New" panose="02070309020205020404" pitchFamily="49" charset="0"/>
+              <a:buChar char="o"/>
+            </a:pPr>
+            <a:r>
+              <a:rPr lang="en-IN" sz="3200" dirty="0" smtClean="0">
+                <a:solidFill>
+                  <a:schemeClr val="bg1"/>
+                </a:solidFill>
+                <a:latin typeface="Arial Black" panose="020B0A04020102020204" pitchFamily="34" charset="0"/>
+              </a:rPr>
+              <a:t>Cancel Booking</a:t>
+            </a:r>
+          </a:p>
+          <a:p>
+            <a:pPr marL="571500" indent="-571500">
+              <a:buFont typeface="Courier New" panose="02070309020205020404" pitchFamily="49" charset="0"/>
+              <a:buChar char="o"/>
+            </a:pPr>
+            <a:r>
+              <a:rPr lang="en-IN" sz="3200" dirty="0" smtClean="0">
+                <a:solidFill>
+                  <a:schemeClr val="bg1"/>
+                </a:solidFill>
+                <a:latin typeface="Arial Black" panose="020B0A04020102020204" pitchFamily="34" charset="0"/>
+              </a:rPr>
+              <a:t>Show Holidays</a:t>
+            </a:r>
+          </a:p>
+          <a:p>
+            <a:pPr marL="1028700" lvl="1" indent="-571500">
+              <a:buFont typeface="Courier New" panose="02070309020205020404" pitchFamily="49" charset="0"/>
+              <a:buChar char="o"/>
+            </a:pPr>
+            <a:r>
+              <a:rPr lang="en-IN" sz="1600" dirty="0" smtClean="0">
+                <a:solidFill>
+                  <a:srgbClr val="AFDC7E"/>
+                </a:solidFill>
+                <a:latin typeface="Arial Black" panose="020B0A04020102020204" pitchFamily="34" charset="0"/>
+              </a:rPr>
+              <a:t>Show me holidays of December</a:t>
+            </a:r>
+          </a:p>
+          <a:p>
+            <a:pPr marL="571500" indent="-571500">
+              <a:buFont typeface="Courier New" panose="02070309020205020404" pitchFamily="49" charset="0"/>
+              <a:buChar char="o"/>
+            </a:pPr>
+            <a:r>
+              <a:rPr lang="en-IN" sz="3200" dirty="0" smtClean="0">
+                <a:solidFill>
+                  <a:schemeClr val="bg1"/>
+                </a:solidFill>
+                <a:latin typeface="Arial Black" panose="020B0A04020102020204" pitchFamily="34" charset="0"/>
+              </a:rPr>
+              <a:t>Booking </a:t>
+            </a:r>
+            <a:r>
+              <a:rPr lang="en-IN" sz="3200" dirty="0" smtClean="0">
+                <a:solidFill>
+                  <a:schemeClr val="bg1"/>
+                </a:solidFill>
+                <a:latin typeface="Arial Black" panose="020B0A04020102020204" pitchFamily="34" charset="0"/>
+              </a:rPr>
+              <a:t>on multiple days</a:t>
+            </a:r>
+          </a:p>
+          <a:p>
+            <a:pPr marL="1028700" lvl="1" indent="-571500">
+              <a:buFont typeface="Courier New" panose="02070309020205020404" pitchFamily="49" charset="0"/>
+              <a:buChar char="o"/>
+            </a:pPr>
+            <a:r>
+              <a:rPr lang="en-IN" sz="1600" dirty="0" smtClean="0">
+                <a:solidFill>
+                  <a:srgbClr val="AFDC7E"/>
+                </a:solidFill>
+                <a:latin typeface="Arial Black" panose="020B0A04020102020204" pitchFamily="34" charset="0"/>
+              </a:rPr>
+              <a:t>Please book </a:t>
+            </a:r>
+            <a:r>
+              <a:rPr lang="en-IN" sz="1600" dirty="0" err="1" smtClean="0">
+                <a:solidFill>
+                  <a:srgbClr val="AFDC7E"/>
+                </a:solidFill>
+                <a:latin typeface="Arial Black" panose="020B0A04020102020204" pitchFamily="34" charset="0"/>
+              </a:rPr>
+              <a:t>conf</a:t>
+            </a:r>
+            <a:r>
+              <a:rPr lang="en-IN" sz="1600" dirty="0" smtClean="0">
+                <a:solidFill>
+                  <a:srgbClr val="AFDC7E"/>
+                </a:solidFill>
+                <a:latin typeface="Arial Black" panose="020B0A04020102020204" pitchFamily="34" charset="0"/>
+              </a:rPr>
+              <a:t> 4 from 4 pm to 5pm for next </a:t>
+            </a:r>
+            <a:r>
+              <a:rPr lang="en-IN" sz="1600" dirty="0" smtClean="0">
+                <a:solidFill>
+                  <a:srgbClr val="AFDC7E"/>
+                </a:solidFill>
+                <a:latin typeface="Arial Black" panose="020B0A04020102020204" pitchFamily="34" charset="0"/>
+              </a:rPr>
+              <a:t>week</a:t>
+            </a:r>
+            <a:endParaRPr lang="en-IN" sz="1600" dirty="0" smtClean="0">
+              <a:solidFill>
+                <a:srgbClr val="AFDC7E"/>
+              </a:solidFill>
+              <a:latin typeface="Arial Black" panose="020B0A04020102020204" pitchFamily="34" charset="0"/>
+            </a:endParaRPr>
+          </a:p>
+        </p:txBody>
+      </p:sp>
+      <p:grpSp>
+        <p:nvGrpSpPr>
+          <p:cNvPr id="9" name="Group 8"/>
+          <p:cNvGrpSpPr/>
+          <p:nvPr/>
+        </p:nvGrpSpPr>
+        <p:grpSpPr>
+          <a:xfrm>
+            <a:off x="5588823" y="2772091"/>
+            <a:ext cx="1097981" cy="355048"/>
+            <a:chOff x="424481" y="828771"/>
+            <a:chExt cx="1983868" cy="641512"/>
+          </a:xfrm>
+        </p:grpSpPr>
+        <p:grpSp>
+          <p:nvGrpSpPr>
+            <p:cNvPr id="10" name="Group 9"/>
+            <p:cNvGrpSpPr/>
+            <p:nvPr/>
+          </p:nvGrpSpPr>
+          <p:grpSpPr>
+            <a:xfrm>
+              <a:off x="424481" y="828771"/>
+              <a:ext cx="1339792" cy="641512"/>
+              <a:chOff x="292467" y="3940935"/>
+              <a:chExt cx="887615" cy="425003"/>
+            </a:xfrm>
+          </p:grpSpPr>
+          <p:pic>
+            <p:nvPicPr>
+              <p:cNvPr id="12" name="Picture 12" descr="Image result for skype icon"/>
+              <p:cNvPicPr>
+                <a:picLocks noChangeAspect="1" noChangeArrowheads="1"/>
+              </p:cNvPicPr>
+              <p:nvPr/>
+            </p:nvPicPr>
+            <p:blipFill>
+              <a:blip r:embed="rId3" cstate="print">
+                <a:extLst>
+                  <a:ext uri="{28A0092B-C50C-407E-A947-70E740481C1C}">
+                    <a14:useLocalDpi xmlns:a14="http://schemas.microsoft.com/office/drawing/2010/main" val="0"/>
+                  </a:ext>
+                </a:extLst>
+              </a:blip>
+              <a:srcRect/>
+              <a:stretch>
+                <a:fillRect/>
+              </a:stretch>
+            </p:blipFill>
+            <p:spPr bwMode="auto">
+              <a:xfrm>
+                <a:off x="292467" y="3940935"/>
+                <a:ext cx="425003" cy="425003"/>
+              </a:xfrm>
+              <a:prstGeom prst="rect">
+                <a:avLst/>
+              </a:prstGeom>
+              <a:noFill/>
+              <a:extLst>
+                <a:ext uri="{909E8E84-426E-40DD-AFC4-6F175D3DCCD1}">
+                  <a14:hiddenFill xmlns:a14="http://schemas.microsoft.com/office/drawing/2010/main">
+                    <a:solidFill>
+                      <a:srgbClr val="FFFFFF"/>
+                    </a:solidFill>
+                  </a14:hiddenFill>
+                </a:ext>
+              </a:extLst>
+            </p:spPr>
+          </p:pic>
+          <p:pic>
+            <p:nvPicPr>
+              <p:cNvPr id="13" name="Picture 14" descr="Image result for slack icon"/>
+              <p:cNvPicPr>
+                <a:picLocks noChangeAspect="1" noChangeArrowheads="1"/>
+              </p:cNvPicPr>
+              <p:nvPr/>
+            </p:nvPicPr>
+            <p:blipFill>
+              <a:blip r:embed="rId4" cstate="print">
+                <a:extLst>
+                  <a:ext uri="{28A0092B-C50C-407E-A947-70E740481C1C}">
+                    <a14:useLocalDpi xmlns:a14="http://schemas.microsoft.com/office/drawing/2010/main" val="0"/>
+                  </a:ext>
+                </a:extLst>
+              </a:blip>
+              <a:srcRect/>
+              <a:stretch>
+                <a:fillRect/>
+              </a:stretch>
+            </p:blipFill>
+            <p:spPr bwMode="auto">
+              <a:xfrm>
+                <a:off x="755079" y="3940935"/>
+                <a:ext cx="425003" cy="425003"/>
+              </a:xfrm>
+              <a:prstGeom prst="rect">
+                <a:avLst/>
+              </a:prstGeom>
+              <a:noFill/>
+              <a:extLst>
+                <a:ext uri="{909E8E84-426E-40DD-AFC4-6F175D3DCCD1}">
+                  <a14:hiddenFill xmlns:a14="http://schemas.microsoft.com/office/drawing/2010/main">
+                    <a:solidFill>
+                      <a:srgbClr val="FFFFFF"/>
+                    </a:solidFill>
+                  </a14:hiddenFill>
+                </a:ext>
+              </a:extLst>
+            </p:spPr>
+          </p:pic>
+        </p:grpSp>
+        <p:pic>
+          <p:nvPicPr>
+            <p:cNvPr id="11" name="Picture 4" descr="Image result for cortana icon"/>
+            <p:cNvPicPr>
+              <a:picLocks noChangeAspect="1" noChangeArrowheads="1"/>
+            </p:cNvPicPr>
+            <p:nvPr/>
+          </p:nvPicPr>
+          <p:blipFill>
+            <a:blip r:embed="rId5" cstate="print">
+              <a:extLst>
+                <a:ext uri="{28A0092B-C50C-407E-A947-70E740481C1C}">
+                  <a14:useLocalDpi xmlns:a14="http://schemas.microsoft.com/office/drawing/2010/main" val="0"/>
+                </a:ext>
+              </a:extLst>
+            </a:blip>
+            <a:srcRect/>
+            <a:stretch>
+              <a:fillRect/>
+            </a:stretch>
+          </p:blipFill>
+          <p:spPr bwMode="auto">
+            <a:xfrm>
+              <a:off x="1801172" y="837348"/>
+              <a:ext cx="607177" cy="607177"/>
+            </a:xfrm>
+            <a:prstGeom prst="rect">
+              <a:avLst/>
+            </a:prstGeom>
+            <a:noFill/>
+            <a:extLst>
+              <a:ext uri="{909E8E84-426E-40DD-AFC4-6F175D3DCCD1}">
+                <a14:hiddenFill xmlns:a14="http://schemas.microsoft.com/office/drawing/2010/main">
+                  <a:solidFill>
+                    <a:srgbClr val="FFFFFF"/>
+                  </a:solidFill>
+                </a14:hiddenFill>
+              </a:ext>
+            </a:extLst>
+          </p:spPr>
+        </p:pic>
+      </p:grpSp>
     </p:spTree>
     <p:extLst>
       <p:ext uri="{BB962C8B-B14F-4D97-AF65-F5344CB8AC3E}">
@@ -3812,6 +4112,56 @@
           <a:chExt cx="0" cy="0"/>
         </a:xfrm>
       </p:grpSpPr>
+      <p:pic>
+        <p:nvPicPr>
+          <p:cNvPr id="4" name="Picture 2" descr="Image result for bot framework icon"/>
+          <p:cNvPicPr>
+            <a:picLocks noChangeAspect="1" noChangeArrowheads="1"/>
+          </p:cNvPicPr>
+          <p:nvPr/>
+        </p:nvPicPr>
+        <p:blipFill>
+          <a:blip r:embed="rId2">
+            <a:duotone>
+              <a:schemeClr val="accent6">
+                <a:shade val="45000"/>
+                <a:satMod val="135000"/>
+              </a:schemeClr>
+              <a:prstClr val="white"/>
+            </a:duotone>
+            <a:extLst>
+              <a:ext uri="{28A0092B-C50C-407E-A947-70E740481C1C}">
+                <a14:useLocalDpi xmlns:a14="http://schemas.microsoft.com/office/drawing/2010/main" val="0"/>
+              </a:ext>
+            </a:extLst>
+          </a:blip>
+          <a:stretch>
+            <a:fillRect/>
+          </a:stretch>
+        </p:blipFill>
+        <p:spPr bwMode="auto">
+          <a:xfrm>
+            <a:off x="8521147" y="4555502"/>
+            <a:ext cx="5715000" cy="3000375"/>
+          </a:xfrm>
+          <a:prstGeom prst="rect">
+            <a:avLst/>
+          </a:prstGeom>
+          <a:noFill/>
+          <a:ln>
+            <a:noFill/>
+          </a:ln>
+          <a:extLst>
+            <a:ext uri="{909E8E84-426E-40DD-AFC4-6F175D3DCCD1}">
+              <a14:hiddenFill xmlns:a14="http://schemas.microsoft.com/office/drawing/2010/main">
+                <a:solidFill>
+                  <a:srgbClr val="FFFFFF"/>
+                </a:solidFill>
+              </a14:hiddenFill>
+            </a:ext>
+          </a:extLst>
+        </p:spPr>
+      </p:pic>
       <p:sp>
         <p:nvSpPr>
           <p:cNvPr id="2" name="Title 1"/>
@@ -3832,7 +4182,7 @@
             <a:r>
               <a:rPr lang="en-IN" sz="6600" dirty="0" smtClean="0">
                 <a:solidFill>
-                  <a:srgbClr val="AFDC7E"/>
+                  <a:srgbClr val="D2F1B5"/>
                 </a:solidFill>
                 <a:latin typeface="Arial Black" panose="020B0A04020102020204" pitchFamily="34" charset="0"/>
               </a:rPr>
@@ -3840,7 +4190,7 @@
             </a:r>
             <a:endParaRPr lang="en-IN" sz="6600" dirty="0">
               <a:solidFill>
-                <a:srgbClr val="AFDC7E"/>
+                <a:srgbClr val="D2F1B5"/>
               </a:solidFill>
               <a:latin typeface="Arial Black" panose="020B0A04020102020204" pitchFamily="34" charset="0"/>
             </a:endParaRPr>
@@ -3857,14 +4207,19 @@
             <p:ph idx="1"/>
           </p:nvPr>
         </p:nvSpPr>
-        <p:spPr/>
+        <p:spPr>
+          <a:xfrm>
+            <a:off x="838200" y="1825625"/>
+            <a:ext cx="10515600" cy="3596381"/>
+          </a:xfrm>
+        </p:spPr>
         <p:txBody>
           <a:bodyPr/>
           <a:lstStyle/>
           <a:p>
             <a:pPr>
-              <a:buFont typeface="Wingdings" panose="05000000000000000000" pitchFamily="2" charset="2"/>
-              <a:buChar char="§"/>
+              <a:buFont typeface="Courier New" panose="02070309020205020404" pitchFamily="49" charset="0"/>
+              <a:buChar char="o"/>
             </a:pPr>
             <a:r>
               <a:rPr lang="en-IN" sz="3200" dirty="0" smtClean="0">
@@ -3876,13 +4231,13 @@
               <a:t>Difficulty in understanding some </a:t>
             </a:r>
             <a:r>
-              <a:rPr lang="en-IN" sz="3200" dirty="0" err="1" smtClean="0">
+              <a:rPr lang="en-IN" sz="3200" dirty="0" smtClean="0">
                 <a:solidFill>
                   <a:schemeClr val="bg1"/>
                 </a:solidFill>
                 <a:latin typeface="Arial Black" panose="020B0A04020102020204" pitchFamily="34" charset="0"/>
               </a:rPr>
-              <a:t>utterrances</a:t>
+              <a:t>utterances</a:t>
             </a:r>
             <a:endParaRPr lang="en-IN" sz="3200" dirty="0" smtClean="0">
               <a:solidFill>
@@ -3893,8 +4248,8 @@
           </a:p>
           <a:p>
             <a:pPr>
-              <a:buFont typeface="Wingdings" panose="05000000000000000000" pitchFamily="2" charset="2"/>
-              <a:buChar char="§"/>
+              <a:buFont typeface="Courier New" panose="02070309020205020404" pitchFamily="49" charset="0"/>
+              <a:buChar char="o"/>
             </a:pPr>
             <a:r>
               <a:rPr lang="en-IN" sz="3200" dirty="0" smtClean="0">
@@ -3903,13 +4258,88 @@
                 </a:solidFill>
                 <a:latin typeface="Arial Black" panose="020B0A04020102020204" pitchFamily="34" charset="0"/>
               </a:rPr>
-              <a:t>Too many types of  date-time entities By LUIS</a:t>
-            </a:r>
+              <a:t>Too many types of  date-time entities By </a:t>
+            </a:r>
+            <a:r>
+              <a:rPr lang="en-IN" sz="3200" dirty="0" smtClean="0">
+                <a:solidFill>
+                  <a:schemeClr val="bg1"/>
+                </a:solidFill>
+                <a:latin typeface="Arial Black" panose="020B0A04020102020204" pitchFamily="34" charset="0"/>
+              </a:rPr>
+              <a:t>LUIS</a:t>
+            </a:r>
+          </a:p>
+          <a:p>
+            <a:pPr lvl="1">
+              <a:buFont typeface="Courier New" panose="02070309020205020404" pitchFamily="49" charset="0"/>
+              <a:buChar char="o"/>
+            </a:pPr>
+            <a:r>
+              <a:rPr lang="en-IN" dirty="0" err="1" smtClean="0">
+                <a:solidFill>
+                  <a:srgbClr val="D2F1B5"/>
+                </a:solidFill>
+                <a:latin typeface="Arial Black" panose="020B0A04020102020204" pitchFamily="34" charset="0"/>
+              </a:rPr>
+              <a:t>DateTimeRange</a:t>
+            </a:r>
+            <a:r>
+              <a:rPr lang="en-IN" dirty="0" smtClean="0">
+                <a:solidFill>
+                  <a:srgbClr val="D2F1B5"/>
+                </a:solidFill>
+                <a:latin typeface="Arial Black" panose="020B0A04020102020204" pitchFamily="34" charset="0"/>
+              </a:rPr>
+              <a:t>, </a:t>
+            </a:r>
+            <a:r>
+              <a:rPr lang="en-IN" dirty="0" err="1" smtClean="0">
+                <a:solidFill>
+                  <a:srgbClr val="D2F1B5"/>
+                </a:solidFill>
+                <a:latin typeface="Arial Black" panose="020B0A04020102020204" pitchFamily="34" charset="0"/>
+              </a:rPr>
+              <a:t>DateRange</a:t>
+            </a:r>
+            <a:r>
+              <a:rPr lang="en-IN" dirty="0" smtClean="0">
+                <a:solidFill>
+                  <a:srgbClr val="D2F1B5"/>
+                </a:solidFill>
+                <a:latin typeface="Arial Black" panose="020B0A04020102020204" pitchFamily="34" charset="0"/>
+              </a:rPr>
+              <a:t>, </a:t>
+            </a:r>
+            <a:r>
+              <a:rPr lang="en-IN" dirty="0" err="1" smtClean="0">
+                <a:solidFill>
+                  <a:srgbClr val="D2F1B5"/>
+                </a:solidFill>
+                <a:latin typeface="Arial Black" panose="020B0A04020102020204" pitchFamily="34" charset="0"/>
+              </a:rPr>
+              <a:t>TimeRange</a:t>
+            </a:r>
+            <a:r>
+              <a:rPr lang="en-IN" dirty="0" smtClean="0">
+                <a:solidFill>
+                  <a:srgbClr val="D2F1B5"/>
+                </a:solidFill>
+                <a:latin typeface="Arial Black" panose="020B0A04020102020204" pitchFamily="34" charset="0"/>
+              </a:rPr>
+              <a:t>, Date, Time, Duration &amp; their mix</a:t>
+            </a:r>
+            <a:endParaRPr lang="en-IN" dirty="0" smtClean="0">
+              <a:solidFill>
+                <a:srgbClr val="D2F1B5"/>
+              </a:solidFill>
+              <a:latin typeface="Arial Black" panose="020B0A04020102020204" pitchFamily="34" charset="0"/>
+            </a:endParaRPr>
           </a:p>
           <a:p>
             <a:pPr>
-              <a:buFont typeface="Wingdings" panose="05000000000000000000" pitchFamily="2" charset="2"/>
-              <a:buChar char="§"/>
+              <a:buFont typeface="Courier New" panose="02070309020205020404" pitchFamily="49" charset="0"/>
+              <a:buChar char="o"/>
             </a:pPr>
             <a:r>
               <a:rPr lang="en-IN" sz="3200" dirty="0" smtClean="0">
@@ -3918,14 +4348,38 @@
                 </a:solidFill>
                 <a:latin typeface="Arial Black" panose="020B0A04020102020204" pitchFamily="34" charset="0"/>
               </a:rPr>
-              <a:t>Connecting to Booking Server</a:t>
-            </a:r>
-          </a:p>
-          <a:p>
-            <a:endParaRPr lang="en-IN" dirty="0" smtClean="0"/>
-          </a:p>
-          <a:p>
-            <a:endParaRPr lang="en-IN" dirty="0"/>
+              <a:t>Connecting to Booking </a:t>
+            </a:r>
+            <a:r>
+              <a:rPr lang="en-IN" sz="3200" dirty="0" smtClean="0">
+                <a:solidFill>
+                  <a:schemeClr val="bg1"/>
+                </a:solidFill>
+                <a:latin typeface="Arial Black" panose="020B0A04020102020204" pitchFamily="34" charset="0"/>
+              </a:rPr>
+              <a:t>Server</a:t>
+            </a:r>
+          </a:p>
+          <a:p>
+            <a:pPr>
+              <a:buFont typeface="Courier New" panose="02070309020205020404" pitchFamily="49" charset="0"/>
+              <a:buChar char="o"/>
+            </a:pPr>
+            <a:r>
+              <a:rPr lang="en-IN" sz="3200" dirty="0" smtClean="0">
+                <a:solidFill>
+                  <a:schemeClr val="bg1"/>
+                </a:solidFill>
+                <a:latin typeface="Arial Black" panose="020B0A04020102020204" pitchFamily="34" charset="0"/>
+              </a:rPr>
+              <a:t>How to get Prorigo user credentials via chat</a:t>
+            </a:r>
+            <a:endParaRPr lang="en-IN" sz="3200" dirty="0" smtClean="0">
+              <a:solidFill>
+                <a:schemeClr val="bg1"/>
+              </a:solidFill>
+              <a:latin typeface="Arial Black" panose="020B0A04020102020204" pitchFamily="34" charset="0"/>
+            </a:endParaRPr>
           </a:p>
         </p:txBody>
       </p:sp>
@@ -3952,6 +4406,16 @@
 <file path=ppt/slides/slide4.xml><?xml version="1.0" encoding="utf-8"?>
 <p:sld xmlns:a="http://schemas.openxmlformats.org/drawingml/2006/main" xmlns:r="http://schemas.openxmlformats.org/officeDocument/2006/relationships" xmlns:p="http://schemas.openxmlformats.org/presentationml/2006/main">
   <p:cSld>
+    <p:bg>
+      <p:bgPr>
+        <a:solidFill>
+          <a:schemeClr val="accent6">
+            <a:lumMod val="75000"/>
+          </a:schemeClr>
+        </a:solidFill>
+        <a:effectLst/>
+      </p:bgPr>
+    </p:bg>
     <p:spTree>
       <p:nvGrpSpPr>
         <p:cNvPr id="1" name=""/>
@@ -3968,14 +4432,829 @@
       </p:grpSpPr>
       <p:sp>
         <p:nvSpPr>
+          <p:cNvPr id="2" name="Title 1"/>
+          <p:cNvSpPr>
+            <a:spLocks noGrp="1"/>
+          </p:cNvSpPr>
+          <p:nvPr>
+            <p:ph type="title"/>
+          </p:nvPr>
+        </p:nvSpPr>
+        <p:spPr/>
+        <p:txBody>
+          <a:bodyPr>
+            <a:normAutofit/>
+          </a:bodyPr>
+          <a:lstStyle/>
+          <a:p>
+            <a:r>
+              <a:rPr lang="en-IN" sz="6600" dirty="0" smtClean="0">
+                <a:solidFill>
+                  <a:srgbClr val="D2F1B5"/>
+                </a:solidFill>
+                <a:latin typeface="Arial Black" panose="020B0A04020102020204" pitchFamily="34" charset="0"/>
+              </a:rPr>
+              <a:t>Technology Stack</a:t>
+            </a:r>
+            <a:endParaRPr lang="en-IN" sz="6600" dirty="0">
+              <a:solidFill>
+                <a:srgbClr val="D2F1B5"/>
+              </a:solidFill>
+              <a:latin typeface="Arial Black" panose="020B0A04020102020204" pitchFamily="34" charset="0"/>
+            </a:endParaRPr>
+          </a:p>
+        </p:txBody>
+      </p:sp>
+      <p:sp>
+        <p:nvSpPr>
+          <p:cNvPr id="3" name="AutoShape 4" descr="https://luisweb.blob.core.windows.net/prod-assets/images/overview/LuisLogoCircle.svg"/>
+          <p:cNvSpPr>
+            <a:spLocks noChangeAspect="1" noChangeArrowheads="1"/>
+          </p:cNvSpPr>
+          <p:nvPr/>
+        </p:nvSpPr>
+        <p:spPr bwMode="auto">
+          <a:xfrm>
+            <a:off x="155575" y="-144463"/>
+            <a:ext cx="304800" cy="304801"/>
+          </a:xfrm>
+          <a:prstGeom prst="rect">
+            <a:avLst/>
+          </a:prstGeom>
+          <a:noFill/>
+          <a:extLst>
+            <a:ext uri="{909E8E84-426E-40DD-AFC4-6F175D3DCCD1}">
+              <a14:hiddenFill xmlns:a14="http://schemas.microsoft.com/office/drawing/2010/main">
+                <a:solidFill>
+                  <a:srgbClr val="FFFFFF"/>
+                </a:solidFill>
+              </a14:hiddenFill>
+            </a:ext>
+          </a:extLst>
+        </p:spPr>
+        <p:txBody>
+          <a:bodyPr vert="horz" wrap="square" lIns="91440" tIns="45720" rIns="91440" bIns="45720" numCol="1" anchor="t" anchorCtr="0" compatLnSpc="1">
+            <a:prstTxWarp prst="textNoShape">
+              <a:avLst/>
+            </a:prstTxWarp>
+          </a:bodyPr>
+          <a:lstStyle/>
+          <a:p>
+            <a:endParaRPr lang="en-US"/>
+          </a:p>
+        </p:txBody>
+      </p:sp>
+      <p:sp>
+        <p:nvSpPr>
+          <p:cNvPr id="4" name="AutoShape 6" descr="https://luisweb.blob.core.windows.net/prod-assets/images/overview/LuisLogoCircle.svg"/>
+          <p:cNvSpPr>
+            <a:spLocks noChangeAspect="1" noChangeArrowheads="1"/>
+          </p:cNvSpPr>
+          <p:nvPr/>
+        </p:nvSpPr>
+        <p:spPr bwMode="auto">
+          <a:xfrm>
+            <a:off x="307975" y="7937"/>
+            <a:ext cx="304800" cy="304801"/>
+          </a:xfrm>
+          <a:prstGeom prst="rect">
+            <a:avLst/>
+          </a:prstGeom>
+          <a:noFill/>
+          <a:extLst>
+            <a:ext uri="{909E8E84-426E-40DD-AFC4-6F175D3DCCD1}">
+              <a14:hiddenFill xmlns:a14="http://schemas.microsoft.com/office/drawing/2010/main">
+                <a:solidFill>
+                  <a:srgbClr val="FFFFFF"/>
+                </a:solidFill>
+              </a14:hiddenFill>
+            </a:ext>
+          </a:extLst>
+        </p:spPr>
+        <p:txBody>
+          <a:bodyPr vert="horz" wrap="square" lIns="91440" tIns="45720" rIns="91440" bIns="45720" numCol="1" anchor="t" anchorCtr="0" compatLnSpc="1">
+            <a:prstTxWarp prst="textNoShape">
+              <a:avLst/>
+            </a:prstTxWarp>
+          </a:bodyPr>
+          <a:lstStyle/>
+          <a:p>
+            <a:endParaRPr lang="en-US"/>
+          </a:p>
+        </p:txBody>
+      </p:sp>
+      <p:pic>
+        <p:nvPicPr>
+          <p:cNvPr id="1031" name="Picture 7" descr="C:\Users\abhisheks\Downloads\LuisLogoCircle.png"/>
+          <p:cNvPicPr>
+            <a:picLocks noChangeAspect="1" noChangeArrowheads="1"/>
+          </p:cNvPicPr>
+          <p:nvPr/>
+        </p:nvPicPr>
+        <p:blipFill>
+          <a:blip r:embed="rId2" cstate="print">
+            <a:extLst>
+              <a:ext uri="{28A0092B-C50C-407E-A947-70E740481C1C}">
+                <a14:useLocalDpi xmlns:a14="http://schemas.microsoft.com/office/drawing/2010/main" val="0"/>
+              </a:ext>
+            </a:extLst>
+          </a:blip>
+          <a:srcRect/>
+          <a:stretch>
+            <a:fillRect/>
+          </a:stretch>
+        </p:blipFill>
+        <p:spPr bwMode="auto">
+          <a:xfrm>
+            <a:off x="5410200" y="2247900"/>
+            <a:ext cx="1352550" cy="1352550"/>
+          </a:xfrm>
+          <a:prstGeom prst="rect">
+            <a:avLst/>
+          </a:prstGeom>
+          <a:noFill/>
+          <a:extLst>
+            <a:ext uri="{909E8E84-426E-40DD-AFC4-6F175D3DCCD1}">
+              <a14:hiddenFill xmlns:a14="http://schemas.microsoft.com/office/drawing/2010/main">
+                <a:solidFill>
+                  <a:srgbClr val="FFFFFF"/>
+                </a:solidFill>
+              </a14:hiddenFill>
+            </a:ext>
+          </a:extLst>
+        </p:spPr>
+      </p:pic>
+      <p:sp>
+        <p:nvSpPr>
+          <p:cNvPr id="5" name="Rectangle 4"/>
+          <p:cNvSpPr/>
+          <p:nvPr/>
+        </p:nvSpPr>
+        <p:spPr>
+          <a:xfrm>
+            <a:off x="4514850" y="1885950"/>
+            <a:ext cx="3255440" cy="5543550"/>
+          </a:xfrm>
+          <a:prstGeom prst="rect">
+            <a:avLst/>
+          </a:prstGeom>
+          <a:noFill/>
+          <a:ln w="76200">
+            <a:solidFill>
+              <a:srgbClr val="D2F1B5"/>
+            </a:solidFill>
+          </a:ln>
+        </p:spPr>
+        <p:style>
+          <a:lnRef idx="2">
+            <a:schemeClr val="accent1">
+              <a:shade val="50000"/>
+            </a:schemeClr>
+          </a:lnRef>
+          <a:fillRef idx="1">
+            <a:schemeClr val="accent1"/>
+          </a:fillRef>
+          <a:effectRef idx="0">
+            <a:schemeClr val="accent1"/>
+          </a:effectRef>
+          <a:fontRef idx="minor">
+            <a:schemeClr val="lt1"/>
+          </a:fontRef>
+        </p:style>
+        <p:txBody>
+          <a:bodyPr rtlCol="0" anchor="ctr"/>
+          <a:lstStyle/>
+          <a:p>
+            <a:pPr algn="ctr"/>
+            <a:endParaRPr lang="en-US">
+              <a:solidFill>
+                <a:srgbClr val="D2F1B5"/>
+              </a:solidFill>
+            </a:endParaRPr>
+          </a:p>
+        </p:txBody>
+      </p:sp>
+      <p:sp>
+        <p:nvSpPr>
+          <p:cNvPr id="8" name="Rectangle 7"/>
+          <p:cNvSpPr/>
+          <p:nvPr/>
+        </p:nvSpPr>
+        <p:spPr>
+          <a:xfrm>
+            <a:off x="708025" y="1885950"/>
+            <a:ext cx="3255440" cy="5543550"/>
+          </a:xfrm>
+          <a:prstGeom prst="rect">
+            <a:avLst/>
+          </a:prstGeom>
+          <a:noFill/>
+          <a:ln w="76200">
+            <a:solidFill>
+              <a:srgbClr val="D2F1B5"/>
+            </a:solidFill>
+          </a:ln>
+        </p:spPr>
+        <p:style>
+          <a:lnRef idx="2">
+            <a:schemeClr val="accent1">
+              <a:shade val="50000"/>
+            </a:schemeClr>
+          </a:lnRef>
+          <a:fillRef idx="1">
+            <a:schemeClr val="accent1"/>
+          </a:fillRef>
+          <a:effectRef idx="0">
+            <a:schemeClr val="accent1"/>
+          </a:effectRef>
+          <a:fontRef idx="minor">
+            <a:schemeClr val="lt1"/>
+          </a:fontRef>
+        </p:style>
+        <p:txBody>
+          <a:bodyPr rtlCol="0" anchor="ctr"/>
+          <a:lstStyle/>
+          <a:p>
+            <a:pPr algn="ctr"/>
+            <a:endParaRPr lang="en-US">
+              <a:solidFill>
+                <a:srgbClr val="D2F1B5"/>
+              </a:solidFill>
+            </a:endParaRPr>
+          </a:p>
+        </p:txBody>
+      </p:sp>
+      <p:sp>
+        <p:nvSpPr>
+          <p:cNvPr id="9" name="Rectangle 8"/>
+          <p:cNvSpPr/>
+          <p:nvPr/>
+        </p:nvSpPr>
+        <p:spPr>
+          <a:xfrm>
+            <a:off x="8248650" y="1885950"/>
+            <a:ext cx="3255440" cy="5543550"/>
+          </a:xfrm>
+          <a:prstGeom prst="rect">
+            <a:avLst/>
+          </a:prstGeom>
+          <a:noFill/>
+          <a:ln w="76200">
+            <a:solidFill>
+              <a:srgbClr val="D2F1B5"/>
+            </a:solidFill>
+          </a:ln>
+        </p:spPr>
+        <p:style>
+          <a:lnRef idx="2">
+            <a:schemeClr val="accent1">
+              <a:shade val="50000"/>
+            </a:schemeClr>
+          </a:lnRef>
+          <a:fillRef idx="1">
+            <a:schemeClr val="accent1"/>
+          </a:fillRef>
+          <a:effectRef idx="0">
+            <a:schemeClr val="accent1"/>
+          </a:effectRef>
+          <a:fontRef idx="minor">
+            <a:schemeClr val="lt1"/>
+          </a:fontRef>
+        </p:style>
+        <p:txBody>
+          <a:bodyPr rtlCol="0" anchor="ctr"/>
+          <a:lstStyle/>
+          <a:p>
+            <a:pPr algn="ctr"/>
+            <a:endParaRPr lang="en-US"/>
+          </a:p>
+        </p:txBody>
+      </p:sp>
+      <p:pic>
+        <p:nvPicPr>
+          <p:cNvPr id="1033" name="Picture 9" descr="Image result for nodejs icon"/>
+          <p:cNvPicPr>
+            <a:picLocks noChangeAspect="1" noChangeArrowheads="1"/>
+          </p:cNvPicPr>
+          <p:nvPr/>
+        </p:nvPicPr>
+        <p:blipFill>
+          <a:blip r:embed="rId3" cstate="print">
+            <a:extLst>
+              <a:ext uri="{28A0092B-C50C-407E-A947-70E740481C1C}">
+                <a14:useLocalDpi xmlns:a14="http://schemas.microsoft.com/office/drawing/2010/main" val="0"/>
+              </a:ext>
+            </a:extLst>
+          </a:blip>
+          <a:srcRect/>
+          <a:stretch>
+            <a:fillRect/>
+          </a:stretch>
+        </p:blipFill>
+        <p:spPr bwMode="auto">
+          <a:xfrm>
+            <a:off x="1245133" y="1885951"/>
+            <a:ext cx="1981198" cy="1981199"/>
+          </a:xfrm>
+          <a:prstGeom prst="rect">
+            <a:avLst/>
+          </a:prstGeom>
+          <a:noFill/>
+          <a:extLst>
+            <a:ext uri="{909E8E84-426E-40DD-AFC4-6F175D3DCCD1}">
+              <a14:hiddenFill xmlns:a14="http://schemas.microsoft.com/office/drawing/2010/main">
+                <a:solidFill>
+                  <a:srgbClr val="FFFFFF"/>
+                </a:solidFill>
+              </a14:hiddenFill>
+            </a:ext>
+          </a:extLst>
+        </p:spPr>
+      </p:pic>
+      <p:pic>
+        <p:nvPicPr>
+          <p:cNvPr id="1035" name="Picture 11" descr="Image result for bot framework icon"/>
+          <p:cNvPicPr>
+            <a:picLocks noChangeAspect="1" noChangeArrowheads="1"/>
+          </p:cNvPicPr>
+          <p:nvPr/>
+        </p:nvPicPr>
+        <p:blipFill>
+          <a:blip r:embed="rId4" cstate="print">
+            <a:extLst>
+              <a:ext uri="{28A0092B-C50C-407E-A947-70E740481C1C}">
+                <a14:useLocalDpi xmlns:a14="http://schemas.microsoft.com/office/drawing/2010/main" val="0"/>
+              </a:ext>
+            </a:extLst>
+          </a:blip>
+          <a:srcRect/>
+          <a:stretch>
+            <a:fillRect/>
+          </a:stretch>
+        </p:blipFill>
+        <p:spPr bwMode="auto">
+          <a:xfrm>
+            <a:off x="1683282" y="4657725"/>
+            <a:ext cx="1104900" cy="1104900"/>
+          </a:xfrm>
+          <a:prstGeom prst="rect">
+            <a:avLst/>
+          </a:prstGeom>
+          <a:noFill/>
+          <a:extLst>
+            <a:ext uri="{909E8E84-426E-40DD-AFC4-6F175D3DCCD1}">
+              <a14:hiddenFill xmlns:a14="http://schemas.microsoft.com/office/drawing/2010/main">
+                <a:solidFill>
+                  <a:srgbClr val="FFFFFF"/>
+                </a:solidFill>
+              </a14:hiddenFill>
+            </a:ext>
+          </a:extLst>
+        </p:spPr>
+      </p:pic>
+      <p:pic>
+        <p:nvPicPr>
+          <p:cNvPr id="12" name="Picture 11"/>
+          <p:cNvPicPr>
+            <a:picLocks noChangeAspect="1"/>
+          </p:cNvPicPr>
+          <p:nvPr/>
+        </p:nvPicPr>
+        <p:blipFill>
+          <a:blip r:embed="rId5" cstate="print">
+            <a:extLst>
+              <a:ext uri="{28A0092B-C50C-407E-A947-70E740481C1C}">
+                <a14:useLocalDpi xmlns:a14="http://schemas.microsoft.com/office/drawing/2010/main" val="0"/>
+              </a:ext>
+            </a:extLst>
+          </a:blip>
+          <a:stretch>
+            <a:fillRect/>
+          </a:stretch>
+        </p:blipFill>
+        <p:spPr>
+          <a:xfrm>
+            <a:off x="9281398" y="2281578"/>
+            <a:ext cx="1189943" cy="1189943"/>
+          </a:xfrm>
+          <a:prstGeom prst="rect">
+            <a:avLst/>
+          </a:prstGeom>
+          <a:ln w="25400">
+            <a:solidFill>
+              <a:schemeClr val="accent1"/>
+            </a:solidFill>
+          </a:ln>
+        </p:spPr>
+      </p:pic>
+      <p:sp>
+        <p:nvSpPr>
+          <p:cNvPr id="6" name="TextBox 5"/>
+          <p:cNvSpPr txBox="1"/>
+          <p:nvPr/>
+        </p:nvSpPr>
+        <p:spPr>
+          <a:xfrm>
+            <a:off x="1590916" y="3783568"/>
+            <a:ext cx="1313180" cy="369332"/>
+          </a:xfrm>
+          <a:prstGeom prst="rect">
+            <a:avLst/>
+          </a:prstGeom>
+          <a:noFill/>
+        </p:spPr>
+        <p:txBody>
+          <a:bodyPr wrap="none" rtlCol="0">
+            <a:spAutoFit/>
+          </a:bodyPr>
+          <a:lstStyle/>
+          <a:p>
+            <a:r>
+              <a:rPr lang="en-US" dirty="0" smtClean="0">
+                <a:solidFill>
+                  <a:schemeClr val="bg1"/>
+                </a:solidFill>
+                <a:latin typeface="Arial Black" panose="020B0A04020102020204" pitchFamily="34" charset="0"/>
+              </a:rPr>
+              <a:t>NODE JS</a:t>
+            </a:r>
+            <a:endParaRPr lang="en-US" dirty="0">
+              <a:solidFill>
+                <a:schemeClr val="bg1"/>
+              </a:solidFill>
+              <a:latin typeface="Arial Black" panose="020B0A04020102020204" pitchFamily="34" charset="0"/>
+            </a:endParaRPr>
+          </a:p>
+        </p:txBody>
+      </p:sp>
+      <p:sp>
+        <p:nvSpPr>
+          <p:cNvPr id="14" name="TextBox 13"/>
+          <p:cNvSpPr txBox="1"/>
+          <p:nvPr/>
+        </p:nvSpPr>
+        <p:spPr>
+          <a:xfrm>
+            <a:off x="1094219" y="6050518"/>
+            <a:ext cx="2483052" cy="369332"/>
+          </a:xfrm>
+          <a:prstGeom prst="rect">
+            <a:avLst/>
+          </a:prstGeom>
+          <a:noFill/>
+        </p:spPr>
+        <p:txBody>
+          <a:bodyPr wrap="none" rtlCol="0">
+            <a:spAutoFit/>
+          </a:bodyPr>
+          <a:lstStyle/>
+          <a:p>
+            <a:r>
+              <a:rPr lang="en-US" dirty="0" smtClean="0">
+                <a:solidFill>
+                  <a:schemeClr val="bg1"/>
+                </a:solidFill>
+                <a:latin typeface="Arial Black" panose="020B0A04020102020204" pitchFamily="34" charset="0"/>
+              </a:rPr>
+              <a:t>BOT FRAMEWORK</a:t>
+            </a:r>
+          </a:p>
+        </p:txBody>
+      </p:sp>
+      <p:sp>
+        <p:nvSpPr>
+          <p:cNvPr id="15" name="TextBox 14"/>
+          <p:cNvSpPr txBox="1"/>
+          <p:nvPr/>
+        </p:nvSpPr>
+        <p:spPr>
+          <a:xfrm>
+            <a:off x="4882962" y="3776186"/>
+            <a:ext cx="2519216" cy="923330"/>
+          </a:xfrm>
+          <a:prstGeom prst="rect">
+            <a:avLst/>
+          </a:prstGeom>
+          <a:noFill/>
+        </p:spPr>
+        <p:txBody>
+          <a:bodyPr wrap="none" rtlCol="0">
+            <a:spAutoFit/>
+          </a:bodyPr>
+          <a:lstStyle/>
+          <a:p>
+            <a:pPr algn="ctr"/>
+            <a:r>
+              <a:rPr lang="en-US" dirty="0" smtClean="0">
+                <a:solidFill>
+                  <a:schemeClr val="bg1"/>
+                </a:solidFill>
+                <a:latin typeface="Arial Black" panose="020B0A04020102020204" pitchFamily="34" charset="0"/>
+              </a:rPr>
+              <a:t>LUIS – </a:t>
+            </a:r>
+            <a:r>
+              <a:rPr lang="en-US" dirty="0" err="1" smtClean="0">
+                <a:solidFill>
+                  <a:schemeClr val="bg1"/>
+                </a:solidFill>
+                <a:latin typeface="Arial Black" panose="020B0A04020102020204" pitchFamily="34" charset="0"/>
+              </a:rPr>
+              <a:t>Langugae</a:t>
+            </a:r>
+            <a:endParaRPr lang="en-US" dirty="0" smtClean="0">
+              <a:solidFill>
+                <a:schemeClr val="bg1"/>
+              </a:solidFill>
+              <a:latin typeface="Arial Black" panose="020B0A04020102020204" pitchFamily="34" charset="0"/>
+            </a:endParaRPr>
+          </a:p>
+          <a:p>
+            <a:pPr algn="ctr"/>
+            <a:r>
+              <a:rPr lang="en-US" dirty="0" smtClean="0">
+                <a:solidFill>
+                  <a:schemeClr val="bg1"/>
+                </a:solidFill>
+                <a:latin typeface="Arial Black" panose="020B0A04020102020204" pitchFamily="34" charset="0"/>
+              </a:rPr>
+              <a:t>Understanding</a:t>
+            </a:r>
+          </a:p>
+          <a:p>
+            <a:pPr algn="ctr"/>
+            <a:r>
+              <a:rPr lang="en-US" dirty="0" smtClean="0">
+                <a:solidFill>
+                  <a:schemeClr val="bg1"/>
+                </a:solidFill>
+                <a:latin typeface="Arial Black" panose="020B0A04020102020204" pitchFamily="34" charset="0"/>
+              </a:rPr>
+              <a:t>Intelligent Service</a:t>
+            </a:r>
+            <a:endParaRPr lang="en-US" dirty="0">
+              <a:solidFill>
+                <a:schemeClr val="bg1"/>
+              </a:solidFill>
+              <a:latin typeface="Arial Black" panose="020B0A04020102020204" pitchFamily="34" charset="0"/>
+            </a:endParaRPr>
+          </a:p>
+        </p:txBody>
+      </p:sp>
+      <p:sp>
+        <p:nvSpPr>
+          <p:cNvPr id="16" name="TextBox 15"/>
+          <p:cNvSpPr txBox="1"/>
+          <p:nvPr/>
+        </p:nvSpPr>
+        <p:spPr>
+          <a:xfrm>
+            <a:off x="9059480" y="3787854"/>
+            <a:ext cx="1633781" cy="923330"/>
+          </a:xfrm>
+          <a:prstGeom prst="rect">
+            <a:avLst/>
+          </a:prstGeom>
+          <a:noFill/>
+        </p:spPr>
+        <p:txBody>
+          <a:bodyPr wrap="none" rtlCol="0">
+            <a:spAutoFit/>
+          </a:bodyPr>
+          <a:lstStyle/>
+          <a:p>
+            <a:pPr algn="ctr"/>
+            <a:r>
+              <a:rPr lang="en-US" dirty="0" smtClean="0">
+                <a:solidFill>
+                  <a:schemeClr val="bg1"/>
+                </a:solidFill>
+                <a:latin typeface="Arial Black" panose="020B0A04020102020204" pitchFamily="34" charset="0"/>
+              </a:rPr>
+              <a:t>JAVA</a:t>
+            </a:r>
+          </a:p>
+          <a:p>
+            <a:pPr algn="ctr"/>
+            <a:r>
+              <a:rPr lang="en-US" dirty="0" smtClean="0">
+                <a:solidFill>
+                  <a:schemeClr val="bg1"/>
+                </a:solidFill>
+                <a:latin typeface="Arial Black" panose="020B0A04020102020204" pitchFamily="34" charset="0"/>
+              </a:rPr>
+              <a:t>SPRING</a:t>
+            </a:r>
+          </a:p>
+          <a:p>
+            <a:pPr algn="ctr"/>
+            <a:r>
+              <a:rPr lang="en-US" dirty="0" smtClean="0">
+                <a:solidFill>
+                  <a:schemeClr val="bg1"/>
+                </a:solidFill>
+                <a:latin typeface="Arial Black" panose="020B0A04020102020204" pitchFamily="34" charset="0"/>
+              </a:rPr>
+              <a:t>HTML UNIT</a:t>
+            </a:r>
+          </a:p>
+        </p:txBody>
+      </p:sp>
+      <p:pic>
+        <p:nvPicPr>
+          <p:cNvPr id="1037" name="Picture 13" descr="Image result for ngrok"/>
+          <p:cNvPicPr>
+            <a:picLocks noChangeAspect="1" noChangeArrowheads="1"/>
+          </p:cNvPicPr>
+          <p:nvPr/>
+        </p:nvPicPr>
+        <p:blipFill>
+          <a:blip r:embed="rId6" cstate="print">
+            <a:extLst>
+              <a:ext uri="{28A0092B-C50C-407E-A947-70E740481C1C}">
+                <a14:useLocalDpi xmlns:a14="http://schemas.microsoft.com/office/drawing/2010/main" val="0"/>
+              </a:ext>
+            </a:extLst>
+          </a:blip>
+          <a:srcRect/>
+          <a:stretch>
+            <a:fillRect/>
+          </a:stretch>
+        </p:blipFill>
+        <p:spPr bwMode="auto">
+          <a:xfrm>
+            <a:off x="9217530" y="5137987"/>
+            <a:ext cx="1317678" cy="737163"/>
+          </a:xfrm>
+          <a:prstGeom prst="rect">
+            <a:avLst/>
+          </a:prstGeom>
+          <a:noFill/>
+          <a:extLst>
+            <a:ext uri="{909E8E84-426E-40DD-AFC4-6F175D3DCCD1}">
+              <a14:hiddenFill xmlns:a14="http://schemas.microsoft.com/office/drawing/2010/main">
+                <a:solidFill>
+                  <a:srgbClr val="FFFFFF"/>
+                </a:solidFill>
+              </a14:hiddenFill>
+            </a:ext>
+          </a:extLst>
+        </p:spPr>
+      </p:pic>
+      <p:sp>
+        <p:nvSpPr>
+          <p:cNvPr id="18" name="TextBox 17"/>
+          <p:cNvSpPr txBox="1"/>
+          <p:nvPr/>
+        </p:nvSpPr>
+        <p:spPr>
+          <a:xfrm>
+            <a:off x="8770522" y="6050518"/>
+            <a:ext cx="2211696" cy="646331"/>
+          </a:xfrm>
+          <a:prstGeom prst="rect">
+            <a:avLst/>
+          </a:prstGeom>
+          <a:noFill/>
+        </p:spPr>
+        <p:txBody>
+          <a:bodyPr wrap="none" rtlCol="0">
+            <a:spAutoFit/>
+          </a:bodyPr>
+          <a:lstStyle/>
+          <a:p>
+            <a:pPr algn="ctr"/>
+            <a:r>
+              <a:rPr lang="en-US" dirty="0" smtClean="0">
+                <a:solidFill>
+                  <a:schemeClr val="bg1"/>
+                </a:solidFill>
+                <a:latin typeface="Arial Black" panose="020B0A04020102020204" pitchFamily="34" charset="0"/>
+              </a:rPr>
+              <a:t>NGROK – Local</a:t>
+            </a:r>
+          </a:p>
+          <a:p>
+            <a:pPr algn="ctr"/>
+            <a:r>
+              <a:rPr lang="en-US" dirty="0" smtClean="0">
+                <a:solidFill>
+                  <a:schemeClr val="bg1"/>
+                </a:solidFill>
+                <a:latin typeface="Arial Black" panose="020B0A04020102020204" pitchFamily="34" charset="0"/>
+              </a:rPr>
+              <a:t>Port Forwarding</a:t>
+            </a:r>
+            <a:endParaRPr lang="en-US" dirty="0">
+              <a:solidFill>
+                <a:schemeClr val="bg1"/>
+              </a:solidFill>
+              <a:latin typeface="Arial Black" panose="020B0A04020102020204" pitchFamily="34" charset="0"/>
+            </a:endParaRPr>
+          </a:p>
+        </p:txBody>
+      </p:sp>
+    </p:spTree>
+    <p:extLst>
+      <p:ext uri="{BB962C8B-B14F-4D97-AF65-F5344CB8AC3E}">
+        <p14:creationId xmlns:p14="http://schemas.microsoft.com/office/powerpoint/2010/main" val="3202791328"/>
+      </p:ext>
+    </p:extLst>
+  </p:cSld>
+  <p:clrMapOvr>
+    <a:masterClrMapping/>
+  </p:clrMapOvr>
+  <p:timing>
+    <p:tnLst>
+      <p:par>
+        <p:cTn id="1" dur="indefinite" restart="never" nodeType="tmRoot"/>
+      </p:par>
+    </p:tnLst>
+  </p:timing>
+</p:sld>
+</file>
+
+<file path=ppt/slides/slide5.xml><?xml version="1.0" encoding="utf-8"?>
+<p:sld xmlns:a="http://schemas.openxmlformats.org/drawingml/2006/main" xmlns:r="http://schemas.openxmlformats.org/officeDocument/2006/relationships" xmlns:p="http://schemas.openxmlformats.org/presentationml/2006/main">
+  <p:cSld>
+    <p:spTree>
+      <p:nvGrpSpPr>
+        <p:cNvPr id="1" name=""/>
+        <p:cNvGrpSpPr/>
+        <p:nvPr/>
+      </p:nvGrpSpPr>
+      <p:grpSpPr>
+        <a:xfrm>
+          <a:off x="0" y="0"/>
+          <a:ext cx="0" cy="0"/>
+          <a:chOff x="0" y="0"/>
+          <a:chExt cx="0" cy="0"/>
+        </a:xfrm>
+      </p:grpSpPr>
+      <p:pic>
+        <p:nvPicPr>
+          <p:cNvPr id="3093" name="Picture 21"/>
+          <p:cNvPicPr>
+            <a:picLocks noChangeAspect="1" noChangeArrowheads="1"/>
+          </p:cNvPicPr>
+          <p:nvPr/>
+        </p:nvPicPr>
+        <p:blipFill>
+          <a:blip r:embed="rId2">
+            <a:extLst>
+              <a:ext uri="{28A0092B-C50C-407E-A947-70E740481C1C}">
+                <a14:useLocalDpi xmlns:a14="http://schemas.microsoft.com/office/drawing/2010/main" val="0"/>
+              </a:ext>
+            </a:extLst>
+          </a:blip>
+          <a:srcRect/>
+          <a:stretch>
+            <a:fillRect/>
+          </a:stretch>
+        </p:blipFill>
+        <p:spPr bwMode="auto">
+          <a:xfrm>
+            <a:off x="425792" y="1543667"/>
+            <a:ext cx="2181225" cy="3314700"/>
+          </a:xfrm>
+          <a:prstGeom prst="rect">
+            <a:avLst/>
+          </a:prstGeom>
+          <a:noFill/>
+          <a:ln>
+            <a:noFill/>
+          </a:ln>
+          <a:extLst>
+            <a:ext uri="{909E8E84-426E-40DD-AFC4-6F175D3DCCD1}">
+              <a14:hiddenFill xmlns:a14="http://schemas.microsoft.com/office/drawing/2010/main">
+                <a:solidFill>
+                  <a:schemeClr val="accent1"/>
+                </a:solidFill>
+              </a14:hiddenFill>
+            </a:ext>
+            <a:ext uri="{91240B29-F687-4F45-9708-019B960494DF}">
+              <a14:hiddenLine xmlns:a14="http://schemas.microsoft.com/office/drawing/2010/main" w="9525">
+                <a:solidFill>
+                  <a:schemeClr val="tx1"/>
+                </a:solidFill>
+                <a:miter lim="800000"/>
+                <a:headEnd/>
+                <a:tailEnd/>
+              </a14:hiddenLine>
+            </a:ext>
+          </a:extLst>
+        </p:spPr>
+      </p:pic>
+      <p:sp>
+        <p:nvSpPr>
           <p:cNvPr id="4" name="Rectangle 3"/>
           <p:cNvSpPr/>
           <p:nvPr/>
         </p:nvSpPr>
         <p:spPr>
           <a:xfrm>
-            <a:off x="5324372" y="1828500"/>
-            <a:ext cx="5344733" cy="2240925"/>
+            <a:off x="4813002" y="1828500"/>
+            <a:ext cx="5504890" cy="2240925"/>
           </a:xfrm>
           <a:prstGeom prst="rect">
             <a:avLst/>
@@ -4015,47 +5294,6 @@
       </p:sp>
       <p:pic>
         <p:nvPicPr>
-          <p:cNvPr id="1026" name="Picture 2" descr="Image result for ms bot icon"/>
-          <p:cNvPicPr>
-            <a:picLocks noChangeAspect="1" noChangeArrowheads="1"/>
-          </p:cNvPicPr>
-          <p:nvPr/>
-        </p:nvPicPr>
-        <p:blipFill>
-          <a:blip r:embed="rId2" cstate="print">
-            <a:extLst>
-              <a:ext uri="{28A0092B-C50C-407E-A947-70E740481C1C}">
-                <a14:useLocalDpi xmlns:a14="http://schemas.microsoft.com/office/drawing/2010/main" val="0"/>
-              </a:ext>
-            </a:extLst>
-          </a:blip>
-          <a:srcRect/>
-          <a:stretch>
-            <a:fillRect/>
-          </a:stretch>
-        </p:blipFill>
-        <p:spPr bwMode="auto">
-          <a:xfrm>
-            <a:off x="4951398" y="2357087"/>
-            <a:ext cx="1016919" cy="1016919"/>
-          </a:xfrm>
-          <a:prstGeom prst="rect">
-            <a:avLst/>
-          </a:prstGeom>
-          <a:noFill/>
-          <a:extLst>
-            <a:ext uri="{909E8E84-426E-40DD-AFC4-6F175D3DCCD1}">
-              <a14:hiddenFill xmlns:a14="http://schemas.microsoft.com/office/drawing/2010/main">
-                <a:solidFill>
-                  <a:srgbClr val="FFFFFF"/>
-                </a:solidFill>
-              </a14:hiddenFill>
-            </a:ext>
-          </a:extLst>
-        </p:spPr>
-      </p:pic>
-      <p:pic>
-        <p:nvPicPr>
           <p:cNvPr id="1028" name="Picture 4"/>
           <p:cNvPicPr>
             <a:picLocks noChangeAspect="1" noChangeArrowheads="1"/>
@@ -4076,7 +5314,7 @@
         </p:blipFill>
         <p:spPr bwMode="auto">
           <a:xfrm>
-            <a:off x="6728124" y="25415"/>
+            <a:off x="7301259" y="22018"/>
             <a:ext cx="631109" cy="631109"/>
           </a:xfrm>
           <a:prstGeom prst="rect">
@@ -4094,16 +5332,20 @@
       <p:cxnSp>
         <p:nvCxnSpPr>
           <p:cNvPr id="7" name="Elbow Connector 6"/>
-          <p:cNvCxnSpPr/>
+          <p:cNvCxnSpPr>
+            <a:endCxn id="1028" idx="1"/>
+          </p:cNvCxnSpPr>
           <p:nvPr/>
         </p:nvCxnSpPr>
         <p:spPr>
-          <a:xfrm rot="5400000" flipH="1" flipV="1">
-            <a:off x="5469227" y="540449"/>
-            <a:ext cx="1487531" cy="1030263"/>
+          <a:xfrm flipV="1">
+            <a:off x="5697861" y="337573"/>
+            <a:ext cx="1603398" cy="1487532"/>
           </a:xfrm>
-          <a:prstGeom prst="bentConnector2">
-            <a:avLst/>
+          <a:prstGeom prst="bentConnector3">
+            <a:avLst>
+              <a:gd name="adj1" fmla="val -93"/>
+            </a:avLst>
           </a:prstGeom>
           <a:ln w="38100">
             <a:tailEnd type="triangle"/>
@@ -4134,7 +5376,7 @@
         </p:nvCxnSpPr>
         <p:spPr>
           <a:xfrm>
-            <a:off x="7359233" y="340970"/>
+            <a:off x="7932368" y="337573"/>
             <a:ext cx="1961865" cy="1487530"/>
           </a:xfrm>
           <a:prstGeom prst="bentConnector3">
@@ -4199,13 +5441,15 @@
       <p:cxnSp>
         <p:nvCxnSpPr>
           <p:cNvPr id="17" name="Elbow Connector 16"/>
-          <p:cNvCxnSpPr/>
+          <p:cNvCxnSpPr>
+            <a:stCxn id="5" idx="1"/>
+          </p:cNvCxnSpPr>
           <p:nvPr/>
         </p:nvCxnSpPr>
         <p:spPr>
           <a:xfrm rot="10800000">
-            <a:off x="5968317" y="4069425"/>
-            <a:ext cx="1185934" cy="1693056"/>
+            <a:off x="5968317" y="4069426"/>
+            <a:ext cx="773934" cy="1721091"/>
           </a:xfrm>
           <a:prstGeom prst="bentConnector2">
             <a:avLst/>
@@ -4229,185 +5473,6 @@
           </a:fontRef>
         </p:style>
       </p:cxnSp>
-      <p:pic>
-        <p:nvPicPr>
-          <p:cNvPr id="1034" name="Picture 10" descr="Image result for mobile chat window icon"/>
-          <p:cNvPicPr>
-            <a:picLocks noChangeAspect="1" noChangeArrowheads="1"/>
-          </p:cNvPicPr>
-          <p:nvPr/>
-        </p:nvPicPr>
-        <p:blipFill>
-          <a:blip r:embed="rId4" cstate="print">
-            <a:extLst>
-              <a:ext uri="{28A0092B-C50C-407E-A947-70E740481C1C}">
-                <a14:useLocalDpi xmlns:a14="http://schemas.microsoft.com/office/drawing/2010/main" val="0"/>
-              </a:ext>
-            </a:extLst>
-          </a:blip>
-          <a:srcRect/>
-          <a:stretch>
-            <a:fillRect/>
-          </a:stretch>
-        </p:blipFill>
-        <p:spPr bwMode="auto">
-          <a:xfrm>
-            <a:off x="-209097" y="1470287"/>
-            <a:ext cx="3313984" cy="3313984"/>
-          </a:xfrm>
-          <a:prstGeom prst="rect">
-            <a:avLst/>
-          </a:prstGeom>
-          <a:noFill/>
-          <a:extLst>
-            <a:ext uri="{909E8E84-426E-40DD-AFC4-6F175D3DCCD1}">
-              <a14:hiddenFill xmlns:a14="http://schemas.microsoft.com/office/drawing/2010/main">
-                <a:solidFill>
-                  <a:srgbClr val="FFFFFF"/>
-                </a:solidFill>
-              </a14:hiddenFill>
-            </a:ext>
-          </a:extLst>
-        </p:spPr>
-      </p:pic>
-      <p:grpSp>
-        <p:nvGrpSpPr>
-          <p:cNvPr id="18" name="Group 17"/>
-          <p:cNvGrpSpPr/>
-          <p:nvPr/>
-        </p:nvGrpSpPr>
-        <p:grpSpPr>
-          <a:xfrm>
-            <a:off x="424481" y="826358"/>
-            <a:ext cx="2046827" cy="643929"/>
-            <a:chOff x="292467" y="3939334"/>
-            <a:chExt cx="1356027" cy="426604"/>
-          </a:xfrm>
-        </p:grpSpPr>
-        <p:pic>
-          <p:nvPicPr>
-            <p:cNvPr id="1036" name="Picture 12" descr="Image result for skype icon"/>
-            <p:cNvPicPr>
-              <a:picLocks noChangeAspect="1" noChangeArrowheads="1"/>
-            </p:cNvPicPr>
-            <p:nvPr/>
-          </p:nvPicPr>
-          <p:blipFill>
-            <a:blip r:embed="rId5" cstate="print">
-              <a:extLst>
-                <a:ext uri="{28A0092B-C50C-407E-A947-70E740481C1C}">
-                  <a14:useLocalDpi xmlns:a14="http://schemas.microsoft.com/office/drawing/2010/main" val="0"/>
-                </a:ext>
-              </a:extLst>
-            </a:blip>
-            <a:srcRect/>
-            <a:stretch>
-              <a:fillRect/>
-            </a:stretch>
-          </p:blipFill>
-          <p:spPr bwMode="auto">
-            <a:xfrm>
-              <a:off x="292467" y="3940935"/>
-              <a:ext cx="425003" cy="425003"/>
-            </a:xfrm>
-            <a:prstGeom prst="rect">
-              <a:avLst/>
-            </a:prstGeom>
-            <a:noFill/>
-            <a:extLst>
-              <a:ext uri="{909E8E84-426E-40DD-AFC4-6F175D3DCCD1}">
-                <a14:hiddenFill xmlns:a14="http://schemas.microsoft.com/office/drawing/2010/main">
-                  <a:solidFill>
-                    <a:srgbClr val="FFFFFF"/>
-                  </a:solidFill>
-                </a14:hiddenFill>
-              </a:ext>
-            </a:extLst>
-          </p:spPr>
-        </p:pic>
-        <p:pic>
-          <p:nvPicPr>
-            <p:cNvPr id="1038" name="Picture 14" descr="Image result for slack icon"/>
-            <p:cNvPicPr>
-              <a:picLocks noChangeAspect="1" noChangeArrowheads="1"/>
-            </p:cNvPicPr>
-            <p:nvPr/>
-          </p:nvPicPr>
-          <p:blipFill>
-            <a:blip r:embed="rId6" cstate="print">
-              <a:extLst>
-                <a:ext uri="{28A0092B-C50C-407E-A947-70E740481C1C}">
-                  <a14:useLocalDpi xmlns:a14="http://schemas.microsoft.com/office/drawing/2010/main" val="0"/>
-                </a:ext>
-              </a:extLst>
-            </a:blip>
-            <a:srcRect/>
-            <a:stretch>
-              <a:fillRect/>
-            </a:stretch>
-          </p:blipFill>
-          <p:spPr bwMode="auto">
-            <a:xfrm>
-              <a:off x="755079" y="3940935"/>
-              <a:ext cx="425003" cy="425003"/>
-            </a:xfrm>
-            <a:prstGeom prst="rect">
-              <a:avLst/>
-            </a:prstGeom>
-            <a:noFill/>
-            <a:extLst>
-              <a:ext uri="{909E8E84-426E-40DD-AFC4-6F175D3DCCD1}">
-                <a14:hiddenFill xmlns:a14="http://schemas.microsoft.com/office/drawing/2010/main">
-                  <a:solidFill>
-                    <a:srgbClr val="FFFFFF"/>
-                  </a:solidFill>
-                </a14:hiddenFill>
-              </a:ext>
-            </a:extLst>
-          </p:spPr>
-        </p:pic>
-        <p:pic>
-          <p:nvPicPr>
-            <p:cNvPr id="1040" name="Picture 16" descr="Image result for fb messenger icon"/>
-            <p:cNvPicPr>
-              <a:picLocks noChangeAspect="1" noChangeArrowheads="1"/>
-            </p:cNvPicPr>
-            <p:nvPr/>
-          </p:nvPicPr>
-          <p:blipFill>
-            <a:blip r:embed="rId7" cstate="print">
-              <a:extLst>
-                <a:ext uri="{28A0092B-C50C-407E-A947-70E740481C1C}">
-                  <a14:useLocalDpi xmlns:a14="http://schemas.microsoft.com/office/drawing/2010/main" val="0"/>
-                </a:ext>
-              </a:extLst>
-            </a:blip>
-            <a:srcRect/>
-            <a:stretch>
-              <a:fillRect/>
-            </a:stretch>
-          </p:blipFill>
-          <p:spPr bwMode="auto">
-            <a:xfrm>
-              <a:off x="1221890" y="3939334"/>
-              <a:ext cx="426604" cy="426604"/>
-            </a:xfrm>
-            <a:prstGeom prst="rect">
-              <a:avLst/>
-            </a:prstGeom>
-            <a:noFill/>
-            <a:extLst>
-              <a:ext uri="{909E8E84-426E-40DD-AFC4-6F175D3DCCD1}">
-                <a14:hiddenFill xmlns:a14="http://schemas.microsoft.com/office/drawing/2010/main">
-                  <a:solidFill>
-                    <a:srgbClr val="FFFFFF"/>
-                  </a:solidFill>
-                </a14:hiddenFill>
-              </a:ext>
-            </a:extLst>
-          </p:spPr>
-        </p:pic>
-      </p:grpSp>
       <p:cxnSp>
         <p:nvCxnSpPr>
           <p:cNvPr id="22" name="Straight Arrow Connector 21"/>
@@ -4416,8 +5481,8 @@
         </p:nvCxnSpPr>
         <p:spPr>
           <a:xfrm>
-            <a:off x="2966286" y="2928011"/>
-            <a:ext cx="1855070" cy="0"/>
+            <a:off x="2685459" y="2928011"/>
+            <a:ext cx="2135897" cy="0"/>
           </a:xfrm>
           <a:prstGeom prst="straightConnector1">
             <a:avLst/>
@@ -4449,8 +5514,8 @@
         </p:nvSpPr>
         <p:spPr>
           <a:xfrm>
-            <a:off x="602369" y="4942008"/>
-            <a:ext cx="1762021" cy="646331"/>
+            <a:off x="201574" y="4881368"/>
+            <a:ext cx="2483885" cy="646331"/>
           </a:xfrm>
           <a:prstGeom prst="rect">
             <a:avLst/>
@@ -4465,6 +5530,11 @@
           <a:p>
             <a:r>
               <a:rPr lang="en-US" dirty="0" smtClean="0">
+                <a:solidFill>
+                  <a:schemeClr val="accent6">
+                    <a:lumMod val="75000"/>
+                  </a:schemeClr>
+                </a:solidFill>
                 <a:latin typeface="Arial Black" panose="020B0A04020102020204" pitchFamily="34" charset="0"/>
               </a:rPr>
               <a:t>Book conf-4 </a:t>
@@ -4473,11 +5543,54 @@
           <a:p>
             <a:r>
               <a:rPr lang="en-US" dirty="0" smtClean="0">
-                <a:latin typeface="Arial Black" panose="020B0A04020102020204" pitchFamily="34" charset="0"/>
-              </a:rPr>
-              <a:t>from 3 to 4</a:t>
+                <a:solidFill>
+                  <a:schemeClr val="accent6">
+                    <a:lumMod val="75000"/>
+                  </a:schemeClr>
+                </a:solidFill>
+                <a:latin typeface="Arial Black" panose="020B0A04020102020204" pitchFamily="34" charset="0"/>
+              </a:rPr>
+              <a:t>from </a:t>
+            </a:r>
+            <a:r>
+              <a:rPr lang="en-US" dirty="0" smtClean="0">
+                <a:solidFill>
+                  <a:schemeClr val="accent6">
+                    <a:lumMod val="75000"/>
+                  </a:schemeClr>
+                </a:solidFill>
+                <a:latin typeface="Arial Black" panose="020B0A04020102020204" pitchFamily="34" charset="0"/>
+              </a:rPr>
+              <a:t>3 pm </a:t>
+            </a:r>
+            <a:r>
+              <a:rPr lang="en-US" dirty="0" smtClean="0">
+                <a:solidFill>
+                  <a:schemeClr val="accent6">
+                    <a:lumMod val="75000"/>
+                  </a:schemeClr>
+                </a:solidFill>
+                <a:latin typeface="Arial Black" panose="020B0A04020102020204" pitchFamily="34" charset="0"/>
+              </a:rPr>
+              <a:t>to </a:t>
+            </a:r>
+            <a:r>
+              <a:rPr lang="en-US" dirty="0" smtClean="0">
+                <a:solidFill>
+                  <a:schemeClr val="accent6">
+                    <a:lumMod val="75000"/>
+                  </a:schemeClr>
+                </a:solidFill>
+                <a:latin typeface="Arial Black" panose="020B0A04020102020204" pitchFamily="34" charset="0"/>
+              </a:rPr>
+              <a:t>4 pm</a:t>
             </a:r>
             <a:endParaRPr lang="en-US" dirty="0">
+              <a:solidFill>
+                <a:schemeClr val="accent6">
+                  <a:lumMod val="75000"/>
+                </a:schemeClr>
+              </a:solidFill>
               <a:latin typeface="Arial Black" panose="020B0A04020102020204" pitchFamily="34" charset="0"/>
             </a:endParaRPr>
           </a:p>
@@ -4497,6 +5610,13 @@
           <a:prstGeom prst="wedgeEllipseCallout">
             <a:avLst/>
           </a:prstGeom>
+          <a:ln w="38100">
+            <a:solidFill>
+              <a:schemeClr val="accent1">
+                <a:lumMod val="50000"/>
+              </a:schemeClr>
+            </a:solidFill>
+          </a:ln>
         </p:spPr>
         <p:style>
           <a:lnRef idx="2">
@@ -4532,7 +5652,7 @@
         <p:spPr>
           <a:xfrm>
             <a:off x="5826489" y="2709712"/>
-            <a:ext cx="543739" cy="523220"/>
+            <a:ext cx="902811" cy="523220"/>
           </a:xfrm>
           <a:prstGeom prst="rect">
             <a:avLst/>
@@ -4547,12 +5667,22 @@
           <a:p>
             <a:r>
               <a:rPr lang="en-US" sz="2800" b="1" dirty="0" smtClean="0">
+                <a:solidFill>
+                  <a:schemeClr val="accent6">
+                    <a:lumMod val="75000"/>
+                  </a:schemeClr>
+                </a:solidFill>
                 <a:latin typeface="Arial" panose="020B0604020202020204" pitchFamily="34" charset="0"/>
                 <a:cs typeface="Arial" panose="020B0604020202020204" pitchFamily="34" charset="0"/>
               </a:rPr>
-              <a:t>“”</a:t>
+              <a:t>“…”</a:t>
             </a:r>
             <a:endParaRPr lang="en-US" sz="2800" b="1" dirty="0">
+              <a:solidFill>
+                <a:schemeClr val="accent6">
+                  <a:lumMod val="75000"/>
+                </a:schemeClr>
+              </a:solidFill>
               <a:latin typeface="Arial" panose="020B0604020202020204" pitchFamily="34" charset="0"/>
               <a:cs typeface="Arial" panose="020B0604020202020204" pitchFamily="34" charset="0"/>
             </a:endParaRPr>
@@ -4567,8 +5697,8 @@
         </p:nvSpPr>
         <p:spPr>
           <a:xfrm>
-            <a:off x="7305683" y="294958"/>
-            <a:ext cx="1382110" cy="523220"/>
+            <a:off x="7996737" y="169949"/>
+            <a:ext cx="824265" cy="523220"/>
           </a:xfrm>
           <a:prstGeom prst="rect">
             <a:avLst/>
@@ -4583,13 +5713,49 @@
           <a:p>
             <a:r>
               <a:rPr lang="en-US" sz="2800" dirty="0" smtClean="0">
-                <a:latin typeface="Arial" panose="020B0604020202020204" pitchFamily="34" charset="0"/>
+                <a:solidFill>
+                  <a:srgbClr val="AFDC7E"/>
+                </a:solidFill>
+                <a:latin typeface="Arial Black" panose="020B0A04020102020204" pitchFamily="34" charset="0"/>
                 <a:cs typeface="Arial" panose="020B0604020202020204" pitchFamily="34" charset="0"/>
               </a:rPr>
-              <a:t>{JSON}</a:t>
+              <a:t>{</a:t>
+            </a:r>
+            <a:r>
+              <a:rPr lang="en-US" sz="2800" dirty="0">
+                <a:solidFill>
+                  <a:srgbClr val="AFDC7E"/>
+                </a:solidFill>
+                <a:latin typeface="Arial Black" panose="020B0A04020102020204" pitchFamily="34" charset="0"/>
+                <a:cs typeface="Arial" panose="020B0604020202020204" pitchFamily="34" charset="0"/>
+              </a:rPr>
+              <a:t> </a:t>
+            </a:r>
+            <a:r>
+              <a:rPr lang="en-US" sz="2800" dirty="0" smtClean="0">
+                <a:solidFill>
+                  <a:srgbClr val="AFDC7E"/>
+                </a:solidFill>
+                <a:latin typeface="Arial Black" panose="020B0A04020102020204" pitchFamily="34" charset="0"/>
+                <a:cs typeface="Arial" panose="020B0604020202020204" pitchFamily="34" charset="0"/>
+              </a:rPr>
+              <a:t>: </a:t>
+            </a:r>
+            <a:r>
+              <a:rPr lang="en-US" sz="2800" dirty="0" smtClean="0">
+                <a:solidFill>
+                  <a:srgbClr val="AFDC7E"/>
+                </a:solidFill>
+                <a:latin typeface="Arial Black" panose="020B0A04020102020204" pitchFamily="34" charset="0"/>
+                <a:cs typeface="Arial" panose="020B0604020202020204" pitchFamily="34" charset="0"/>
+              </a:rPr>
+              <a:t>}</a:t>
             </a:r>
             <a:endParaRPr lang="en-US" sz="2800" dirty="0">
-              <a:latin typeface="Arial" panose="020B0604020202020204" pitchFamily="34" charset="0"/>
+              <a:solidFill>
+                <a:srgbClr val="AFDC7E"/>
+              </a:solidFill>
+              <a:latin typeface="Arial Black" panose="020B0A04020102020204" pitchFamily="34" charset="0"/>
               <a:cs typeface="Arial" panose="020B0604020202020204" pitchFamily="34" charset="0"/>
             </a:endParaRPr>
           </a:p>
@@ -4604,7 +5770,7 @@
           <p:nvPr/>
         </p:nvPicPr>
         <p:blipFill>
-          <a:blip r:embed="rId8" cstate="print">
+          <a:blip r:embed="rId4" cstate="print">
             <a:extLst>
               <a:ext uri="{28A0092B-C50C-407E-A947-70E740481C1C}">
                 <a14:useLocalDpi xmlns:a14="http://schemas.microsoft.com/office/drawing/2010/main" val="0"/>
@@ -4630,6 +5796,398 @@
           </a:ln>
         </p:spPr>
       </p:pic>
+      <p:pic>
+        <p:nvPicPr>
+          <p:cNvPr id="3074" name="Picture 2" descr="https://bot-framework.azureedge.net/bot-icons-v1/bot-framework-default-3.png"/>
+          <p:cNvPicPr>
+            <a:picLocks noChangeAspect="1" noChangeArrowheads="1"/>
+          </p:cNvPicPr>
+          <p:nvPr/>
+        </p:nvPicPr>
+        <p:blipFill>
+          <a:blip r:embed="rId5" cstate="print">
+            <a:extLst>
+              <a:ext uri="{28A0092B-C50C-407E-A947-70E740481C1C}">
+                <a14:useLocalDpi xmlns:a14="http://schemas.microsoft.com/office/drawing/2010/main" val="0"/>
+              </a:ext>
+            </a:extLst>
+          </a:blip>
+          <a:srcRect/>
+          <a:stretch>
+            <a:fillRect/>
+          </a:stretch>
+        </p:blipFill>
+        <p:spPr bwMode="auto">
+          <a:xfrm>
+            <a:off x="4813002" y="2357087"/>
+            <a:ext cx="1016919" cy="1016919"/>
+          </a:xfrm>
+          <a:prstGeom prst="rect">
+            <a:avLst/>
+          </a:prstGeom>
+          <a:noFill/>
+          <a:extLst>
+            <a:ext uri="{909E8E84-426E-40DD-AFC4-6F175D3DCCD1}">
+              <a14:hiddenFill xmlns:a14="http://schemas.microsoft.com/office/drawing/2010/main">
+                <a:solidFill>
+                  <a:srgbClr val="FFFFFF"/>
+                </a:solidFill>
+              </a14:hiddenFill>
+            </a:ext>
+          </a:extLst>
+        </p:spPr>
+      </p:pic>
+      <p:grpSp>
+        <p:nvGrpSpPr>
+          <p:cNvPr id="2" name="Group 1"/>
+          <p:cNvGrpSpPr/>
+          <p:nvPr/>
+        </p:nvGrpSpPr>
+        <p:grpSpPr>
+          <a:xfrm>
+            <a:off x="403599" y="828771"/>
+            <a:ext cx="1983868" cy="641512"/>
+            <a:chOff x="424481" y="828771"/>
+            <a:chExt cx="1983868" cy="641512"/>
+          </a:xfrm>
+        </p:grpSpPr>
+        <p:grpSp>
+          <p:nvGrpSpPr>
+            <p:cNvPr id="18" name="Group 17"/>
+            <p:cNvGrpSpPr/>
+            <p:nvPr/>
+          </p:nvGrpSpPr>
+          <p:grpSpPr>
+            <a:xfrm>
+              <a:off x="424481" y="828771"/>
+              <a:ext cx="1339792" cy="641512"/>
+              <a:chOff x="292467" y="3940935"/>
+              <a:chExt cx="887615" cy="425003"/>
+            </a:xfrm>
+          </p:grpSpPr>
+          <p:pic>
+            <p:nvPicPr>
+              <p:cNvPr id="1036" name="Picture 12" descr="Image result for skype icon"/>
+              <p:cNvPicPr>
+                <a:picLocks noChangeAspect="1" noChangeArrowheads="1"/>
+              </p:cNvPicPr>
+              <p:nvPr/>
+            </p:nvPicPr>
+            <p:blipFill>
+              <a:blip r:embed="rId6" cstate="print">
+                <a:extLst>
+                  <a:ext uri="{28A0092B-C50C-407E-A947-70E740481C1C}">
+                    <a14:useLocalDpi xmlns:a14="http://schemas.microsoft.com/office/drawing/2010/main" val="0"/>
+                  </a:ext>
+                </a:extLst>
+              </a:blip>
+              <a:srcRect/>
+              <a:stretch>
+                <a:fillRect/>
+              </a:stretch>
+            </p:blipFill>
+            <p:spPr bwMode="auto">
+              <a:xfrm>
+                <a:off x="292467" y="3940935"/>
+                <a:ext cx="425003" cy="425003"/>
+              </a:xfrm>
+              <a:prstGeom prst="rect">
+                <a:avLst/>
+              </a:prstGeom>
+              <a:noFill/>
+              <a:extLst>
+                <a:ext uri="{909E8E84-426E-40DD-AFC4-6F175D3DCCD1}">
+                  <a14:hiddenFill xmlns:a14="http://schemas.microsoft.com/office/drawing/2010/main">
+                    <a:solidFill>
+                      <a:srgbClr val="FFFFFF"/>
+                    </a:solidFill>
+                  </a14:hiddenFill>
+                </a:ext>
+              </a:extLst>
+            </p:spPr>
+          </p:pic>
+          <p:pic>
+            <p:nvPicPr>
+              <p:cNvPr id="1038" name="Picture 14" descr="Image result for slack icon"/>
+              <p:cNvPicPr>
+                <a:picLocks noChangeAspect="1" noChangeArrowheads="1"/>
+              </p:cNvPicPr>
+              <p:nvPr/>
+            </p:nvPicPr>
+            <p:blipFill>
+              <a:blip r:embed="rId7" cstate="print">
+                <a:extLst>
+                  <a:ext uri="{28A0092B-C50C-407E-A947-70E740481C1C}">
+                    <a14:useLocalDpi xmlns:a14="http://schemas.microsoft.com/office/drawing/2010/main" val="0"/>
+                  </a:ext>
+                </a:extLst>
+              </a:blip>
+              <a:srcRect/>
+              <a:stretch>
+                <a:fillRect/>
+              </a:stretch>
+            </p:blipFill>
+            <p:spPr bwMode="auto">
+              <a:xfrm>
+                <a:off x="755079" y="3940935"/>
+                <a:ext cx="425003" cy="425003"/>
+              </a:xfrm>
+              <a:prstGeom prst="rect">
+                <a:avLst/>
+              </a:prstGeom>
+              <a:noFill/>
+              <a:extLst>
+                <a:ext uri="{909E8E84-426E-40DD-AFC4-6F175D3DCCD1}">
+                  <a14:hiddenFill xmlns:a14="http://schemas.microsoft.com/office/drawing/2010/main">
+                    <a:solidFill>
+                      <a:srgbClr val="FFFFFF"/>
+                    </a:solidFill>
+                  </a14:hiddenFill>
+                </a:ext>
+              </a:extLst>
+            </p:spPr>
+          </p:pic>
+        </p:grpSp>
+        <p:pic>
+          <p:nvPicPr>
+            <p:cNvPr id="3076" name="Picture 4" descr="Image result for cortana icon"/>
+            <p:cNvPicPr>
+              <a:picLocks noChangeAspect="1" noChangeArrowheads="1"/>
+            </p:cNvPicPr>
+            <p:nvPr/>
+          </p:nvPicPr>
+          <p:blipFill>
+            <a:blip r:embed="rId8" cstate="print">
+              <a:extLst>
+                <a:ext uri="{28A0092B-C50C-407E-A947-70E740481C1C}">
+                  <a14:useLocalDpi xmlns:a14="http://schemas.microsoft.com/office/drawing/2010/main" val="0"/>
+                </a:ext>
+              </a:extLst>
+            </a:blip>
+            <a:srcRect/>
+            <a:stretch>
+              <a:fillRect/>
+            </a:stretch>
+          </p:blipFill>
+          <p:spPr bwMode="auto">
+            <a:xfrm>
+              <a:off x="1801172" y="837348"/>
+              <a:ext cx="607177" cy="607177"/>
+            </a:xfrm>
+            <a:prstGeom prst="rect">
+              <a:avLst/>
+            </a:prstGeom>
+            <a:noFill/>
+            <a:extLst>
+              <a:ext uri="{909E8E84-426E-40DD-AFC4-6F175D3DCCD1}">
+                <a14:hiddenFill xmlns:a14="http://schemas.microsoft.com/office/drawing/2010/main">
+                  <a:solidFill>
+                    <a:srgbClr val="FFFFFF"/>
+                  </a:solidFill>
+                </a14:hiddenFill>
+              </a:ext>
+            </a:extLst>
+          </p:spPr>
+        </p:pic>
+      </p:grpSp>
+      <p:sp>
+        <p:nvSpPr>
+          <p:cNvPr id="23" name="TextBox 22"/>
+          <p:cNvSpPr txBox="1"/>
+          <p:nvPr/>
+        </p:nvSpPr>
+        <p:spPr>
+          <a:xfrm>
+            <a:off x="5697861" y="5913509"/>
+            <a:ext cx="824265" cy="523220"/>
+          </a:xfrm>
+          <a:prstGeom prst="rect">
+            <a:avLst/>
+          </a:prstGeom>
+          <a:noFill/>
+        </p:spPr>
+        <p:txBody>
+          <a:bodyPr wrap="none" rtlCol="0">
+            <a:spAutoFit/>
+          </a:bodyPr>
+          <a:lstStyle/>
+          <a:p>
+            <a:r>
+              <a:rPr lang="en-US" sz="2800" dirty="0" smtClean="0">
+                <a:solidFill>
+                  <a:srgbClr val="AFDC7E"/>
+                </a:solidFill>
+                <a:latin typeface="Arial Black" panose="020B0A04020102020204" pitchFamily="34" charset="0"/>
+                <a:cs typeface="Arial" panose="020B0604020202020204" pitchFamily="34" charset="0"/>
+              </a:rPr>
+              <a:t>{</a:t>
+            </a:r>
+            <a:r>
+              <a:rPr lang="en-US" sz="2800" dirty="0">
+                <a:solidFill>
+                  <a:srgbClr val="AFDC7E"/>
+                </a:solidFill>
+                <a:latin typeface="Arial Black" panose="020B0A04020102020204" pitchFamily="34" charset="0"/>
+                <a:cs typeface="Arial" panose="020B0604020202020204" pitchFamily="34" charset="0"/>
+              </a:rPr>
+              <a:t> </a:t>
+            </a:r>
+            <a:r>
+              <a:rPr lang="en-US" sz="2800" dirty="0" smtClean="0">
+                <a:solidFill>
+                  <a:srgbClr val="AFDC7E"/>
+                </a:solidFill>
+                <a:latin typeface="Arial Black" panose="020B0A04020102020204" pitchFamily="34" charset="0"/>
+                <a:cs typeface="Arial" panose="020B0604020202020204" pitchFamily="34" charset="0"/>
+              </a:rPr>
+              <a:t>: </a:t>
+            </a:r>
+            <a:r>
+              <a:rPr lang="en-US" sz="2800" dirty="0" smtClean="0">
+                <a:solidFill>
+                  <a:srgbClr val="AFDC7E"/>
+                </a:solidFill>
+                <a:latin typeface="Arial Black" panose="020B0A04020102020204" pitchFamily="34" charset="0"/>
+                <a:cs typeface="Arial" panose="020B0604020202020204" pitchFamily="34" charset="0"/>
+              </a:rPr>
+              <a:t>}</a:t>
+            </a:r>
+            <a:endParaRPr lang="en-US" sz="2800" dirty="0">
+              <a:solidFill>
+                <a:srgbClr val="AFDC7E"/>
+              </a:solidFill>
+              <a:latin typeface="Arial Black" panose="020B0A04020102020204" pitchFamily="34" charset="0"/>
+              <a:cs typeface="Arial" panose="020B0604020202020204" pitchFamily="34" charset="0"/>
+            </a:endParaRPr>
+          </a:p>
+        </p:txBody>
+      </p:sp>
+      <p:pic>
+        <p:nvPicPr>
+          <p:cNvPr id="3078" name="Picture 6" descr="Image result for REST API icon"/>
+          <p:cNvPicPr>
+            <a:picLocks noChangeAspect="1" noChangeArrowheads="1"/>
+          </p:cNvPicPr>
+          <p:nvPr/>
+        </p:nvPicPr>
+        <p:blipFill>
+          <a:blip r:embed="rId9" cstate="print">
+            <a:extLst>
+              <a:ext uri="{28A0092B-C50C-407E-A947-70E740481C1C}">
+                <a14:useLocalDpi xmlns:a14="http://schemas.microsoft.com/office/drawing/2010/main" val="0"/>
+              </a:ext>
+            </a:extLst>
+          </a:blip>
+          <a:srcRect/>
+          <a:stretch>
+            <a:fillRect/>
+          </a:stretch>
+        </p:blipFill>
+        <p:spPr bwMode="auto">
+          <a:xfrm>
+            <a:off x="9301699" y="4115706"/>
+            <a:ext cx="663933" cy="431557"/>
+          </a:xfrm>
+          <a:prstGeom prst="rect">
+            <a:avLst/>
+          </a:prstGeom>
+          <a:noFill/>
+          <a:extLst>
+            <a:ext uri="{909E8E84-426E-40DD-AFC4-6F175D3DCCD1}">
+              <a14:hiddenFill xmlns:a14="http://schemas.microsoft.com/office/drawing/2010/main">
+                <a:solidFill>
+                  <a:srgbClr val="FFFFFF"/>
+                </a:solidFill>
+              </a14:hiddenFill>
+            </a:ext>
+          </a:extLst>
+        </p:spPr>
+      </p:pic>
+      <p:pic>
+        <p:nvPicPr>
+          <p:cNvPr id="33" name="Picture 9" descr="Image result for nodejs icon"/>
+          <p:cNvPicPr>
+            <a:picLocks noChangeAspect="1" noChangeArrowheads="1"/>
+          </p:cNvPicPr>
+          <p:nvPr/>
+        </p:nvPicPr>
+        <p:blipFill>
+          <a:blip r:embed="rId10" cstate="print">
+            <a:extLst>
+              <a:ext uri="{28A0092B-C50C-407E-A947-70E740481C1C}">
+                <a14:useLocalDpi xmlns:a14="http://schemas.microsoft.com/office/drawing/2010/main" val="0"/>
+              </a:ext>
+            </a:extLst>
+          </a:blip>
+          <a:srcRect/>
+          <a:stretch>
+            <a:fillRect/>
+          </a:stretch>
+        </p:blipFill>
+        <p:spPr bwMode="auto">
+          <a:xfrm>
+            <a:off x="8743420" y="1956565"/>
+            <a:ext cx="1817960" cy="1817961"/>
+          </a:xfrm>
+          <a:prstGeom prst="rect">
+            <a:avLst/>
+          </a:prstGeom>
+          <a:noFill/>
+          <a:extLst>
+            <a:ext uri="{909E8E84-426E-40DD-AFC4-6F175D3DCCD1}">
+              <a14:hiddenFill xmlns:a14="http://schemas.microsoft.com/office/drawing/2010/main">
+                <a:solidFill>
+                  <a:srgbClr val="FFFFFF"/>
+                </a:solidFill>
+              </a14:hiddenFill>
+            </a:ext>
+          </a:extLst>
+        </p:spPr>
+      </p:pic>
+      <p:sp>
+        <p:nvSpPr>
+          <p:cNvPr id="40" name="TextBox 39"/>
+          <p:cNvSpPr txBox="1"/>
+          <p:nvPr/>
+        </p:nvSpPr>
+        <p:spPr>
+          <a:xfrm>
+            <a:off x="416522" y="5019867"/>
+            <a:ext cx="1991827" cy="369332"/>
+          </a:xfrm>
+          <a:prstGeom prst="rect">
+            <a:avLst/>
+          </a:prstGeom>
+          <a:noFill/>
+        </p:spPr>
+        <p:txBody>
+          <a:bodyPr wrap="none" rtlCol="0">
+            <a:spAutoFit/>
+          </a:bodyPr>
+          <a:lstStyle/>
+          <a:p>
+            <a:r>
+              <a:rPr lang="en-US" dirty="0" smtClean="0">
+                <a:solidFill>
+                  <a:schemeClr val="accent6">
+                    <a:lumMod val="75000"/>
+                  </a:schemeClr>
+                </a:solidFill>
+                <a:latin typeface="Arial Black" panose="020B0A04020102020204" pitchFamily="34" charset="0"/>
+              </a:rPr>
+              <a:t>Room Booked!</a:t>
+            </a:r>
+            <a:endParaRPr lang="en-US" dirty="0">
+              <a:solidFill>
+                <a:schemeClr val="accent6">
+                  <a:lumMod val="75000"/>
+                </a:schemeClr>
+              </a:solidFill>
+              <a:latin typeface="Arial Black" panose="020B0A04020102020204" pitchFamily="34" charset="0"/>
+            </a:endParaRPr>
+          </a:p>
+        </p:txBody>
+      </p:sp>
     </p:spTree>
     <p:extLst>
       <p:ext uri="{BB962C8B-B14F-4D97-AF65-F5344CB8AC3E}">
@@ -4693,25 +6251,16 @@
                             </p:childTnLst>
                           </p:cTn>
                         </p:par>
-                      </p:childTnLst>
-                    </p:cTn>
-                  </p:par>
-                  <p:par>
-                    <p:cTn id="7" fill="hold">
-                      <p:stCondLst>
-                        <p:cond delay="indefinite"/>
-                      </p:stCondLst>
-                      <p:childTnLst>
                         <p:par>
-                          <p:cTn id="8" fill="hold">
+                          <p:cTn id="7" fill="hold">
                             <p:stCondLst>
-                              <p:cond delay="0"/>
+                              <p:cond delay="2101"/>
                             </p:stCondLst>
                             <p:childTnLst>
                               <p:par>
-                                <p:cTn id="9" presetID="10" presetClass="exit" presetSubtype="0" fill="hold" grpId="1" nodeType="clickEffect">
+                                <p:cTn id="8" presetID="10" presetClass="exit" presetSubtype="0" fill="hold" grpId="1" nodeType="afterEffect">
                                   <p:stCondLst>
-                                    <p:cond delay="0"/>
+                                    <p:cond delay="500"/>
                                   </p:stCondLst>
                                   <p:iterate type="lt">
                                     <p:tmPct val="0"/>
@@ -4719,7 +6268,7 @@
                                   <p:childTnLst>
                                     <p:animEffect transition="out" filter="fade">
                                       <p:cBhvr>
-                                        <p:cTn id="10" dur="500"/>
+                                        <p:cTn id="9" dur="500"/>
                                         <p:tgtEl>
                                           <p:spTgt spid="6"/>
                                         </p:tgtEl>
@@ -4727,7 +6276,7 @@
                                     </p:animEffect>
                                     <p:set>
                                       <p:cBhvr>
-                                        <p:cTn id="11" dur="1" fill="hold">
+                                        <p:cTn id="10" dur="1" fill="hold">
                                           <p:stCondLst>
                                             <p:cond delay="499"/>
                                           </p:stCondLst>
@@ -4749,30 +6298,21 @@
                             </p:childTnLst>
                           </p:cTn>
                         </p:par>
-                      </p:childTnLst>
-                    </p:cTn>
-                  </p:par>
-                  <p:par>
-                    <p:cTn id="12" fill="hold">
-                      <p:stCondLst>
-                        <p:cond delay="indefinite"/>
-                      </p:stCondLst>
-                      <p:childTnLst>
                         <p:par>
-                          <p:cTn id="13" fill="hold">
+                          <p:cTn id="11" fill="hold">
                             <p:stCondLst>
-                              <p:cond delay="0"/>
+                              <p:cond delay="3101"/>
                             </p:stCondLst>
                             <p:childTnLst>
                               <p:par>
-                                <p:cTn id="14" presetID="53" presetClass="entr" presetSubtype="16" fill="hold" grpId="1" nodeType="clickEffect">
+                                <p:cTn id="12" presetID="53" presetClass="entr" presetSubtype="16" fill="hold" grpId="1" nodeType="afterEffect">
                                   <p:stCondLst>
-                                    <p:cond delay="500"/>
+                                    <p:cond delay="1000"/>
                                   </p:stCondLst>
                                   <p:childTnLst>
                                     <p:set>
                                       <p:cBhvr>
-                                        <p:cTn id="15" dur="1" fill="hold">
+                                        <p:cTn id="13" dur="1" fill="hold">
                                           <p:stCondLst>
                                             <p:cond delay="0"/>
                                           </p:stCondLst>
@@ -4790,7 +6330,7 @@
                                     </p:set>
                                     <p:anim calcmode="lin" valueType="num">
                                       <p:cBhvr>
-                                        <p:cTn id="16" dur="500" fill="hold"/>
+                                        <p:cTn id="14" dur="500" fill="hold"/>
                                         <p:tgtEl>
                                           <p:spTgt spid="8"/>
                                         </p:tgtEl>
@@ -4813,7 +6353,7 @@
                                     </p:anim>
                                     <p:anim calcmode="lin" valueType="num">
                                       <p:cBhvr>
-                                        <p:cTn id="17" dur="500" fill="hold"/>
+                                        <p:cTn id="15" dur="500" fill="hold"/>
                                         <p:tgtEl>
                                           <p:spTgt spid="8"/>
                                         </p:tgtEl>
@@ -4836,7 +6376,7 @@
                                     </p:anim>
                                     <p:animEffect transition="in" filter="fade">
                                       <p:cBhvr>
-                                        <p:cTn id="18" dur="500"/>
+                                        <p:cTn id="16" dur="500"/>
                                         <p:tgtEl>
                                           <p:spTgt spid="8"/>
                                         </p:tgtEl>
@@ -4848,30 +6388,21 @@
                             </p:childTnLst>
                           </p:cTn>
                         </p:par>
-                      </p:childTnLst>
-                    </p:cTn>
-                  </p:par>
-                  <p:par>
-                    <p:cTn id="19" fill="hold">
-                      <p:stCondLst>
-                        <p:cond delay="indefinite"/>
-                      </p:stCondLst>
-                      <p:childTnLst>
                         <p:par>
-                          <p:cTn id="20" fill="hold">
+                          <p:cTn id="17" fill="hold">
                             <p:stCondLst>
-                              <p:cond delay="0"/>
+                              <p:cond delay="4601"/>
                             </p:stCondLst>
                             <p:childTnLst>
                               <p:par>
-                                <p:cTn id="21" presetID="57" presetClass="path" presetSubtype="0" accel="50000" decel="50000" fill="hold" grpId="0" nodeType="clickEffect">
+                                <p:cTn id="18" presetID="57" presetClass="path" presetSubtype="0" accel="50000" decel="50000" fill="hold" grpId="0" nodeType="afterEffect">
                                   <p:stCondLst>
                                     <p:cond delay="0"/>
                                   </p:stCondLst>
                                   <p:childTnLst>
                                     <p:animMotion origin="layout" path="M -4.58333E-6 7.40741E-7 C -4.58333E-6 -0.05579 -4.58333E-6 -0.06296 0.00183 -0.12847 C 0.00456 -0.20116 -0.00546 -0.29074 0.11003 -0.29074 L 0.2543 -0.29213 " pathEditMode="fixed" rAng="0" ptsTypes="AAAA">
                                       <p:cBhvr>
-                                        <p:cTn id="22" dur="2000" fill="hold"/>
+                                        <p:cTn id="19" dur="4000" fill="hold"/>
                                         <p:tgtEl>
                                           <p:spTgt spid="8"/>
                                         </p:tgtEl>
@@ -4888,32 +6419,31 @@
                             </p:childTnLst>
                           </p:cTn>
                         </p:par>
-                      </p:childTnLst>
-                    </p:cTn>
-                  </p:par>
-                  <p:par>
-                    <p:cTn id="23" fill="hold">
-                      <p:stCondLst>
-                        <p:cond delay="indefinite"/>
-                      </p:stCondLst>
-                      <p:childTnLst>
                         <p:par>
-                          <p:cTn id="24" fill="hold">
+                          <p:cTn id="20" fill="hold">
                             <p:stCondLst>
-                              <p:cond delay="0"/>
+                              <p:cond delay="8601"/>
                             </p:stCondLst>
                             <p:childTnLst>
                               <p:par>
-                                <p:cTn id="25" presetID="1" presetClass="exit" presetSubtype="0" fill="hold" grpId="2" nodeType="clickEffect">
+                                <p:cTn id="21" presetID="10" presetClass="exit" presetSubtype="0" fill="hold" grpId="2" nodeType="afterEffect">
                                   <p:stCondLst>
-                                    <p:cond delay="0"/>
+                                    <p:cond delay="500"/>
                                   </p:stCondLst>
                                   <p:childTnLst>
+                                    <p:animEffect transition="out" filter="fade">
+                                      <p:cBhvr>
+                                        <p:cTn id="22" dur="500"/>
+                                        <p:tgtEl>
+                                          <p:spTgt spid="8"/>
+                                        </p:tgtEl>
+                                      </p:cBhvr>
+                                    </p:animEffect>
                                     <p:set>
                                       <p:cBhvr>
-                                        <p:cTn id="26" dur="1" fill="hold">
+                                        <p:cTn id="23" dur="1" fill="hold">
                                           <p:stCondLst>
-                                            <p:cond delay="0"/>
+                                            <p:cond delay="499"/>
                                           </p:stCondLst>
                                         </p:cTn>
                                         <p:tgtEl>
@@ -4933,30 +6463,21 @@
                             </p:childTnLst>
                           </p:cTn>
                         </p:par>
-                      </p:childTnLst>
-                    </p:cTn>
-                  </p:par>
-                  <p:par>
-                    <p:cTn id="27" fill="hold">
-                      <p:stCondLst>
-                        <p:cond delay="indefinite"/>
-                      </p:stCondLst>
-                      <p:childTnLst>
                         <p:par>
-                          <p:cTn id="28" fill="hold">
+                          <p:cTn id="24" fill="hold">
                             <p:stCondLst>
-                              <p:cond delay="0"/>
+                              <p:cond delay="9601"/>
                             </p:stCondLst>
                             <p:childTnLst>
                               <p:par>
-                                <p:cTn id="29" presetID="1" presetClass="entr" presetSubtype="0" fill="hold" grpId="1" nodeType="clickEffect">
+                                <p:cTn id="25" presetID="10" presetClass="entr" presetSubtype="0" fill="hold" grpId="1" nodeType="afterEffect">
                                   <p:stCondLst>
                                     <p:cond delay="0"/>
                                   </p:stCondLst>
                                   <p:childTnLst>
                                     <p:set>
                                       <p:cBhvr>
-                                        <p:cTn id="30" dur="1" fill="hold">
+                                        <p:cTn id="26" dur="1" fill="hold">
                                           <p:stCondLst>
                                             <p:cond delay="0"/>
                                           </p:stCondLst>
@@ -4972,36 +6493,35 @@
                                         <p:strVal val="visible"/>
                                       </p:to>
                                     </p:set>
+                                    <p:animEffect transition="in" filter="fade">
+                                      <p:cBhvr>
+                                        <p:cTn id="27" dur="500"/>
+                                        <p:tgtEl>
+                                          <p:spTgt spid="10"/>
+                                        </p:tgtEl>
+                                      </p:cBhvr>
+                                    </p:animEffect>
                                   </p:childTnLst>
                                 </p:cTn>
                               </p:par>
                             </p:childTnLst>
                           </p:cTn>
                         </p:par>
-                      </p:childTnLst>
-                    </p:cTn>
-                  </p:par>
-                  <p:par>
-                    <p:cTn id="31" fill="hold">
-                      <p:stCondLst>
-                        <p:cond delay="indefinite"/>
-                      </p:stCondLst>
-                      <p:childTnLst>
                         <p:par>
-                          <p:cTn id="32" fill="hold">
+                          <p:cTn id="28" fill="hold">
                             <p:stCondLst>
-                              <p:cond delay="0"/>
+                              <p:cond delay="10101"/>
                             </p:stCondLst>
                             <p:childTnLst>
                               <p:par>
-                                <p:cTn id="33" presetID="57" presetClass="path" presetSubtype="0" accel="50000" decel="50000" fill="hold" grpId="2" nodeType="clickEffect">
+                                <p:cTn id="29" presetID="57" presetClass="path" presetSubtype="0" accel="50000" decel="50000" fill="hold" grpId="2" nodeType="afterEffect">
                                   <p:stCondLst>
                                     <p:cond delay="0"/>
                                   </p:stCondLst>
                                   <p:childTnLst>
-                                    <p:animMotion origin="layout" path="M -0.0082 -0.00023 C -0.0082 -0.04074 -0.01094 -0.09074 -0.0125 -0.12731 C -0.0151 -0.19236 -0.03711 -0.37801 -0.00169 -0.37801 L 0.01367 -0.37916 " pathEditMode="relative" rAng="0" ptsTypes="AAAA">
+                                    <p:animMotion origin="layout" path="M -0.0082 -0.00046 C -0.00963 -0.04954 -0.02928 -0.23194 -0.01718 -0.29444 C -0.0026 -0.3581 0.04777 -0.35995 0.06482 -0.37731 " pathEditMode="relative" rAng="0" ptsTypes="asa">
                                       <p:cBhvr>
-                                        <p:cTn id="34" dur="2000" fill="hold"/>
+                                        <p:cTn id="30" dur="3500" fill="hold"/>
                                         <p:tgtEl>
                                           <p:spTgt spid="10"/>
                                         </p:tgtEl>
@@ -5010,7 +6530,7 @@
                                           <p:attrName>ppt_y</p:attrName>
                                         </p:attrNameLst>
                                       </p:cBhvr>
-                                      <p:rCtr x="417" y="-18958"/>
+                                      <p:rCtr x="2590" y="-18843"/>
                                     </p:animMotion>
                                   </p:childTnLst>
                                 </p:cTn>
@@ -5018,30 +6538,21 @@
                             </p:childTnLst>
                           </p:cTn>
                         </p:par>
-                      </p:childTnLst>
-                    </p:cTn>
-                  </p:par>
-                  <p:par>
-                    <p:cTn id="35" fill="hold">
-                      <p:stCondLst>
-                        <p:cond delay="indefinite"/>
-                      </p:stCondLst>
-                      <p:childTnLst>
                         <p:par>
-                          <p:cTn id="36" fill="hold">
+                          <p:cTn id="31" fill="hold">
                             <p:stCondLst>
-                              <p:cond delay="0"/>
+                              <p:cond delay="13601"/>
                             </p:stCondLst>
                             <p:childTnLst>
                               <p:par>
-                                <p:cTn id="37" presetID="10" presetClass="exit" presetSubtype="0" fill="hold" grpId="3" nodeType="clickEffect">
+                                <p:cTn id="32" presetID="10" presetClass="exit" presetSubtype="0" fill="hold" grpId="3" nodeType="afterEffect">
                                   <p:stCondLst>
-                                    <p:cond delay="0"/>
+                                    <p:cond delay="500"/>
                                   </p:stCondLst>
                                   <p:childTnLst>
                                     <p:animEffect transition="out" filter="fade">
                                       <p:cBhvr>
-                                        <p:cTn id="38" dur="500"/>
+                                        <p:cTn id="33" dur="500"/>
                                         <p:tgtEl>
                                           <p:spTgt spid="10"/>
                                         </p:tgtEl>
@@ -5049,7 +6560,7 @@
                                     </p:animEffect>
                                     <p:set>
                                       <p:cBhvr>
-                                        <p:cTn id="39" dur="1" fill="hold">
+                                        <p:cTn id="34" dur="1" fill="hold">
                                           <p:stCondLst>
                                             <p:cond delay="499"/>
                                           </p:stCondLst>
@@ -5071,30 +6582,21 @@
                             </p:childTnLst>
                           </p:cTn>
                         </p:par>
-                      </p:childTnLst>
-                    </p:cTn>
-                  </p:par>
-                  <p:par>
-                    <p:cTn id="40" fill="hold">
-                      <p:stCondLst>
-                        <p:cond delay="indefinite"/>
-                      </p:stCondLst>
-                      <p:childTnLst>
                         <p:par>
-                          <p:cTn id="41" fill="hold">
+                          <p:cTn id="35" fill="hold">
                             <p:stCondLst>
-                              <p:cond delay="0"/>
+                              <p:cond delay="14601"/>
                             </p:stCondLst>
                             <p:childTnLst>
                               <p:par>
-                                <p:cTn id="42" presetID="8" presetClass="emph" presetSubtype="0" fill="hold" nodeType="clickEffect">
+                                <p:cTn id="36" presetID="8" presetClass="emph" presetSubtype="0" fill="hold" nodeType="afterEffect">
                                   <p:stCondLst>
                                     <p:cond delay="0"/>
                                   </p:stCondLst>
                                   <p:childTnLst>
                                     <p:animRot by="10800000">
                                       <p:cBhvr>
-                                        <p:cTn id="43" dur="1000" fill="hold"/>
+                                        <p:cTn id="37" dur="1000" fill="hold"/>
                                         <p:tgtEl>
                                           <p:spTgt spid="1028"/>
                                         </p:tgtEl>
@@ -5109,30 +6611,21 @@
                             </p:childTnLst>
                           </p:cTn>
                         </p:par>
-                      </p:childTnLst>
-                    </p:cTn>
-                  </p:par>
-                  <p:par>
-                    <p:cTn id="44" fill="hold">
-                      <p:stCondLst>
-                        <p:cond delay="indefinite"/>
-                      </p:stCondLst>
-                      <p:childTnLst>
                         <p:par>
-                          <p:cTn id="45" fill="hold">
+                          <p:cTn id="38" fill="hold">
                             <p:stCondLst>
-                              <p:cond delay="0"/>
+                              <p:cond delay="16601"/>
                             </p:stCondLst>
                             <p:childTnLst>
                               <p:par>
-                                <p:cTn id="46" presetID="1" presetClass="entr" presetSubtype="0" fill="hold" grpId="1" nodeType="clickEffect">
+                                <p:cTn id="39" presetID="1" presetClass="entr" presetSubtype="0" fill="hold" grpId="1" nodeType="afterEffect">
                                   <p:stCondLst>
                                     <p:cond delay="0"/>
                                   </p:stCondLst>
                                   <p:childTnLst>
                                     <p:set>
                                       <p:cBhvr>
-                                        <p:cTn id="47" dur="1" fill="hold">
+                                        <p:cTn id="40" dur="1" fill="hold">
                                           <p:stCondLst>
                                             <p:cond delay="0"/>
                                           </p:stCondLst>
@@ -5154,30 +6647,21 @@
                             </p:childTnLst>
                           </p:cTn>
                         </p:par>
-                      </p:childTnLst>
-                    </p:cTn>
-                  </p:par>
-                  <p:par>
-                    <p:cTn id="48" fill="hold">
-                      <p:stCondLst>
-                        <p:cond delay="indefinite"/>
-                      </p:stCondLst>
-                      <p:childTnLst>
                         <p:par>
-                          <p:cTn id="49" fill="hold">
+                          <p:cTn id="41" fill="hold">
                             <p:stCondLst>
-                              <p:cond delay="0"/>
+                              <p:cond delay="16601"/>
                             </p:stCondLst>
                             <p:childTnLst>
                               <p:par>
-                                <p:cTn id="50" presetID="50" presetClass="path" presetSubtype="0" accel="50000" decel="50000" fill="hold" grpId="0" nodeType="clickEffect">
+                                <p:cTn id="42" presetID="50" presetClass="path" presetSubtype="0" accel="50000" decel="50000" fill="hold" grpId="0" nodeType="afterEffect">
                                   <p:stCondLst>
                                     <p:cond delay="0"/>
                                   </p:stCondLst>
                                   <p:childTnLst>
                                     <p:animMotion origin="layout" path="M -1.45833E-6 -3.7037E-6 C 0.04141 -3.7037E-6 -0.00963 -0.00254 0.03203 -0.00254 C 0.08789 -0.00254 0.07774 0.06736 0.07774 0.12361 C 0.07774 0.16551 0.0793 0.15857 0.0793 0.2007 " pathEditMode="relative" rAng="0" ptsTypes="AAAA">
                                       <p:cBhvr>
-                                        <p:cTn id="51" dur="2000" fill="hold"/>
+                                        <p:cTn id="43" dur="3000" fill="hold"/>
                                         <p:tgtEl>
                                           <p:spTgt spid="11"/>
                                         </p:tgtEl>
@@ -5194,30 +6678,21 @@
                             </p:childTnLst>
                           </p:cTn>
                         </p:par>
-                      </p:childTnLst>
-                    </p:cTn>
-                  </p:par>
-                  <p:par>
-                    <p:cTn id="52" fill="hold">
-                      <p:stCondLst>
-                        <p:cond delay="indefinite"/>
-                      </p:stCondLst>
-                      <p:childTnLst>
                         <p:par>
-                          <p:cTn id="53" fill="hold">
+                          <p:cTn id="44" fill="hold">
                             <p:stCondLst>
-                              <p:cond delay="0"/>
+                              <p:cond delay="19601"/>
                             </p:stCondLst>
                             <p:childTnLst>
                               <p:par>
-                                <p:cTn id="54" presetID="10" presetClass="exit" presetSubtype="0" fill="hold" grpId="2" nodeType="clickEffect">
+                                <p:cTn id="45" presetID="10" presetClass="exit" presetSubtype="0" fill="hold" grpId="2" nodeType="afterEffect">
                                   <p:stCondLst>
                                     <p:cond delay="0"/>
                                   </p:stCondLst>
                                   <p:childTnLst>
                                     <p:animEffect transition="out" filter="fade">
                                       <p:cBhvr>
-                                        <p:cTn id="55" dur="500"/>
+                                        <p:cTn id="46" dur="500"/>
                                         <p:tgtEl>
                                           <p:spTgt spid="11"/>
                                         </p:tgtEl>
@@ -5225,7 +6700,7 @@
                                     </p:animEffect>
                                     <p:set>
                                       <p:cBhvr>
-                                        <p:cTn id="56" dur="1" fill="hold">
+                                        <p:cTn id="47" dur="1" fill="hold">
                                           <p:stCondLst>
                                             <p:cond delay="499"/>
                                           </p:stCondLst>
@@ -5241,6 +6716,390 @@
                                         <p:strVal val="hidden"/>
                                       </p:to>
                                     </p:set>
+                                  </p:childTnLst>
+                                </p:cTn>
+                              </p:par>
+                            </p:childTnLst>
+                          </p:cTn>
+                        </p:par>
+                        <p:par>
+                          <p:cTn id="48" fill="hold">
+                            <p:stCondLst>
+                              <p:cond delay="20101"/>
+                            </p:stCondLst>
+                            <p:childTnLst>
+                              <p:par>
+                                <p:cTn id="49" presetID="8" presetClass="emph" presetSubtype="0" fill="hold" nodeType="afterEffect">
+                                  <p:stCondLst>
+                                    <p:cond delay="0"/>
+                                  </p:stCondLst>
+                                  <p:childTnLst>
+                                    <p:animRot by="21600000">
+                                      <p:cBhvr>
+                                        <p:cTn id="50" dur="2000" fill="hold"/>
+                                        <p:tgtEl>
+                                          <p:spTgt spid="33"/>
+                                        </p:tgtEl>
+                                        <p:attrNameLst>
+                                          <p:attrName>r</p:attrName>
+                                        </p:attrNameLst>
+                                      </p:cBhvr>
+                                    </p:animRot>
+                                  </p:childTnLst>
+                                </p:cTn>
+                              </p:par>
+                            </p:childTnLst>
+                          </p:cTn>
+                        </p:par>
+                        <p:par>
+                          <p:cTn id="51" fill="hold">
+                            <p:stCondLst>
+                              <p:cond delay="22101"/>
+                            </p:stCondLst>
+                            <p:childTnLst>
+                              <p:par>
+                                <p:cTn id="52" presetID="10" presetClass="entr" presetSubtype="0" fill="hold" nodeType="afterEffect">
+                                  <p:stCondLst>
+                                    <p:cond delay="500"/>
+                                  </p:stCondLst>
+                                  <p:childTnLst>
+                                    <p:set>
+                                      <p:cBhvr>
+                                        <p:cTn id="53" dur="1" fill="hold">
+                                          <p:stCondLst>
+                                            <p:cond delay="0"/>
+                                          </p:stCondLst>
+                                        </p:cTn>
+                                        <p:tgtEl>
+                                          <p:spTgt spid="3078"/>
+                                        </p:tgtEl>
+                                        <p:attrNameLst>
+                                          <p:attrName>style.visibility</p:attrName>
+                                        </p:attrNameLst>
+                                      </p:cBhvr>
+                                      <p:to>
+                                        <p:strVal val="visible"/>
+                                      </p:to>
+                                    </p:set>
+                                    <p:animEffect transition="in" filter="fade">
+                                      <p:cBhvr>
+                                        <p:cTn id="54" dur="500"/>
+                                        <p:tgtEl>
+                                          <p:spTgt spid="3078"/>
+                                        </p:tgtEl>
+                                      </p:cBhvr>
+                                    </p:animEffect>
+                                  </p:childTnLst>
+                                </p:cTn>
+                              </p:par>
+                            </p:childTnLst>
+                          </p:cTn>
+                        </p:par>
+                        <p:par>
+                          <p:cTn id="55" fill="hold">
+                            <p:stCondLst>
+                              <p:cond delay="23101"/>
+                            </p:stCondLst>
+                            <p:childTnLst>
+                              <p:par>
+                                <p:cTn id="56" presetID="50" presetClass="path" presetSubtype="0" accel="50000" decel="50000" fill="hold" nodeType="afterEffect">
+                                  <p:stCondLst>
+                                    <p:cond delay="0"/>
+                                  </p:stCondLst>
+                                  <p:childTnLst>
+                                    <p:animMotion origin="layout" path="M 0.00053 2.6827E-6 C -0.00338 0.0259 0.00586 0.12118 -0.022 0.15564 C -0.04987 0.19033 -0.072 0.17553 -0.08515 0.18062 " pathEditMode="relative" rAng="0" ptsTypes="fsf">
+                                      <p:cBhvr>
+                                        <p:cTn id="57" dur="3000" fill="hold"/>
+                                        <p:tgtEl>
+                                          <p:spTgt spid="3078"/>
+                                        </p:tgtEl>
+                                        <p:attrNameLst>
+                                          <p:attrName>ppt_x</p:attrName>
+                                          <p:attrName>ppt_y</p:attrName>
+                                        </p:attrNameLst>
+                                      </p:cBhvr>
+                                      <p:rCtr x="-4023" y="9505"/>
+                                    </p:animMotion>
+                                  </p:childTnLst>
+                                </p:cTn>
+                              </p:par>
+                            </p:childTnLst>
+                          </p:cTn>
+                        </p:par>
+                        <p:par>
+                          <p:cTn id="58" fill="hold">
+                            <p:stCondLst>
+                              <p:cond delay="26101"/>
+                            </p:stCondLst>
+                            <p:childTnLst>
+                              <p:par>
+                                <p:cTn id="59" presetID="10" presetClass="exit" presetSubtype="0" fill="hold" nodeType="afterEffect">
+                                  <p:stCondLst>
+                                    <p:cond delay="0"/>
+                                  </p:stCondLst>
+                                  <p:childTnLst>
+                                    <p:animEffect transition="out" filter="fade">
+                                      <p:cBhvr>
+                                        <p:cTn id="60" dur="500"/>
+                                        <p:tgtEl>
+                                          <p:spTgt spid="3078"/>
+                                        </p:tgtEl>
+                                      </p:cBhvr>
+                                    </p:animEffect>
+                                    <p:set>
+                                      <p:cBhvr>
+                                        <p:cTn id="61" dur="1" fill="hold">
+                                          <p:stCondLst>
+                                            <p:cond delay="499"/>
+                                          </p:stCondLst>
+                                        </p:cTn>
+                                        <p:tgtEl>
+                                          <p:spTgt spid="3078"/>
+                                        </p:tgtEl>
+                                        <p:attrNameLst>
+                                          <p:attrName>style.visibility</p:attrName>
+                                        </p:attrNameLst>
+                                      </p:cBhvr>
+                                      <p:to>
+                                        <p:strVal val="hidden"/>
+                                      </p:to>
+                                    </p:set>
+                                  </p:childTnLst>
+                                </p:cTn>
+                              </p:par>
+                            </p:childTnLst>
+                          </p:cTn>
+                        </p:par>
+                        <p:par>
+                          <p:cTn id="62" fill="hold">
+                            <p:stCondLst>
+                              <p:cond delay="26601"/>
+                            </p:stCondLst>
+                            <p:childTnLst>
+                              <p:par>
+                                <p:cTn id="63" presetID="26" presetClass="emph" presetSubtype="0" fill="hold" nodeType="afterEffect">
+                                  <p:stCondLst>
+                                    <p:cond delay="0"/>
+                                  </p:stCondLst>
+                                  <p:childTnLst>
+                                    <p:animEffect transition="out" filter="fade">
+                                      <p:cBhvr>
+                                        <p:cTn id="64" dur="500" tmFilter="0, 0; .2, .5; .8, .5; 1, 0"/>
+                                        <p:tgtEl>
+                                          <p:spTgt spid="5"/>
+                                        </p:tgtEl>
+                                      </p:cBhvr>
+                                    </p:animEffect>
+                                    <p:animScale>
+                                      <p:cBhvr>
+                                        <p:cTn id="65" dur="250" autoRev="1" fill="hold"/>
+                                        <p:tgtEl>
+                                          <p:spTgt spid="5"/>
+                                        </p:tgtEl>
+                                      </p:cBhvr>
+                                      <p:by x="105000" y="105000"/>
+                                    </p:animScale>
+                                  </p:childTnLst>
+                                </p:cTn>
+                              </p:par>
+                            </p:childTnLst>
+                          </p:cTn>
+                        </p:par>
+                        <p:par>
+                          <p:cTn id="66" fill="hold">
+                            <p:stCondLst>
+                              <p:cond delay="27101"/>
+                            </p:stCondLst>
+                            <p:childTnLst>
+                              <p:par>
+                                <p:cTn id="67" presetID="1" presetClass="entr" presetSubtype="0" fill="hold" grpId="1" nodeType="afterEffect">
+                                  <p:stCondLst>
+                                    <p:cond delay="0"/>
+                                  </p:stCondLst>
+                                  <p:childTnLst>
+                                    <p:set>
+                                      <p:cBhvr>
+                                        <p:cTn id="68" dur="1" fill="hold">
+                                          <p:stCondLst>
+                                            <p:cond delay="0"/>
+                                          </p:stCondLst>
+                                        </p:cTn>
+                                        <p:tgtEl>
+                                          <p:spTgt spid="23"/>
+                                        </p:tgtEl>
+                                        <p:attrNameLst>
+                                          <p:attrName>style.visibility</p:attrName>
+                                        </p:attrNameLst>
+                                      </p:cBhvr>
+                                      <p:to>
+                                        <p:strVal val="visible"/>
+                                      </p:to>
+                                    </p:set>
+                                  </p:childTnLst>
+                                </p:cTn>
+                              </p:par>
+                            </p:childTnLst>
+                          </p:cTn>
+                        </p:par>
+                        <p:par>
+                          <p:cTn id="69" fill="hold">
+                            <p:stCondLst>
+                              <p:cond delay="27101"/>
+                            </p:stCondLst>
+                            <p:childTnLst>
+                              <p:par>
+                                <p:cTn id="70" presetID="50" presetClass="path" presetSubtype="0" accel="50000" decel="50000" fill="hold" grpId="0" nodeType="afterEffect">
+                                  <p:stCondLst>
+                                    <p:cond delay="0"/>
+                                  </p:stCondLst>
+                                  <p:childTnLst>
+                                    <p:animMotion origin="layout" path="M 0.01991 -0.03565 C 0.00989 -0.04328 -0.02473 -0.05393 -0.04061 -0.07754 C -0.05649 -0.10115 -0.06977 -0.12523 -0.07537 -0.17777 C -0.08096 -0.23032 -0.07458 -0.34745 -0.07432 -0.3919 " pathEditMode="relative" rAng="0" ptsTypes="aaaa">
+                                      <p:cBhvr>
+                                        <p:cTn id="71" dur="3000" fill="hold"/>
+                                        <p:tgtEl>
+                                          <p:spTgt spid="23"/>
+                                        </p:tgtEl>
+                                        <p:attrNameLst>
+                                          <p:attrName>ppt_x</p:attrName>
+                                          <p:attrName>ppt_y</p:attrName>
+                                        </p:attrNameLst>
+                                      </p:cBhvr>
+                                      <p:rCtr x="-5050" y="-17824"/>
+                                    </p:animMotion>
+                                  </p:childTnLst>
+                                </p:cTn>
+                              </p:par>
+                            </p:childTnLst>
+                          </p:cTn>
+                        </p:par>
+                        <p:par>
+                          <p:cTn id="72" fill="hold">
+                            <p:stCondLst>
+                              <p:cond delay="30101"/>
+                            </p:stCondLst>
+                            <p:childTnLst>
+                              <p:par>
+                                <p:cTn id="73" presetID="10" presetClass="exit" presetSubtype="0" fill="hold" grpId="2" nodeType="afterEffect">
+                                  <p:stCondLst>
+                                    <p:cond delay="250"/>
+                                  </p:stCondLst>
+                                  <p:childTnLst>
+                                    <p:animEffect transition="out" filter="fade">
+                                      <p:cBhvr>
+                                        <p:cTn id="74" dur="500"/>
+                                        <p:tgtEl>
+                                          <p:spTgt spid="23"/>
+                                        </p:tgtEl>
+                                      </p:cBhvr>
+                                    </p:animEffect>
+                                    <p:set>
+                                      <p:cBhvr>
+                                        <p:cTn id="75" dur="1" fill="hold">
+                                          <p:stCondLst>
+                                            <p:cond delay="499"/>
+                                          </p:stCondLst>
+                                        </p:cTn>
+                                        <p:tgtEl>
+                                          <p:spTgt spid="23"/>
+                                        </p:tgtEl>
+                                        <p:attrNameLst>
+                                          <p:attrName>style.visibility</p:attrName>
+                                        </p:attrNameLst>
+                                      </p:cBhvr>
+                                      <p:to>
+                                        <p:strVal val="hidden"/>
+                                      </p:to>
+                                    </p:set>
+                                  </p:childTnLst>
+                                </p:cTn>
+                              </p:par>
+                            </p:childTnLst>
+                          </p:cTn>
+                        </p:par>
+                        <p:par>
+                          <p:cTn id="76" fill="hold">
+                            <p:stCondLst>
+                              <p:cond delay="30851"/>
+                            </p:stCondLst>
+                            <p:childTnLst>
+                              <p:par>
+                                <p:cTn id="77" presetID="42" presetClass="entr" presetSubtype="0" fill="hold" grpId="0" nodeType="afterEffect">
+                                  <p:stCondLst>
+                                    <p:cond delay="0"/>
+                                  </p:stCondLst>
+                                  <p:childTnLst>
+                                    <p:set>
+                                      <p:cBhvr>
+                                        <p:cTn id="78" dur="1" fill="hold">
+                                          <p:stCondLst>
+                                            <p:cond delay="0"/>
+                                          </p:stCondLst>
+                                        </p:cTn>
+                                        <p:tgtEl>
+                                          <p:spTgt spid="40"/>
+                                        </p:tgtEl>
+                                        <p:attrNameLst>
+                                          <p:attrName>style.visibility</p:attrName>
+                                        </p:attrNameLst>
+                                      </p:cBhvr>
+                                      <p:to>
+                                        <p:strVal val="visible"/>
+                                      </p:to>
+                                    </p:set>
+                                    <p:animEffect transition="in" filter="fade">
+                                      <p:cBhvr>
+                                        <p:cTn id="79" dur="1000"/>
+                                        <p:tgtEl>
+                                          <p:spTgt spid="40"/>
+                                        </p:tgtEl>
+                                      </p:cBhvr>
+                                    </p:animEffect>
+                                    <p:anim calcmode="lin" valueType="num">
+                                      <p:cBhvr>
+                                        <p:cTn id="80" dur="1000" fill="hold"/>
+                                        <p:tgtEl>
+                                          <p:spTgt spid="40"/>
+                                        </p:tgtEl>
+                                        <p:attrNameLst>
+                                          <p:attrName>ppt_x</p:attrName>
+                                        </p:attrNameLst>
+                                      </p:cBhvr>
+                                      <p:tavLst>
+                                        <p:tav tm="0">
+                                          <p:val>
+                                            <p:strVal val="#ppt_x"/>
+                                          </p:val>
+                                        </p:tav>
+                                        <p:tav tm="100000">
+                                          <p:val>
+                                            <p:strVal val="#ppt_x"/>
+                                          </p:val>
+                                        </p:tav>
+                                      </p:tavLst>
+                                    </p:anim>
+                                    <p:anim calcmode="lin" valueType="num">
+                                      <p:cBhvr>
+                                        <p:cTn id="81" dur="1000" fill="hold"/>
+                                        <p:tgtEl>
+                                          <p:spTgt spid="40"/>
+                                        </p:tgtEl>
+                                        <p:attrNameLst>
+                                          <p:attrName>ppt_y</p:attrName>
+                                        </p:attrNameLst>
+                                      </p:cBhvr>
+                                      <p:tavLst>
+                                        <p:tav tm="0">
+                                          <p:val>
+                                            <p:strVal val="#ppt_y+.1"/>
+                                          </p:val>
+                                        </p:tav>
+                                        <p:tav tm="100000">
+                                          <p:val>
+                                            <p:strVal val="#ppt_y"/>
+                                          </p:val>
+                                        </p:tav>
+                                      </p:tavLst>
+                                    </p:anim>
                                   </p:childTnLst>
                                 </p:cTn>
                               </p:par>
@@ -5283,783 +7142,11 @@
       <p:bldP spid="11" grpId="0"/>
       <p:bldP spid="11" grpId="1"/>
       <p:bldP spid="11" grpId="2"/>
+      <p:bldP spid="23" grpId="0"/>
+      <p:bldP spid="23" grpId="1"/>
+      <p:bldP spid="23" grpId="2"/>
+      <p:bldP spid="40" grpId="0"/>
     </p:bldLst>
-  </p:timing>
-</p:sld>
-</file>
-
-<file path=ppt/slides/slide5.xml><?xml version="1.0" encoding="utf-8"?>
-<p:sld xmlns:a="http://schemas.openxmlformats.org/drawingml/2006/main" xmlns:r="http://schemas.openxmlformats.org/officeDocument/2006/relationships" xmlns:p="http://schemas.openxmlformats.org/presentationml/2006/main">
-  <p:cSld>
-    <p:bg>
-      <p:bgPr>
-        <a:solidFill>
-          <a:schemeClr val="accent6">
-            <a:lumMod val="75000"/>
-          </a:schemeClr>
-        </a:solidFill>
-        <a:effectLst/>
-      </p:bgPr>
-    </p:bg>
-    <p:spTree>
-      <p:nvGrpSpPr>
-        <p:cNvPr id="1" name=""/>
-        <p:cNvGrpSpPr/>
-        <p:nvPr/>
-      </p:nvGrpSpPr>
-      <p:grpSpPr>
-        <a:xfrm>
-          <a:off x="0" y="0"/>
-          <a:ext cx="0" cy="0"/>
-          <a:chOff x="0" y="0"/>
-          <a:chExt cx="0" cy="0"/>
-        </a:xfrm>
-      </p:grpSpPr>
-      <p:sp>
-        <p:nvSpPr>
-          <p:cNvPr id="2" name="Title 1"/>
-          <p:cNvSpPr>
-            <a:spLocks noGrp="1"/>
-          </p:cNvSpPr>
-          <p:nvPr>
-            <p:ph type="title"/>
-          </p:nvPr>
-        </p:nvSpPr>
-        <p:spPr/>
-        <p:txBody>
-          <a:bodyPr>
-            <a:normAutofit/>
-          </a:bodyPr>
-          <a:lstStyle/>
-          <a:p>
-            <a:r>
-              <a:rPr lang="en-IN" sz="6600" dirty="0" smtClean="0">
-                <a:solidFill>
-                  <a:srgbClr val="AFDC7E"/>
-                </a:solidFill>
-                <a:latin typeface="Arial Black" panose="020B0A04020102020204" pitchFamily="34" charset="0"/>
-              </a:rPr>
-              <a:t>Technology </a:t>
-            </a:r>
-            <a:r>
-              <a:rPr lang="en-IN" sz="6600" dirty="0" smtClean="0">
-                <a:solidFill>
-                  <a:srgbClr val="AFDC7E"/>
-                </a:solidFill>
-                <a:latin typeface="Arial Black" panose="020B0A04020102020204" pitchFamily="34" charset="0"/>
-              </a:rPr>
-              <a:t>Stack</a:t>
-            </a:r>
-            <a:endParaRPr lang="en-IN" sz="6600" dirty="0">
-              <a:solidFill>
-                <a:srgbClr val="AFDC7E"/>
-              </a:solidFill>
-              <a:latin typeface="Arial Black" panose="020B0A04020102020204" pitchFamily="34" charset="0"/>
-            </a:endParaRPr>
-          </a:p>
-        </p:txBody>
-      </p:sp>
-      <p:sp>
-        <p:nvSpPr>
-          <p:cNvPr id="3" name="AutoShape 4" descr="https://luisweb.blob.core.windows.net/prod-assets/images/overview/LuisLogoCircle.svg"/>
-          <p:cNvSpPr>
-            <a:spLocks noChangeAspect="1" noChangeArrowheads="1"/>
-          </p:cNvSpPr>
-          <p:nvPr/>
-        </p:nvSpPr>
-        <p:spPr bwMode="auto">
-          <a:xfrm>
-            <a:off x="155575" y="-144463"/>
-            <a:ext cx="304800" cy="304801"/>
-          </a:xfrm>
-          <a:prstGeom prst="rect">
-            <a:avLst/>
-          </a:prstGeom>
-          <a:noFill/>
-          <a:extLst>
-            <a:ext uri="{909E8E84-426E-40DD-AFC4-6F175D3DCCD1}">
-              <a14:hiddenFill xmlns:a14="http://schemas.microsoft.com/office/drawing/2010/main">
-                <a:solidFill>
-                  <a:srgbClr val="FFFFFF"/>
-                </a:solidFill>
-              </a14:hiddenFill>
-            </a:ext>
-          </a:extLst>
-        </p:spPr>
-        <p:txBody>
-          <a:bodyPr vert="horz" wrap="square" lIns="91440" tIns="45720" rIns="91440" bIns="45720" numCol="1" anchor="t" anchorCtr="0" compatLnSpc="1">
-            <a:prstTxWarp prst="textNoShape">
-              <a:avLst/>
-            </a:prstTxWarp>
-          </a:bodyPr>
-          <a:lstStyle/>
-          <a:p>
-            <a:endParaRPr lang="en-US"/>
-          </a:p>
-        </p:txBody>
-      </p:sp>
-      <p:sp>
-        <p:nvSpPr>
-          <p:cNvPr id="4" name="AutoShape 6" descr="https://luisweb.blob.core.windows.net/prod-assets/images/overview/LuisLogoCircle.svg"/>
-          <p:cNvSpPr>
-            <a:spLocks noChangeAspect="1" noChangeArrowheads="1"/>
-          </p:cNvSpPr>
-          <p:nvPr/>
-        </p:nvSpPr>
-        <p:spPr bwMode="auto">
-          <a:xfrm>
-            <a:off x="307975" y="7937"/>
-            <a:ext cx="304800" cy="304801"/>
-          </a:xfrm>
-          <a:prstGeom prst="rect">
-            <a:avLst/>
-          </a:prstGeom>
-          <a:noFill/>
-          <a:extLst>
-            <a:ext uri="{909E8E84-426E-40DD-AFC4-6F175D3DCCD1}">
-              <a14:hiddenFill xmlns:a14="http://schemas.microsoft.com/office/drawing/2010/main">
-                <a:solidFill>
-                  <a:srgbClr val="FFFFFF"/>
-                </a:solidFill>
-              </a14:hiddenFill>
-            </a:ext>
-          </a:extLst>
-        </p:spPr>
-        <p:txBody>
-          <a:bodyPr vert="horz" wrap="square" lIns="91440" tIns="45720" rIns="91440" bIns="45720" numCol="1" anchor="t" anchorCtr="0" compatLnSpc="1">
-            <a:prstTxWarp prst="textNoShape">
-              <a:avLst/>
-            </a:prstTxWarp>
-          </a:bodyPr>
-          <a:lstStyle/>
-          <a:p>
-            <a:endParaRPr lang="en-US"/>
-          </a:p>
-        </p:txBody>
-      </p:sp>
-      <p:pic>
-        <p:nvPicPr>
-          <p:cNvPr id="1031" name="Picture 7" descr="C:\Users\abhisheks\Downloads\LuisLogoCircle.png"/>
-          <p:cNvPicPr>
-            <a:picLocks noChangeAspect="1" noChangeArrowheads="1"/>
-          </p:cNvPicPr>
-          <p:nvPr/>
-        </p:nvPicPr>
-        <p:blipFill>
-          <a:blip r:embed="rId2" cstate="print">
-            <a:extLst>
-              <a:ext uri="{28A0092B-C50C-407E-A947-70E740481C1C}">
-                <a14:useLocalDpi xmlns:a14="http://schemas.microsoft.com/office/drawing/2010/main" val="0"/>
-              </a:ext>
-            </a:extLst>
-          </a:blip>
-          <a:srcRect/>
-          <a:stretch>
-            <a:fillRect/>
-          </a:stretch>
-        </p:blipFill>
-        <p:spPr bwMode="auto">
-          <a:xfrm>
-            <a:off x="5410200" y="2247900"/>
-            <a:ext cx="1352550" cy="1352550"/>
-          </a:xfrm>
-          <a:prstGeom prst="rect">
-            <a:avLst/>
-          </a:prstGeom>
-          <a:noFill/>
-          <a:extLst>
-            <a:ext uri="{909E8E84-426E-40DD-AFC4-6F175D3DCCD1}">
-              <a14:hiddenFill xmlns:a14="http://schemas.microsoft.com/office/drawing/2010/main">
-                <a:solidFill>
-                  <a:srgbClr val="FFFFFF"/>
-                </a:solidFill>
-              </a14:hiddenFill>
-            </a:ext>
-          </a:extLst>
-        </p:spPr>
-      </p:pic>
-      <p:sp>
-        <p:nvSpPr>
-          <p:cNvPr id="5" name="Rectangle 4"/>
-          <p:cNvSpPr/>
-          <p:nvPr/>
-        </p:nvSpPr>
-        <p:spPr>
-          <a:xfrm>
-            <a:off x="4514850" y="1885950"/>
-            <a:ext cx="3255440" cy="5543550"/>
-          </a:xfrm>
-          <a:prstGeom prst="rect">
-            <a:avLst/>
-          </a:prstGeom>
-          <a:noFill/>
-          <a:ln w="76200">
-            <a:solidFill>
-              <a:srgbClr val="AFDC7E"/>
-            </a:solidFill>
-          </a:ln>
-        </p:spPr>
-        <p:style>
-          <a:lnRef idx="2">
-            <a:schemeClr val="accent1">
-              <a:shade val="50000"/>
-            </a:schemeClr>
-          </a:lnRef>
-          <a:fillRef idx="1">
-            <a:schemeClr val="accent1"/>
-          </a:fillRef>
-          <a:effectRef idx="0">
-            <a:schemeClr val="accent1"/>
-          </a:effectRef>
-          <a:fontRef idx="minor">
-            <a:schemeClr val="lt1"/>
-          </a:fontRef>
-        </p:style>
-        <p:txBody>
-          <a:bodyPr rtlCol="0" anchor="ctr"/>
-          <a:lstStyle/>
-          <a:p>
-            <a:pPr algn="ctr"/>
-            <a:endParaRPr lang="en-US"/>
-          </a:p>
-        </p:txBody>
-      </p:sp>
-      <p:sp>
-        <p:nvSpPr>
-          <p:cNvPr id="8" name="Rectangle 7"/>
-          <p:cNvSpPr/>
-          <p:nvPr/>
-        </p:nvSpPr>
-        <p:spPr>
-          <a:xfrm>
-            <a:off x="708025" y="1885950"/>
-            <a:ext cx="3255440" cy="5543550"/>
-          </a:xfrm>
-          <a:prstGeom prst="rect">
-            <a:avLst/>
-          </a:prstGeom>
-          <a:noFill/>
-          <a:ln w="76200">
-            <a:solidFill>
-              <a:srgbClr val="AFDC7E"/>
-            </a:solidFill>
-          </a:ln>
-        </p:spPr>
-        <p:style>
-          <a:lnRef idx="2">
-            <a:schemeClr val="accent1">
-              <a:shade val="50000"/>
-            </a:schemeClr>
-          </a:lnRef>
-          <a:fillRef idx="1">
-            <a:schemeClr val="accent1"/>
-          </a:fillRef>
-          <a:effectRef idx="0">
-            <a:schemeClr val="accent1"/>
-          </a:effectRef>
-          <a:fontRef idx="minor">
-            <a:schemeClr val="lt1"/>
-          </a:fontRef>
-        </p:style>
-        <p:txBody>
-          <a:bodyPr rtlCol="0" anchor="ctr"/>
-          <a:lstStyle/>
-          <a:p>
-            <a:pPr algn="ctr"/>
-            <a:endParaRPr lang="en-US">
-              <a:solidFill>
-                <a:schemeClr val="bg1"/>
-              </a:solidFill>
-            </a:endParaRPr>
-          </a:p>
-        </p:txBody>
-      </p:sp>
-      <p:sp>
-        <p:nvSpPr>
-          <p:cNvPr id="9" name="Rectangle 8"/>
-          <p:cNvSpPr/>
-          <p:nvPr/>
-        </p:nvSpPr>
-        <p:spPr>
-          <a:xfrm>
-            <a:off x="8248650" y="1885950"/>
-            <a:ext cx="3255440" cy="5543550"/>
-          </a:xfrm>
-          <a:prstGeom prst="rect">
-            <a:avLst/>
-          </a:prstGeom>
-          <a:noFill/>
-          <a:ln w="76200">
-            <a:solidFill>
-              <a:srgbClr val="AFDC7E"/>
-            </a:solidFill>
-          </a:ln>
-        </p:spPr>
-        <p:style>
-          <a:lnRef idx="2">
-            <a:schemeClr val="accent1">
-              <a:shade val="50000"/>
-            </a:schemeClr>
-          </a:lnRef>
-          <a:fillRef idx="1">
-            <a:schemeClr val="accent1"/>
-          </a:fillRef>
-          <a:effectRef idx="0">
-            <a:schemeClr val="accent1"/>
-          </a:effectRef>
-          <a:fontRef idx="minor">
-            <a:schemeClr val="lt1"/>
-          </a:fontRef>
-        </p:style>
-        <p:txBody>
-          <a:bodyPr rtlCol="0" anchor="ctr"/>
-          <a:lstStyle/>
-          <a:p>
-            <a:pPr algn="ctr"/>
-            <a:endParaRPr lang="en-US"/>
-          </a:p>
-        </p:txBody>
-      </p:sp>
-      <p:pic>
-        <p:nvPicPr>
-          <p:cNvPr id="1033" name="Picture 9" descr="Image result for nodejs icon"/>
-          <p:cNvPicPr>
-            <a:picLocks noChangeAspect="1" noChangeArrowheads="1"/>
-          </p:cNvPicPr>
-          <p:nvPr/>
-        </p:nvPicPr>
-        <p:blipFill>
-          <a:blip r:embed="rId3" cstate="print">
-            <a:extLst>
-              <a:ext uri="{28A0092B-C50C-407E-A947-70E740481C1C}">
-                <a14:useLocalDpi xmlns:a14="http://schemas.microsoft.com/office/drawing/2010/main" val="0"/>
-              </a:ext>
-            </a:extLst>
-          </a:blip>
-          <a:srcRect/>
-          <a:stretch>
-            <a:fillRect/>
-          </a:stretch>
-        </p:blipFill>
-        <p:spPr bwMode="auto">
-          <a:xfrm>
-            <a:off x="1245133" y="1885951"/>
-            <a:ext cx="1981198" cy="1981199"/>
-          </a:xfrm>
-          <a:prstGeom prst="rect">
-            <a:avLst/>
-          </a:prstGeom>
-          <a:noFill/>
-          <a:extLst>
-            <a:ext uri="{909E8E84-426E-40DD-AFC4-6F175D3DCCD1}">
-              <a14:hiddenFill xmlns:a14="http://schemas.microsoft.com/office/drawing/2010/main">
-                <a:solidFill>
-                  <a:srgbClr val="FFFFFF"/>
-                </a:solidFill>
-              </a14:hiddenFill>
-            </a:ext>
-          </a:extLst>
-        </p:spPr>
-      </p:pic>
-      <p:pic>
-        <p:nvPicPr>
-          <p:cNvPr id="1035" name="Picture 11" descr="Image result for bot framework icon"/>
-          <p:cNvPicPr>
-            <a:picLocks noChangeAspect="1" noChangeArrowheads="1"/>
-          </p:cNvPicPr>
-          <p:nvPr/>
-        </p:nvPicPr>
-        <p:blipFill>
-          <a:blip r:embed="rId4" cstate="print">
-            <a:extLst>
-              <a:ext uri="{28A0092B-C50C-407E-A947-70E740481C1C}">
-                <a14:useLocalDpi xmlns:a14="http://schemas.microsoft.com/office/drawing/2010/main" val="0"/>
-              </a:ext>
-            </a:extLst>
-          </a:blip>
-          <a:srcRect/>
-          <a:stretch>
-            <a:fillRect/>
-          </a:stretch>
-        </p:blipFill>
-        <p:spPr bwMode="auto">
-          <a:xfrm>
-            <a:off x="1683282" y="4657725"/>
-            <a:ext cx="1104900" cy="1104900"/>
-          </a:xfrm>
-          <a:prstGeom prst="rect">
-            <a:avLst/>
-          </a:prstGeom>
-          <a:noFill/>
-          <a:extLst>
-            <a:ext uri="{909E8E84-426E-40DD-AFC4-6F175D3DCCD1}">
-              <a14:hiddenFill xmlns:a14="http://schemas.microsoft.com/office/drawing/2010/main">
-                <a:solidFill>
-                  <a:srgbClr val="FFFFFF"/>
-                </a:solidFill>
-              </a14:hiddenFill>
-            </a:ext>
-          </a:extLst>
-        </p:spPr>
-      </p:pic>
-      <p:pic>
-        <p:nvPicPr>
-          <p:cNvPr id="12" name="Picture 11"/>
-          <p:cNvPicPr>
-            <a:picLocks noChangeAspect="1"/>
-          </p:cNvPicPr>
-          <p:nvPr/>
-        </p:nvPicPr>
-        <p:blipFill>
-          <a:blip r:embed="rId5" cstate="print">
-            <a:extLst>
-              <a:ext uri="{28A0092B-C50C-407E-A947-70E740481C1C}">
-                <a14:useLocalDpi xmlns:a14="http://schemas.microsoft.com/office/drawing/2010/main" val="0"/>
-              </a:ext>
-            </a:extLst>
-          </a:blip>
-          <a:stretch>
-            <a:fillRect/>
-          </a:stretch>
-        </p:blipFill>
-        <p:spPr>
-          <a:xfrm>
-            <a:off x="9281398" y="2281578"/>
-            <a:ext cx="1189943" cy="1189943"/>
-          </a:xfrm>
-          <a:prstGeom prst="rect">
-            <a:avLst/>
-          </a:prstGeom>
-          <a:ln w="25400">
-            <a:solidFill>
-              <a:schemeClr val="accent1"/>
-            </a:solidFill>
-          </a:ln>
-        </p:spPr>
-      </p:pic>
-      <p:sp>
-        <p:nvSpPr>
-          <p:cNvPr id="6" name="TextBox 5"/>
-          <p:cNvSpPr txBox="1"/>
-          <p:nvPr/>
-        </p:nvSpPr>
-        <p:spPr>
-          <a:xfrm>
-            <a:off x="1590916" y="3783568"/>
-            <a:ext cx="1313180" cy="369332"/>
-          </a:xfrm>
-          <a:prstGeom prst="rect">
-            <a:avLst/>
-          </a:prstGeom>
-          <a:noFill/>
-        </p:spPr>
-        <p:txBody>
-          <a:bodyPr wrap="none" rtlCol="0">
-            <a:spAutoFit/>
-          </a:bodyPr>
-          <a:lstStyle/>
-          <a:p>
-            <a:r>
-              <a:rPr lang="en-US" dirty="0" smtClean="0">
-                <a:solidFill>
-                  <a:schemeClr val="bg1"/>
-                </a:solidFill>
-                <a:latin typeface="Arial Black" panose="020B0A04020102020204" pitchFamily="34" charset="0"/>
-              </a:rPr>
-              <a:t>NODE JS</a:t>
-            </a:r>
-            <a:endParaRPr lang="en-US" dirty="0">
-              <a:solidFill>
-                <a:schemeClr val="bg1"/>
-              </a:solidFill>
-              <a:latin typeface="Arial Black" panose="020B0A04020102020204" pitchFamily="34" charset="0"/>
-            </a:endParaRPr>
-          </a:p>
-        </p:txBody>
-      </p:sp>
-      <p:sp>
-        <p:nvSpPr>
-          <p:cNvPr id="14" name="TextBox 13"/>
-          <p:cNvSpPr txBox="1"/>
-          <p:nvPr/>
-        </p:nvSpPr>
-        <p:spPr>
-          <a:xfrm>
-            <a:off x="1094219" y="6050518"/>
-            <a:ext cx="2483052" cy="369332"/>
-          </a:xfrm>
-          <a:prstGeom prst="rect">
-            <a:avLst/>
-          </a:prstGeom>
-          <a:noFill/>
-        </p:spPr>
-        <p:txBody>
-          <a:bodyPr wrap="none" rtlCol="0">
-            <a:spAutoFit/>
-          </a:bodyPr>
-          <a:lstStyle/>
-          <a:p>
-            <a:r>
-              <a:rPr lang="en-US" dirty="0" smtClean="0">
-                <a:solidFill>
-                  <a:schemeClr val="bg1"/>
-                </a:solidFill>
-                <a:latin typeface="Arial Black" panose="020B0A04020102020204" pitchFamily="34" charset="0"/>
-              </a:rPr>
-              <a:t>BOT FRAMEWORK</a:t>
-            </a:r>
-          </a:p>
-        </p:txBody>
-      </p:sp>
-      <p:sp>
-        <p:nvSpPr>
-          <p:cNvPr id="15" name="TextBox 14"/>
-          <p:cNvSpPr txBox="1"/>
-          <p:nvPr/>
-        </p:nvSpPr>
-        <p:spPr>
-          <a:xfrm>
-            <a:off x="4882962" y="3776186"/>
-            <a:ext cx="2519216" cy="923330"/>
-          </a:xfrm>
-          <a:prstGeom prst="rect">
-            <a:avLst/>
-          </a:prstGeom>
-          <a:noFill/>
-        </p:spPr>
-        <p:txBody>
-          <a:bodyPr wrap="none" rtlCol="0">
-            <a:spAutoFit/>
-          </a:bodyPr>
-          <a:lstStyle/>
-          <a:p>
-            <a:pPr algn="ctr"/>
-            <a:r>
-              <a:rPr lang="en-US" dirty="0" smtClean="0">
-                <a:solidFill>
-                  <a:schemeClr val="bg1"/>
-                </a:solidFill>
-                <a:latin typeface="Arial Black" panose="020B0A04020102020204" pitchFamily="34" charset="0"/>
-              </a:rPr>
-              <a:t>LUIS – </a:t>
-            </a:r>
-            <a:r>
-              <a:rPr lang="en-US" dirty="0" err="1" smtClean="0">
-                <a:solidFill>
-                  <a:schemeClr val="bg1"/>
-                </a:solidFill>
-                <a:latin typeface="Arial Black" panose="020B0A04020102020204" pitchFamily="34" charset="0"/>
-              </a:rPr>
-              <a:t>Langugae</a:t>
-            </a:r>
-            <a:endParaRPr lang="en-US" dirty="0" smtClean="0">
-              <a:solidFill>
-                <a:schemeClr val="bg1"/>
-              </a:solidFill>
-              <a:latin typeface="Arial Black" panose="020B0A04020102020204" pitchFamily="34" charset="0"/>
-            </a:endParaRPr>
-          </a:p>
-          <a:p>
-            <a:pPr algn="ctr"/>
-            <a:r>
-              <a:rPr lang="en-US" dirty="0" smtClean="0">
-                <a:solidFill>
-                  <a:schemeClr val="bg1"/>
-                </a:solidFill>
-                <a:latin typeface="Arial Black" panose="020B0A04020102020204" pitchFamily="34" charset="0"/>
-              </a:rPr>
-              <a:t>Understanding</a:t>
-            </a:r>
-          </a:p>
-          <a:p>
-            <a:pPr algn="ctr"/>
-            <a:r>
-              <a:rPr lang="en-US" dirty="0" smtClean="0">
-                <a:solidFill>
-                  <a:schemeClr val="bg1"/>
-                </a:solidFill>
-                <a:latin typeface="Arial Black" panose="020B0A04020102020204" pitchFamily="34" charset="0"/>
-              </a:rPr>
-              <a:t>Intelligent Service</a:t>
-            </a:r>
-            <a:endParaRPr lang="en-US" dirty="0">
-              <a:solidFill>
-                <a:schemeClr val="bg1"/>
-              </a:solidFill>
-              <a:latin typeface="Arial Black" panose="020B0A04020102020204" pitchFamily="34" charset="0"/>
-            </a:endParaRPr>
-          </a:p>
-        </p:txBody>
-      </p:sp>
-      <p:sp>
-        <p:nvSpPr>
-          <p:cNvPr id="16" name="TextBox 15"/>
-          <p:cNvSpPr txBox="1"/>
-          <p:nvPr/>
-        </p:nvSpPr>
-        <p:spPr>
-          <a:xfrm>
-            <a:off x="9059480" y="3787854"/>
-            <a:ext cx="1633781" cy="923330"/>
-          </a:xfrm>
-          <a:prstGeom prst="rect">
-            <a:avLst/>
-          </a:prstGeom>
-          <a:noFill/>
-        </p:spPr>
-        <p:txBody>
-          <a:bodyPr wrap="none" rtlCol="0">
-            <a:spAutoFit/>
-          </a:bodyPr>
-          <a:lstStyle/>
-          <a:p>
-            <a:pPr algn="ctr"/>
-            <a:r>
-              <a:rPr lang="en-US" dirty="0" smtClean="0">
-                <a:solidFill>
-                  <a:schemeClr val="bg1"/>
-                </a:solidFill>
-                <a:latin typeface="Arial Black" panose="020B0A04020102020204" pitchFamily="34" charset="0"/>
-              </a:rPr>
-              <a:t>JAVA</a:t>
-            </a:r>
-          </a:p>
-          <a:p>
-            <a:pPr algn="ctr"/>
-            <a:r>
-              <a:rPr lang="en-US" dirty="0" smtClean="0">
-                <a:solidFill>
-                  <a:schemeClr val="bg1"/>
-                </a:solidFill>
-                <a:latin typeface="Arial Black" panose="020B0A04020102020204" pitchFamily="34" charset="0"/>
-              </a:rPr>
-              <a:t>SPRING</a:t>
-            </a:r>
-          </a:p>
-          <a:p>
-            <a:pPr algn="ctr"/>
-            <a:r>
-              <a:rPr lang="en-US" dirty="0" smtClean="0">
-                <a:solidFill>
-                  <a:schemeClr val="bg1"/>
-                </a:solidFill>
-                <a:latin typeface="Arial Black" panose="020B0A04020102020204" pitchFamily="34" charset="0"/>
-              </a:rPr>
-              <a:t>HTML UNIT</a:t>
-            </a:r>
-          </a:p>
-        </p:txBody>
-      </p:sp>
-      <p:pic>
-        <p:nvPicPr>
-          <p:cNvPr id="1037" name="Picture 13" descr="Image result for ngrok"/>
-          <p:cNvPicPr>
-            <a:picLocks noChangeAspect="1" noChangeArrowheads="1"/>
-          </p:cNvPicPr>
-          <p:nvPr/>
-        </p:nvPicPr>
-        <p:blipFill>
-          <a:blip r:embed="rId6" cstate="print">
-            <a:extLst>
-              <a:ext uri="{28A0092B-C50C-407E-A947-70E740481C1C}">
-                <a14:useLocalDpi xmlns:a14="http://schemas.microsoft.com/office/drawing/2010/main" val="0"/>
-              </a:ext>
-            </a:extLst>
-          </a:blip>
-          <a:srcRect/>
-          <a:stretch>
-            <a:fillRect/>
-          </a:stretch>
-        </p:blipFill>
-        <p:spPr bwMode="auto">
-          <a:xfrm>
-            <a:off x="9217530" y="5137987"/>
-            <a:ext cx="1317678" cy="737163"/>
-          </a:xfrm>
-          <a:prstGeom prst="rect">
-            <a:avLst/>
-          </a:prstGeom>
-          <a:noFill/>
-          <a:extLst>
-            <a:ext uri="{909E8E84-426E-40DD-AFC4-6F175D3DCCD1}">
-              <a14:hiddenFill xmlns:a14="http://schemas.microsoft.com/office/drawing/2010/main">
-                <a:solidFill>
-                  <a:srgbClr val="FFFFFF"/>
-                </a:solidFill>
-              </a14:hiddenFill>
-            </a:ext>
-          </a:extLst>
-        </p:spPr>
-      </p:pic>
-      <p:sp>
-        <p:nvSpPr>
-          <p:cNvPr id="18" name="TextBox 17"/>
-          <p:cNvSpPr txBox="1"/>
-          <p:nvPr/>
-        </p:nvSpPr>
-        <p:spPr>
-          <a:xfrm>
-            <a:off x="8770522" y="6050518"/>
-            <a:ext cx="2211696" cy="646331"/>
-          </a:xfrm>
-          <a:prstGeom prst="rect">
-            <a:avLst/>
-          </a:prstGeom>
-          <a:noFill/>
-        </p:spPr>
-        <p:txBody>
-          <a:bodyPr wrap="none" rtlCol="0">
-            <a:spAutoFit/>
-          </a:bodyPr>
-          <a:lstStyle/>
-          <a:p>
-            <a:pPr algn="ctr"/>
-            <a:r>
-              <a:rPr lang="en-US" dirty="0" smtClean="0">
-                <a:solidFill>
-                  <a:schemeClr val="bg1"/>
-                </a:solidFill>
-                <a:latin typeface="Arial Black" panose="020B0A04020102020204" pitchFamily="34" charset="0"/>
-              </a:rPr>
-              <a:t>NGROK – Local</a:t>
-            </a:r>
-          </a:p>
-          <a:p>
-            <a:pPr algn="ctr"/>
-            <a:r>
-              <a:rPr lang="en-US" dirty="0" smtClean="0">
-                <a:solidFill>
-                  <a:schemeClr val="bg1"/>
-                </a:solidFill>
-                <a:latin typeface="Arial Black" panose="020B0A04020102020204" pitchFamily="34" charset="0"/>
-              </a:rPr>
-              <a:t>Port Forwarding</a:t>
-            </a:r>
-            <a:endParaRPr lang="en-US" dirty="0">
-              <a:solidFill>
-                <a:schemeClr val="bg1"/>
-              </a:solidFill>
-              <a:latin typeface="Arial Black" panose="020B0A04020102020204" pitchFamily="34" charset="0"/>
-            </a:endParaRPr>
-          </a:p>
-        </p:txBody>
-      </p:sp>
-    </p:spTree>
-    <p:extLst>
-      <p:ext uri="{BB962C8B-B14F-4D97-AF65-F5344CB8AC3E}">
-        <p14:creationId xmlns:p14="http://schemas.microsoft.com/office/powerpoint/2010/main" val="3202791328"/>
-      </p:ext>
-    </p:extLst>
-  </p:cSld>
-  <p:clrMapOvr>
-    <a:masterClrMapping/>
-  </p:clrMapOvr>
-  <p:timing>
-    <p:tnLst>
-      <p:par>
-        <p:cTn id="1" dur="indefinite" restart="never" nodeType="tmRoot"/>
-      </p:par>
-    </p:tnLst>
   </p:timing>
 </p:sld>
 </file>
@@ -6103,14 +7190,26 @@
         </p:nvSpPr>
         <p:spPr/>
         <p:txBody>
-          <a:bodyPr/>
-          <a:lstStyle/>
-          <a:p>
-            <a:r>
-              <a:rPr lang="en-IN" dirty="0" smtClean="0"/>
-              <a:t>Learning</a:t>
-            </a:r>
-            <a:endParaRPr lang="en-IN" dirty="0"/>
+          <a:bodyPr>
+            <a:normAutofit/>
+          </a:bodyPr>
+          <a:lstStyle/>
+          <a:p>
+            <a:r>
+              <a:rPr lang="en-IN" sz="6600" dirty="0" smtClean="0">
+                <a:solidFill>
+                  <a:srgbClr val="D2F1B5"/>
+                </a:solidFill>
+                <a:latin typeface="Arial Black" panose="020B0A04020102020204" pitchFamily="34" charset="0"/>
+              </a:rPr>
+              <a:t>Future Roadmap</a:t>
+            </a:r>
+            <a:endParaRPr lang="en-IN" sz="6600" dirty="0">
+              <a:solidFill>
+                <a:srgbClr val="D2F1B5"/>
+              </a:solidFill>
+              <a:latin typeface="Arial Black" panose="020B0A04020102020204" pitchFamily="34" charset="0"/>
+            </a:endParaRPr>
           </a:p>
         </p:txBody>
       </p:sp>
@@ -6129,14 +7228,151 @@
           <a:bodyPr/>
           <a:lstStyle/>
           <a:p>
-            <a:endParaRPr lang="en-IN"/>
-          </a:p>
-        </p:txBody>
-      </p:sp>
+            <a:pPr>
+              <a:buFont typeface="Courier New" panose="02070309020205020404" pitchFamily="49" charset="0"/>
+              <a:buChar char="o"/>
+            </a:pPr>
+            <a:r>
+              <a:rPr lang="en-IN" dirty="0" smtClean="0">
+                <a:solidFill>
+                  <a:schemeClr val="bg1"/>
+                </a:solidFill>
+                <a:latin typeface="Arial Black" panose="020B0A04020102020204" pitchFamily="34" charset="0"/>
+              </a:rPr>
+              <a:t>Add Attendees</a:t>
+            </a:r>
+          </a:p>
+          <a:p>
+            <a:pPr>
+              <a:buFont typeface="Courier New" panose="02070309020205020404" pitchFamily="49" charset="0"/>
+              <a:buChar char="o"/>
+            </a:pPr>
+            <a:r>
+              <a:rPr lang="en-IN" dirty="0">
+                <a:solidFill>
+                  <a:schemeClr val="bg1"/>
+                </a:solidFill>
+                <a:latin typeface="Arial Black" panose="020B0A04020102020204" pitchFamily="34" charset="0"/>
+              </a:rPr>
+              <a:t>M</a:t>
+            </a:r>
+            <a:r>
+              <a:rPr lang="en-IN" dirty="0" smtClean="0">
+                <a:solidFill>
+                  <a:schemeClr val="bg1"/>
+                </a:solidFill>
+                <a:latin typeface="Arial Black" panose="020B0A04020102020204" pitchFamily="34" charset="0"/>
+              </a:rPr>
+              <a:t>ore natural language support</a:t>
+            </a:r>
+          </a:p>
+          <a:p>
+            <a:pPr>
+              <a:buFont typeface="Courier New" panose="02070309020205020404" pitchFamily="49" charset="0"/>
+              <a:buChar char="o"/>
+            </a:pPr>
+            <a:r>
+              <a:rPr lang="en-IN" dirty="0" smtClean="0">
+                <a:solidFill>
+                  <a:schemeClr val="bg1"/>
+                </a:solidFill>
+                <a:latin typeface="Arial Black" panose="020B0A04020102020204" pitchFamily="34" charset="0"/>
+              </a:rPr>
+              <a:t>More features integrated with Prorigo server</a:t>
+            </a:r>
+          </a:p>
+          <a:p>
+            <a:pPr>
+              <a:buFont typeface="Courier New" panose="02070309020205020404" pitchFamily="49" charset="0"/>
+              <a:buChar char="o"/>
+            </a:pPr>
+            <a:r>
+              <a:rPr lang="en-IN" dirty="0" smtClean="0">
+                <a:solidFill>
+                  <a:schemeClr val="bg1"/>
+                </a:solidFill>
+                <a:latin typeface="Arial Black" panose="020B0A04020102020204" pitchFamily="34" charset="0"/>
+              </a:rPr>
+              <a:t>Booking Room &amp; Time suggestions</a:t>
+            </a:r>
+          </a:p>
+          <a:p>
+            <a:pPr>
+              <a:buFont typeface="Courier New" panose="02070309020205020404" pitchFamily="49" charset="0"/>
+              <a:buChar char="o"/>
+            </a:pPr>
+            <a:r>
+              <a:rPr lang="en-IN" dirty="0" smtClean="0">
+                <a:solidFill>
+                  <a:schemeClr val="bg1"/>
+                </a:solidFill>
+                <a:latin typeface="Arial Black" panose="020B0A04020102020204" pitchFamily="34" charset="0"/>
+              </a:rPr>
+              <a:t>Auto Feedback Collector</a:t>
+            </a:r>
+            <a:endParaRPr lang="en-IN" dirty="0">
+              <a:solidFill>
+                <a:schemeClr val="bg1"/>
+              </a:solidFill>
+              <a:latin typeface="Arial Black" panose="020B0A04020102020204" pitchFamily="34" charset="0"/>
+            </a:endParaRPr>
+          </a:p>
+        </p:txBody>
+      </p:sp>
+      <p:pic>
+        <p:nvPicPr>
+          <p:cNvPr id="4" name="Picture 2" descr="Image result for bot framework icon"/>
+          <p:cNvPicPr>
+            <a:picLocks noChangeAspect="1" noChangeArrowheads="1"/>
+          </p:cNvPicPr>
+          <p:nvPr/>
+        </p:nvPicPr>
+        <p:blipFill>
+          <a:blip r:embed="rId2">
+            <a:duotone>
+              <a:schemeClr val="accent6">
+                <a:shade val="45000"/>
+                <a:satMod val="135000"/>
+              </a:schemeClr>
+              <a:prstClr val="white"/>
+            </a:duotone>
+            <a:extLst>
+              <a:ext uri="{28A0092B-C50C-407E-A947-70E740481C1C}">
+                <a14:useLocalDpi xmlns:a14="http://schemas.microsoft.com/office/drawing/2010/main" val="0"/>
+              </a:ext>
+            </a:extLst>
+          </a:blip>
+          <a:stretch>
+            <a:fillRect/>
+          </a:stretch>
+        </p:blipFill>
+        <p:spPr bwMode="auto">
+          <a:xfrm>
+            <a:off x="8521147" y="4555502"/>
+            <a:ext cx="5715000" cy="3000375"/>
+          </a:xfrm>
+          <a:prstGeom prst="rect">
+            <a:avLst/>
+          </a:prstGeom>
+          <a:noFill/>
+          <a:ln>
+            <a:noFill/>
+          </a:ln>
+          <a:extLst>
+            <a:ext uri="{909E8E84-426E-40DD-AFC4-6F175D3DCCD1}">
+              <a14:hiddenFill xmlns:a14="http://schemas.microsoft.com/office/drawing/2010/main">
+                <a:solidFill>
+                  <a:srgbClr val="FFFFFF"/>
+                </a:solidFill>
+              </a14:hiddenFill>
+            </a:ext>
+          </a:extLst>
+        </p:spPr>
+      </p:pic>
     </p:spTree>
     <p:extLst>
       <p:ext uri="{BB962C8B-B14F-4D97-AF65-F5344CB8AC3E}">
-        <p14:creationId xmlns:p14="http://schemas.microsoft.com/office/powerpoint/2010/main" val="1243086929"/>
+        <p14:creationId xmlns:p14="http://schemas.microsoft.com/office/powerpoint/2010/main" val="1259631809"/>
       </p:ext>
     </p:extLst>
   </p:cSld>
@@ -6192,95 +7428,6 @@
         </p:nvSpPr>
         <p:spPr/>
         <p:txBody>
-          <a:bodyPr/>
-          <a:lstStyle/>
-          <a:p>
-            <a:r>
-              <a:rPr lang="en-IN" dirty="0" smtClean="0"/>
-              <a:t>Future Roadmap</a:t>
-            </a:r>
-            <a:endParaRPr lang="en-IN" dirty="0"/>
-          </a:p>
-        </p:txBody>
-      </p:sp>
-      <p:sp>
-        <p:nvSpPr>
-          <p:cNvPr id="3" name="Content Placeholder 2"/>
-          <p:cNvSpPr>
-            <a:spLocks noGrp="1"/>
-          </p:cNvSpPr>
-          <p:nvPr>
-            <p:ph idx="1"/>
-          </p:nvPr>
-        </p:nvSpPr>
-        <p:spPr/>
-        <p:txBody>
-          <a:bodyPr/>
-          <a:lstStyle/>
-          <a:p>
-            <a:endParaRPr lang="en-IN"/>
-          </a:p>
-        </p:txBody>
-      </p:sp>
-    </p:spTree>
-    <p:extLst>
-      <p:ext uri="{BB962C8B-B14F-4D97-AF65-F5344CB8AC3E}">
-        <p14:creationId xmlns:p14="http://schemas.microsoft.com/office/powerpoint/2010/main" val="1259631809"/>
-      </p:ext>
-    </p:extLst>
-  </p:cSld>
-  <p:clrMapOvr>
-    <a:masterClrMapping/>
-  </p:clrMapOvr>
-  <p:timing>
-    <p:tnLst>
-      <p:par>
-        <p:cTn id="1" dur="indefinite" restart="never" nodeType="tmRoot"/>
-      </p:par>
-    </p:tnLst>
-  </p:timing>
-</p:sld>
-</file>
-
-<file path=ppt/slides/slide8.xml><?xml version="1.0" encoding="utf-8"?>
-<p:sld xmlns:a="http://schemas.openxmlformats.org/drawingml/2006/main" xmlns:r="http://schemas.openxmlformats.org/officeDocument/2006/relationships" xmlns:p="http://schemas.openxmlformats.org/presentationml/2006/main">
-  <p:cSld>
-    <p:bg>
-      <p:bgPr>
-        <a:solidFill>
-          <a:schemeClr val="accent6">
-            <a:lumMod val="75000"/>
-          </a:schemeClr>
-        </a:solidFill>
-        <a:effectLst/>
-      </p:bgPr>
-    </p:bg>
-    <p:spTree>
-      <p:nvGrpSpPr>
-        <p:cNvPr id="1" name=""/>
-        <p:cNvGrpSpPr/>
-        <p:nvPr/>
-      </p:nvGrpSpPr>
-      <p:grpSpPr>
-        <a:xfrm>
-          <a:off x="0" y="0"/>
-          <a:ext cx="0" cy="0"/>
-          <a:chOff x="0" y="0"/>
-          <a:chExt cx="0" cy="0"/>
-        </a:xfrm>
-      </p:grpSpPr>
-      <p:sp>
-        <p:nvSpPr>
-          <p:cNvPr id="2" name="Title 1"/>
-          <p:cNvSpPr>
-            <a:spLocks noGrp="1"/>
-          </p:cNvSpPr>
-          <p:nvPr>
-            <p:ph type="title"/>
-          </p:nvPr>
-        </p:nvSpPr>
-        <p:spPr/>
-        <p:txBody>
           <a:bodyPr>
             <a:normAutofit/>
           </a:bodyPr>
@@ -6289,7 +7436,7 @@
             <a:r>
               <a:rPr lang="en-IN" sz="6600" dirty="0" smtClean="0">
                 <a:solidFill>
-                  <a:srgbClr val="AFDC7E"/>
+                  <a:srgbClr val="D2F1B5"/>
                 </a:solidFill>
                 <a:latin typeface="Arial Black" panose="020B0A04020102020204" pitchFamily="34" charset="0"/>
               </a:rPr>
@@ -6297,7 +7444,7 @@
             </a:r>
             <a:endParaRPr lang="en-IN" sz="6600" dirty="0">
               <a:solidFill>
-                <a:srgbClr val="AFDC7E"/>
+                <a:srgbClr val="D2F1B5"/>
               </a:solidFill>
               <a:latin typeface="Arial Black" panose="020B0A04020102020204" pitchFamily="34" charset="0"/>
             </a:endParaRPr>
@@ -6313,7 +7460,7 @@
         <p:spPr>
           <a:xfrm>
             <a:off x="971549" y="2125593"/>
-            <a:ext cx="9035422" cy="707886"/>
+            <a:ext cx="6794168" cy="1323439"/>
           </a:xfrm>
           <a:prstGeom prst="rect">
             <a:avLst/>
@@ -6333,17 +7480,114 @@
                 </a:solidFill>
                 <a:latin typeface="Arial Black" panose="020B0A04020102020204" pitchFamily="34" charset="0"/>
               </a:rPr>
-              <a:t>INVITATION TO FOLLOW SOON!</a:t>
-            </a:r>
-            <a:endParaRPr lang="en-US" sz="4000" dirty="0">
+              <a:t>INVITATION </a:t>
+            </a:r>
+            <a:r>
+              <a:rPr lang="en-US" sz="4000" dirty="0" smtClean="0">
+                <a:solidFill>
+                  <a:schemeClr val="bg1"/>
+                </a:solidFill>
+                <a:latin typeface="Arial Black" panose="020B0A04020102020204" pitchFamily="34" charset="0"/>
+              </a:rPr>
+              <a:t>TO </a:t>
+            </a:r>
+            <a:r>
+              <a:rPr lang="en-US" sz="4000" dirty="0" err="1" smtClean="0">
+                <a:solidFill>
+                  <a:schemeClr val="bg1"/>
+                </a:solidFill>
+                <a:latin typeface="Arial Black" panose="020B0A04020102020204" pitchFamily="34" charset="0"/>
+              </a:rPr>
+              <a:t>ProBOT</a:t>
+            </a:r>
+            <a:endParaRPr lang="en-US" sz="4000" dirty="0" smtClean="0">
               <a:solidFill>
                 <a:schemeClr val="bg1"/>
               </a:solidFill>
               <a:latin typeface="Arial Black" panose="020B0A04020102020204" pitchFamily="34" charset="0"/>
             </a:endParaRPr>
           </a:p>
-        </p:txBody>
-      </p:sp>
+          <a:p>
+            <a:r>
+              <a:rPr lang="en-US" sz="4000" dirty="0" smtClean="0">
+                <a:solidFill>
+                  <a:schemeClr val="bg1"/>
+                </a:solidFill>
+                <a:latin typeface="Arial Black" panose="020B0A04020102020204" pitchFamily="34" charset="0"/>
+              </a:rPr>
+              <a:t>COMING </a:t>
+            </a:r>
+            <a:r>
+              <a:rPr lang="en-US" sz="4000" dirty="0" smtClean="0">
+                <a:solidFill>
+                  <a:schemeClr val="bg1"/>
+                </a:solidFill>
+                <a:latin typeface="Arial Black" panose="020B0A04020102020204" pitchFamily="34" charset="0"/>
+              </a:rPr>
+              <a:t>SOON</a:t>
+            </a:r>
+            <a:r>
+              <a:rPr lang="en-US" sz="4000" dirty="0" smtClean="0">
+                <a:solidFill>
+                  <a:schemeClr val="bg1"/>
+                </a:solidFill>
+                <a:latin typeface="Arial Black" panose="020B0A04020102020204" pitchFamily="34" charset="0"/>
+              </a:rPr>
+              <a:t>!</a:t>
+            </a:r>
+          </a:p>
+        </p:txBody>
+      </p:sp>
+      <p:pic>
+        <p:nvPicPr>
+          <p:cNvPr id="4" name="Picture 2" descr="Image result for bot framework icon"/>
+          <p:cNvPicPr>
+            <a:picLocks noChangeAspect="1" noChangeArrowheads="1"/>
+          </p:cNvPicPr>
+          <p:nvPr/>
+        </p:nvPicPr>
+        <p:blipFill>
+          <a:blip r:embed="rId2">
+            <a:duotone>
+              <a:schemeClr val="accent6">
+                <a:shade val="45000"/>
+                <a:satMod val="135000"/>
+              </a:schemeClr>
+              <a:prstClr val="white"/>
+            </a:duotone>
+            <a:extLst>
+              <a:ext uri="{28A0092B-C50C-407E-A947-70E740481C1C}">
+                <a14:useLocalDpi xmlns:a14="http://schemas.microsoft.com/office/drawing/2010/main" val="0"/>
+              </a:ext>
+            </a:extLst>
+          </a:blip>
+          <a:stretch>
+            <a:fillRect/>
+          </a:stretch>
+        </p:blipFill>
+        <p:spPr bwMode="auto">
+          <a:xfrm>
+            <a:off x="8521147" y="4555502"/>
+            <a:ext cx="5715000" cy="3000375"/>
+          </a:xfrm>
+          <a:prstGeom prst="rect">
+            <a:avLst/>
+          </a:prstGeom>
+          <a:noFill/>
+          <a:ln>
+            <a:noFill/>
+          </a:ln>
+          <a:extLst>
+            <a:ext uri="{909E8E84-426E-40DD-AFC4-6F175D3DCCD1}">
+              <a14:hiddenFill xmlns:a14="http://schemas.microsoft.com/office/drawing/2010/main">
+                <a:solidFill>
+                  <a:srgbClr val="FFFFFF"/>
+                </a:solidFill>
+              </a14:hiddenFill>
+            </a:ext>
+          </a:extLst>
+        </p:spPr>
+      </p:pic>
     </p:spTree>
     <p:extLst>
       <p:ext uri="{BB962C8B-B14F-4D97-AF65-F5344CB8AC3E}">
@@ -6364,7 +7608,7 @@
 </p:sld>
 </file>
 
-<file path=ppt/slides/slide9.xml><?xml version="1.0" encoding="utf-8"?>
+<file path=ppt/slides/slide8.xml><?xml version="1.0" encoding="utf-8"?>
 <p:sld xmlns:a="http://schemas.openxmlformats.org/drawingml/2006/main" xmlns:r="http://schemas.openxmlformats.org/officeDocument/2006/relationships" xmlns:p="http://schemas.openxmlformats.org/presentationml/2006/main">
   <p:cSld>
     <p:spTree>
@@ -6404,7 +7648,7 @@
         </p:blipFill>
         <p:spPr bwMode="auto">
           <a:xfrm>
-            <a:off x="-249031" y="-971550"/>
+            <a:off x="-171757" y="-1138976"/>
             <a:ext cx="12441031" cy="9380538"/>
           </a:xfrm>
           <a:prstGeom prst="rect">
@@ -6697,7 +7941,7 @@
   <a:extraClrSchemeLst/>
   <a:extLst>
     <a:ext uri="{05A4C25C-085E-4340-85A3-A5531E510DB2}">
-      <thm15:themeFamily xmlns:thm15="http://schemas.microsoft.com/office/thememl/2012/main" xmlns="" name="Office Theme" id="{62F939B6-93AF-4DB8-9C6B-D6C7DFDC589F}" vid="{4A3C46E8-61CC-4603-A589-7422A47A8E4A}"/>
+      <thm15:themeFamily xmlns="" xmlns:thm15="http://schemas.microsoft.com/office/thememl/2012/main" name="Office Theme" id="{62F939B6-93AF-4DB8-9C6B-D6C7DFDC589F}" vid="{4A3C46E8-61CC-4603-A589-7422A47A8E4A}"/>
     </a:ext>
   </a:extLst>
 </a:theme>

--- a/probot.pptx
+++ b/probot.pptx
@@ -113,7 +113,7 @@
   </p:defaultTextStyle>
   <p:extLst>
     <p:ext uri="{EFAFB233-063F-42B5-8137-9DF3F51BA10A}">
-      <p15:sldGuideLst xmlns="" xmlns:p15="http://schemas.microsoft.com/office/powerpoint/2012/main"/>
+      <p15:sldGuideLst xmlns:p15="http://schemas.microsoft.com/office/powerpoint/2012/main" xmlns=""/>
     </p:ext>
   </p:extLst>
 </p:presentation>
@@ -3145,16 +3145,7 @@
                 </a:solidFill>
                 <a:latin typeface="Arial Black" panose="020B0A04020102020204" pitchFamily="34" charset="0"/>
               </a:rPr>
-              <a:t>YOUR </a:t>
-            </a:r>
-            <a:r>
-              <a:rPr lang="en-IN" sz="3000" dirty="0" smtClean="0">
-                <a:solidFill>
-                  <a:schemeClr val="bg1"/>
-                </a:solidFill>
-                <a:latin typeface="Arial Black" panose="020B0A04020102020204" pitchFamily="34" charset="0"/>
-              </a:rPr>
-              <a:t>DAILY TASK</a:t>
+              <a:t>YOUR DAILY TASK</a:t>
             </a:r>
           </a:p>
           <a:p>
@@ -3213,7 +3204,7 @@
         <p:spPr>
           <a:xfrm>
             <a:off x="440872" y="4440904"/>
-            <a:ext cx="1962397" cy="954107"/>
+            <a:ext cx="1975734" cy="1046440"/>
           </a:xfrm>
           <a:prstGeom prst="rect">
             <a:avLst/>
@@ -3227,22 +3218,31 @@
           <a:lstStyle/>
           <a:p>
             <a:r>
-              <a:rPr lang="en-IN" sz="1400" dirty="0">
+              <a:rPr lang="en-IN" sz="2000" b="1" dirty="0" smtClean="0">
+                <a:solidFill>
+                  <a:srgbClr val="FFC000"/>
+                </a:solidFill>
+                <a:latin typeface="Arial Black" panose="020B0A04020102020204" pitchFamily="34" charset="0"/>
+              </a:rPr>
+              <a:t>#</a:t>
+            </a:r>
+            <a:r>
+              <a:rPr lang="en-IN" sz="1400" dirty="0" err="1" smtClean="0">
                 <a:solidFill>
                   <a:schemeClr val="bg1"/>
                 </a:solidFill>
                 <a:latin typeface="Arial Black" panose="020B0A04020102020204" pitchFamily="34" charset="0"/>
               </a:rPr>
-              <a:t>Abhishek </a:t>
-            </a:r>
-            <a:r>
-              <a:rPr lang="en-IN" sz="1400" dirty="0" err="1" smtClean="0">
+              <a:t>Vedang</a:t>
+            </a:r>
+            <a:r>
+              <a:rPr lang="en-IN" sz="1400" smtClean="0">
                 <a:solidFill>
                   <a:schemeClr val="bg1"/>
                 </a:solidFill>
                 <a:latin typeface="Arial Black" panose="020B0A04020102020204" pitchFamily="34" charset="0"/>
               </a:rPr>
-              <a:t>Simla</a:t>
+              <a:t> Mahajan</a:t>
             </a:r>
             <a:endParaRPr lang="en-IN" sz="1400" dirty="0" smtClean="0">
               <a:solidFill>
@@ -3253,7 +3253,7 @@
           </a:p>
           <a:p>
             <a:r>
-              <a:rPr lang="en-IN" sz="1400" dirty="0" err="1">
+              <a:rPr lang="en-IN" sz="1400" dirty="0" err="1" smtClean="0">
                 <a:solidFill>
                   <a:schemeClr val="bg1"/>
                 </a:solidFill>
@@ -3262,7 +3262,7 @@
               <a:t>Komal</a:t>
             </a:r>
             <a:r>
-              <a:rPr lang="en-IN" sz="1400" dirty="0">
+              <a:rPr lang="en-IN" sz="1400" dirty="0" smtClean="0">
                 <a:solidFill>
                   <a:schemeClr val="bg1"/>
                 </a:solidFill>
@@ -3271,7 +3271,7 @@
               <a:t> </a:t>
             </a:r>
             <a:r>
-              <a:rPr lang="en-IN" sz="1400" dirty="0" err="1">
+              <a:rPr lang="en-IN" sz="1400" dirty="0" err="1" smtClean="0">
                 <a:solidFill>
                   <a:schemeClr val="bg1"/>
                 </a:solidFill>
@@ -3294,36 +3294,27 @@
                 </a:solidFill>
                 <a:latin typeface="Arial Black" panose="020B0A04020102020204" pitchFamily="34" charset="0"/>
               </a:rPr>
+              <a:t>Abhishek </a:t>
+            </a:r>
+            <a:r>
+              <a:rPr lang="en-IN" sz="1400" dirty="0" smtClean="0">
+                <a:solidFill>
+                  <a:schemeClr val="bg1"/>
+                </a:solidFill>
+                <a:latin typeface="Arial Black" panose="020B0A04020102020204" pitchFamily="34" charset="0"/>
+              </a:rPr>
+              <a:t>Simla</a:t>
+            </a:r>
+          </a:p>
+          <a:p>
+            <a:r>
+              <a:rPr lang="en-IN" sz="1400" dirty="0" smtClean="0">
+                <a:solidFill>
+                  <a:schemeClr val="bg1"/>
+                </a:solidFill>
+                <a:latin typeface="Arial Black" panose="020B0A04020102020204" pitchFamily="34" charset="0"/>
+              </a:rPr>
               <a:t>Suzanne Christian</a:t>
-            </a:r>
-          </a:p>
-          <a:p>
-            <a:r>
-              <a:rPr lang="en-IN" sz="1400" dirty="0" err="1" smtClean="0">
-                <a:solidFill>
-                  <a:schemeClr val="bg1"/>
-                </a:solidFill>
-                <a:latin typeface="Arial Black" panose="020B0A04020102020204" pitchFamily="34" charset="0"/>
-              </a:rPr>
-              <a:t>Vedang</a:t>
-            </a:r>
-            <a:r>
-              <a:rPr lang="en-IN" sz="1400" dirty="0" smtClean="0">
-                <a:solidFill>
-                  <a:schemeClr val="bg1"/>
-                </a:solidFill>
-                <a:latin typeface="Arial Black" panose="020B0A04020102020204" pitchFamily="34" charset="0"/>
-              </a:rPr>
-              <a:t> </a:t>
-            </a:r>
-            <a:r>
-              <a:rPr lang="en-IN" sz="1400" dirty="0" err="1" smtClean="0">
-                <a:solidFill>
-                  <a:schemeClr val="bg1"/>
-                </a:solidFill>
-                <a:latin typeface="Arial Black" panose="020B0A04020102020204" pitchFamily="34" charset="0"/>
-              </a:rPr>
-              <a:t>Mahanjan</a:t>
             </a:r>
             <a:endParaRPr lang="en-IN" sz="1400" dirty="0" smtClean="0">
               <a:solidFill>
@@ -3374,12 +3365,6 @@
               </a:rPr>
               <a:t>KAOS</a:t>
             </a:r>
-            <a:endParaRPr lang="en-IN" sz="4000" dirty="0" smtClean="0">
-              <a:solidFill>
-                <a:schemeClr val="bg1"/>
-              </a:solidFill>
-              <a:latin typeface="Arial Black" panose="020B0A04020102020204" pitchFamily="34" charset="0"/>
-            </a:endParaRPr>
           </a:p>
         </p:txBody>
       </p:sp>
@@ -3655,16 +3640,7 @@
                 </a:solidFill>
                 <a:latin typeface="Arial Black" panose="020B0A04020102020204" pitchFamily="34" charset="0"/>
               </a:rPr>
-              <a:t>Natural Language </a:t>
-            </a:r>
-            <a:r>
-              <a:rPr lang="en-IN" sz="3200" dirty="0" smtClean="0">
-                <a:solidFill>
-                  <a:schemeClr val="bg1"/>
-                </a:solidFill>
-                <a:latin typeface="Arial Black" panose="020B0A04020102020204" pitchFamily="34" charset="0"/>
-              </a:rPr>
-              <a:t>Understanding</a:t>
+              <a:t>Natural Language Understanding</a:t>
             </a:r>
           </a:p>
           <a:p>
@@ -3705,12 +3681,6 @@
               </a:rPr>
               <a:t>Channels</a:t>
             </a:r>
-            <a:endParaRPr lang="en-IN" sz="3200" dirty="0" smtClean="0">
-              <a:solidFill>
-                <a:schemeClr val="bg1"/>
-              </a:solidFill>
-              <a:latin typeface="Arial Black" panose="020B0A04020102020204" pitchFamily="34" charset="0"/>
-            </a:endParaRPr>
           </a:p>
           <a:p>
             <a:pPr marL="571500" indent="-571500">
@@ -3850,16 +3820,7 @@
                 </a:solidFill>
                 <a:latin typeface="Arial Black" panose="020B0A04020102020204" pitchFamily="34" charset="0"/>
               </a:rPr>
-              <a:t>Booking </a:t>
-            </a:r>
-            <a:r>
-              <a:rPr lang="en-IN" sz="3200" dirty="0" smtClean="0">
-                <a:solidFill>
-                  <a:schemeClr val="bg1"/>
-                </a:solidFill>
-                <a:latin typeface="Arial Black" panose="020B0A04020102020204" pitchFamily="34" charset="0"/>
-              </a:rPr>
-              <a:t>on multiple days</a:t>
+              <a:t>Booking on multiple days</a:t>
             </a:r>
           </a:p>
           <a:p>
@@ -3892,23 +3853,8 @@
                 </a:solidFill>
                 <a:latin typeface="Arial Black" panose="020B0A04020102020204" pitchFamily="34" charset="0"/>
               </a:rPr>
-              <a:t> 4 from 4 pm to 5pm for next </a:t>
-            </a:r>
-            <a:r>
-              <a:rPr lang="en-IN" sz="1600" dirty="0" smtClean="0">
-                <a:solidFill>
-                  <a:srgbClr val="AFDC7E"/>
-                </a:solidFill>
-                <a:latin typeface="Arial Black" panose="020B0A04020102020204" pitchFamily="34" charset="0"/>
-              </a:rPr>
-              <a:t>week</a:t>
-            </a:r>
-            <a:endParaRPr lang="en-IN" sz="1600" dirty="0" smtClean="0">
-              <a:solidFill>
-                <a:srgbClr val="AFDC7E"/>
-              </a:solidFill>
-              <a:latin typeface="Arial Black" panose="020B0A04020102020204" pitchFamily="34" charset="0"/>
-            </a:endParaRPr>
+              <a:t> 4 from 4 pm to 5pm for next week</a:t>
+            </a:r>
           </a:p>
         </p:txBody>
       </p:sp>
@@ -4228,23 +4174,8 @@
                 </a:solidFill>
                 <a:latin typeface="Arial Black" panose="020B0A04020102020204" pitchFamily="34" charset="0"/>
               </a:rPr>
-              <a:t>Difficulty in understanding some </a:t>
-            </a:r>
-            <a:r>
-              <a:rPr lang="en-IN" sz="3200" dirty="0" smtClean="0">
-                <a:solidFill>
-                  <a:schemeClr val="bg1"/>
-                </a:solidFill>
-                <a:latin typeface="Arial Black" panose="020B0A04020102020204" pitchFamily="34" charset="0"/>
-              </a:rPr>
-              <a:t>utterances</a:t>
-            </a:r>
-            <a:endParaRPr lang="en-IN" sz="3200" dirty="0" smtClean="0">
-              <a:solidFill>
-                <a:schemeClr val="bg1"/>
-              </a:solidFill>
-              <a:latin typeface="Arial Black" panose="020B0A04020102020204" pitchFamily="34" charset="0"/>
-            </a:endParaRPr>
+              <a:t>Difficulty in understanding some utterances</a:t>
+            </a:r>
           </a:p>
           <a:p>
             <a:pPr>
@@ -4258,16 +4189,7 @@
                 </a:solidFill>
                 <a:latin typeface="Arial Black" panose="020B0A04020102020204" pitchFamily="34" charset="0"/>
               </a:rPr>
-              <a:t>Too many types of  date-time entities By </a:t>
-            </a:r>
-            <a:r>
-              <a:rPr lang="en-IN" sz="3200" dirty="0" smtClean="0">
-                <a:solidFill>
-                  <a:schemeClr val="bg1"/>
-                </a:solidFill>
-                <a:latin typeface="Arial Black" panose="020B0A04020102020204" pitchFamily="34" charset="0"/>
-              </a:rPr>
-              <a:t>LUIS</a:t>
+              <a:t>Too many types of  date-time entities By LUIS</a:t>
             </a:r>
           </a:p>
           <a:p>
@@ -4329,12 +4251,6 @@
               </a:rPr>
               <a:t>, Date, Time, Duration &amp; their mix</a:t>
             </a:r>
-            <a:endParaRPr lang="en-IN" dirty="0" smtClean="0">
-              <a:solidFill>
-                <a:srgbClr val="D2F1B5"/>
-              </a:solidFill>
-              <a:latin typeface="Arial Black" panose="020B0A04020102020204" pitchFamily="34" charset="0"/>
-            </a:endParaRPr>
           </a:p>
           <a:p>
             <a:pPr>
@@ -4348,16 +4264,7 @@
                 </a:solidFill>
                 <a:latin typeface="Arial Black" panose="020B0A04020102020204" pitchFamily="34" charset="0"/>
               </a:rPr>
-              <a:t>Connecting to Booking </a:t>
-            </a:r>
-            <a:r>
-              <a:rPr lang="en-IN" sz="3200" dirty="0" smtClean="0">
-                <a:solidFill>
-                  <a:schemeClr val="bg1"/>
-                </a:solidFill>
-                <a:latin typeface="Arial Black" panose="020B0A04020102020204" pitchFamily="34" charset="0"/>
-              </a:rPr>
-              <a:t>Server</a:t>
+              <a:t>Connecting to Booking Server</a:t>
             </a:r>
           </a:p>
           <a:p>
@@ -4374,12 +4281,6 @@
               </a:rPr>
               <a:t>How to get Prorigo user credentials via chat</a:t>
             </a:r>
-            <a:endParaRPr lang="en-IN" sz="3200" dirty="0" smtClean="0">
-              <a:solidFill>
-                <a:schemeClr val="bg1"/>
-              </a:solidFill>
-              <a:latin typeface="Arial Black" panose="020B0A04020102020204" pitchFamily="34" charset="0"/>
-            </a:endParaRPr>
           </a:p>
         </p:txBody>
       </p:sp>
@@ -5550,40 +5451,7 @@
                 </a:solidFill>
                 <a:latin typeface="Arial Black" panose="020B0A04020102020204" pitchFamily="34" charset="0"/>
               </a:rPr>
-              <a:t>from </a:t>
-            </a:r>
-            <a:r>
-              <a:rPr lang="en-US" dirty="0" smtClean="0">
-                <a:solidFill>
-                  <a:schemeClr val="accent6">
-                    <a:lumMod val="75000"/>
-                  </a:schemeClr>
-                </a:solidFill>
-                <a:latin typeface="Arial Black" panose="020B0A04020102020204" pitchFamily="34" charset="0"/>
-              </a:rPr>
-              <a:t>3 pm </a:t>
-            </a:r>
-            <a:r>
-              <a:rPr lang="en-US" dirty="0" smtClean="0">
-                <a:solidFill>
-                  <a:schemeClr val="accent6">
-                    <a:lumMod val="75000"/>
-                  </a:schemeClr>
-                </a:solidFill>
-                <a:latin typeface="Arial Black" panose="020B0A04020102020204" pitchFamily="34" charset="0"/>
-              </a:rPr>
-              <a:t>to </a:t>
-            </a:r>
-            <a:r>
-              <a:rPr lang="en-US" dirty="0" smtClean="0">
-                <a:solidFill>
-                  <a:schemeClr val="accent6">
-                    <a:lumMod val="75000"/>
-                  </a:schemeClr>
-                </a:solidFill>
-                <a:latin typeface="Arial Black" panose="020B0A04020102020204" pitchFamily="34" charset="0"/>
-              </a:rPr>
-              <a:t>4 pm</a:t>
+              <a:t>from 3 pm to 4 pm</a:t>
             </a:r>
             <a:endParaRPr lang="en-US" dirty="0">
               <a:solidFill>
@@ -5739,17 +5607,7 @@
                 <a:latin typeface="Arial Black" panose="020B0A04020102020204" pitchFamily="34" charset="0"/>
                 <a:cs typeface="Arial" panose="020B0604020202020204" pitchFamily="34" charset="0"/>
               </a:rPr>
-              <a:t>: </a:t>
-            </a:r>
-            <a:r>
-              <a:rPr lang="en-US" sz="2800" dirty="0" smtClean="0">
-                <a:solidFill>
-                  <a:srgbClr val="AFDC7E"/>
-                </a:solidFill>
-                <a:latin typeface="Arial Black" panose="020B0A04020102020204" pitchFamily="34" charset="0"/>
-                <a:cs typeface="Arial" panose="020B0604020202020204" pitchFamily="34" charset="0"/>
-              </a:rPr>
-              <a:t>}</a:t>
+              <a:t>: }</a:t>
             </a:r>
             <a:endParaRPr lang="en-US" sz="2800" dirty="0">
               <a:solidFill>
@@ -6040,17 +5898,7 @@
                 <a:latin typeface="Arial Black" panose="020B0A04020102020204" pitchFamily="34" charset="0"/>
                 <a:cs typeface="Arial" panose="020B0604020202020204" pitchFamily="34" charset="0"/>
               </a:rPr>
-              <a:t>: </a:t>
-            </a:r>
-            <a:r>
-              <a:rPr lang="en-US" sz="2800" dirty="0" smtClean="0">
-                <a:solidFill>
-                  <a:srgbClr val="AFDC7E"/>
-                </a:solidFill>
-                <a:latin typeface="Arial Black" panose="020B0A04020102020204" pitchFamily="34" charset="0"/>
-                <a:cs typeface="Arial" panose="020B0604020202020204" pitchFamily="34" charset="0"/>
-              </a:rPr>
-              <a:t>}</a:t>
+              <a:t>: }</a:t>
             </a:r>
             <a:endParaRPr lang="en-US" sz="2800" dirty="0">
               <a:solidFill>
@@ -7480,16 +7328,7 @@
                 </a:solidFill>
                 <a:latin typeface="Arial Black" panose="020B0A04020102020204" pitchFamily="34" charset="0"/>
               </a:rPr>
-              <a:t>INVITATION </a:t>
-            </a:r>
-            <a:r>
-              <a:rPr lang="en-US" sz="4000" dirty="0" smtClean="0">
-                <a:solidFill>
-                  <a:schemeClr val="bg1"/>
-                </a:solidFill>
-                <a:latin typeface="Arial Black" panose="020B0A04020102020204" pitchFamily="34" charset="0"/>
-              </a:rPr>
-              <a:t>TO </a:t>
+              <a:t>INVITATION TO </a:t>
             </a:r>
             <a:r>
               <a:rPr lang="en-US" sz="4000" dirty="0" err="1" smtClean="0">
@@ -7515,25 +7354,7 @@
                 </a:solidFill>
                 <a:latin typeface="Arial Black" panose="020B0A04020102020204" pitchFamily="34" charset="0"/>
               </a:rPr>
-              <a:t>COMING </a:t>
-            </a:r>
-            <a:r>
-              <a:rPr lang="en-US" sz="4000" dirty="0" smtClean="0">
-                <a:solidFill>
-                  <a:schemeClr val="bg1"/>
-                </a:solidFill>
-                <a:latin typeface="Arial Black" panose="020B0A04020102020204" pitchFamily="34" charset="0"/>
-              </a:rPr>
-              <a:t>SOON</a:t>
-            </a:r>
-            <a:r>
-              <a:rPr lang="en-US" sz="4000" dirty="0" smtClean="0">
-                <a:solidFill>
-                  <a:schemeClr val="bg1"/>
-                </a:solidFill>
-                <a:latin typeface="Arial Black" panose="020B0A04020102020204" pitchFamily="34" charset="0"/>
-              </a:rPr>
-              <a:t>!</a:t>
+              <a:t>COMING SOON!</a:t>
             </a:r>
           </a:p>
         </p:txBody>
@@ -7941,7 +7762,7 @@
   <a:extraClrSchemeLst/>
   <a:extLst>
     <a:ext uri="{05A4C25C-085E-4340-85A3-A5531E510DB2}">
-      <thm15:themeFamily xmlns="" xmlns:thm15="http://schemas.microsoft.com/office/thememl/2012/main" name="Office Theme" id="{62F939B6-93AF-4DB8-9C6B-D6C7DFDC589F}" vid="{4A3C46E8-61CC-4603-A589-7422A47A8E4A}"/>
+      <thm15:themeFamily xmlns:thm15="http://schemas.microsoft.com/office/thememl/2012/main" xmlns="" name="Office Theme" id="{62F939B6-93AF-4DB8-9C6B-D6C7DFDC589F}" vid="{4A3C46E8-61CC-4603-A589-7422A47A8E4A}"/>
     </a:ext>
   </a:extLst>
 </a:theme>
